--- a/presentation_v2.0.pptx
+++ b/presentation_v2.0.pptx
@@ -15,13 +15,13 @@
     <p:sldId id="257" r:id="rId6"/>
     <p:sldId id="258" r:id="rId7"/>
     <p:sldId id="259" r:id="rId8"/>
-    <p:sldId id="260" r:id="rId9"/>
-    <p:sldId id="261" r:id="rId10"/>
-    <p:sldId id="282" r:id="rId11"/>
-    <p:sldId id="283" r:id="rId12"/>
-    <p:sldId id="284" r:id="rId13"/>
-    <p:sldId id="285" r:id="rId14"/>
-    <p:sldId id="281" r:id="rId15"/>
+    <p:sldId id="261" r:id="rId9"/>
+    <p:sldId id="282" r:id="rId10"/>
+    <p:sldId id="283" r:id="rId11"/>
+    <p:sldId id="284" r:id="rId12"/>
+    <p:sldId id="285" r:id="rId13"/>
+    <p:sldId id="281" r:id="rId14"/>
+    <p:sldId id="260" r:id="rId15"/>
     <p:sldId id="267" r:id="rId16"/>
     <p:sldId id="264" r:id="rId17"/>
     <p:sldId id="270" r:id="rId18"/>
@@ -134,7 +134,6 @@
             <p14:sldId id="257"/>
             <p14:sldId id="258"/>
             <p14:sldId id="259"/>
-            <p14:sldId id="260"/>
             <p14:sldId id="261"/>
             <p14:sldId id="282"/>
             <p14:sldId id="283"/>
@@ -145,6 +144,7 @@
         </p14:section>
         <p14:section name="Backup Slide" id="{853B748D-190A-4C3F-AE96-ADBD6DC41510}">
           <p14:sldIdLst>
+            <p14:sldId id="260"/>
             <p14:sldId id="267"/>
             <p14:sldId id="264"/>
             <p14:sldId id="270"/>
@@ -241,7 +241,7 @@
           <a:p>
             <a:fld id="{1194AB80-D395-4F6C-B129-7800A2D57260}" type="datetimeFigureOut">
               <a:rPr lang="en-US" smtClean="0"/>
-              <a:t>12/3/2020</a:t>
+              <a:t>12/4/2020</a:t>
             </a:fld>
             <a:endParaRPr lang="en-US"/>
           </a:p>
@@ -638,8 +638,18 @@
               <a:buAutoNum type="arabicParenR"/>
             </a:pPr>
             <a:r>
-              <a:rPr lang="en-US" dirty="0"/>
+              <a:rPr lang="en-US" u="sng" dirty="0"/>
               <a:t>Content-based filtering: </a:t>
+            </a:r>
+            <a:r>
+              <a:rPr lang="en-US" b="0" i="0" u="sng" dirty="0">
+                <a:solidFill>
+                  <a:srgbClr val="292929"/>
+                </a:solidFill>
+                <a:effectLst/>
+                <a:latin typeface="charter"/>
+              </a:rPr>
+              <a:t>The Content-Based Recommender relies on the similarity of the items being recommended </a:t>
             </a:r>
             <a:r>
               <a:rPr lang="en-US" b="0" i="0" dirty="0">
@@ -649,7 +659,27 @@
                 <a:effectLst/>
                 <a:latin typeface="charter"/>
               </a:rPr>
-              <a:t>The Content-Based Recommender relies on the similarity of the items being recommended, and sometime it’s also known as the similarity-based filtering. The basic idea is that if you like an item, then you will also like a “similar” item. But, in order to define the similar items, you first need a way to define the similarity between the item or users. But, since that’s not the focus of our project, so I won’t go into too much detail about that.</a:t>
+              <a:t>(and sometime it’s also known as the similarity-based filtering).</a:t>
+            </a:r>
+            <a:r>
+              <a:rPr lang="en-US" b="0" i="0" u="sng" dirty="0">
+                <a:solidFill>
+                  <a:srgbClr val="292929"/>
+                </a:solidFill>
+                <a:effectLst/>
+                <a:latin typeface="charter"/>
+              </a:rPr>
+              <a:t> The basic idea is that if you like an item, then you will also like a “similar” item. </a:t>
+            </a:r>
+            <a:r>
+              <a:rPr lang="en-US" b="0" i="0" dirty="0">
+                <a:solidFill>
+                  <a:srgbClr val="292929"/>
+                </a:solidFill>
+                <a:effectLst/>
+                <a:latin typeface="charter"/>
+              </a:rPr>
+              <a:t>But, in order to define the similar items, you first need a way to define the similarity between the item or users. But, since that’s not the focus of our project, so I won’t go into too much detail about that.</a:t>
             </a:r>
           </a:p>
           <a:p>
@@ -658,7 +688,7 @@
             </a:pPr>
             <a:r>
               <a:rPr lang="en-US" dirty="0"/>
-              <a:t>The collaborative filtering is based on the idea that, the user who have agreed in the past tend to also agree in the future. For example, to the picture at the right, we see the User-4 bought Iterm-1 and Iterm-2, in the meantime, we observed that all three users (User1-3) agreed the Item-3 is worth purchasing in the past, hence we can assume the Item-3 is something worth for the User-4 to purchase as well.</a:t>
+              <a:t>The collaborative filtering is based on the idea that, the user who have agreed in the past tend to also agree in the future. For example, to the picture at the right, we see the User-4 bought Iterm-1 and Iterm-2, in the meantime, we observed that all three users (User1-3) agreed the Item-3 is worth purchasing in the past, then it’s likely that the Item-3 is something worth for the User-4 to purchase as well.</a:t>
             </a:r>
           </a:p>
           <a:p>
@@ -1081,6 +1111,229 @@
           </a:bodyPr>
           <a:lstStyle/>
           <a:p>
+            <a:pPr marL="0" marR="0" lvl="0" indent="0" algn="l" defTabSz="914400" rtl="0" eaLnBrk="1" fontAlgn="auto" latinLnBrk="0" hangingPunct="1">
+              <a:lnSpc>
+                <a:spcPct val="100000"/>
+              </a:lnSpc>
+              <a:spcBef>
+                <a:spcPts val="0"/>
+              </a:spcBef>
+              <a:spcAft>
+                <a:spcPts val="0"/>
+              </a:spcAft>
+              <a:buClrTx/>
+              <a:buSzTx/>
+              <a:buFontTx/>
+              <a:buNone/>
+              <a:tabLst/>
+              <a:defRPr/>
+            </a:pPr>
+            <a:r>
+              <a:rPr lang="en-US" dirty="0"/>
+              <a:t>The movie dataset is token from Kaggle, and is originally released by </a:t>
+            </a:r>
+            <a:r>
+              <a:rPr lang="en-US" dirty="0" err="1"/>
+              <a:t>MovieLens</a:t>
+            </a:r>
+            <a:r>
+              <a:rPr lang="en-US" dirty="0"/>
+              <a:t> website, which is a project run </a:t>
+            </a:r>
+            <a:r>
+              <a:rPr lang="en-US" b="0" i="0" dirty="0">
+                <a:effectLst/>
+                <a:latin typeface="Roboto" panose="02000000000000000000" pitchFamily="2" charset="0"/>
+              </a:rPr>
+              <a:t>by </a:t>
+            </a:r>
+            <a:r>
+              <a:rPr lang="en-US" b="0" i="0" u="none" strike="noStrike" dirty="0" err="1">
+                <a:solidFill>
+                  <a:srgbClr val="3BACE1"/>
+                </a:solidFill>
+                <a:effectLst/>
+                <a:latin typeface="Roboto" panose="02000000000000000000" pitchFamily="2" charset="0"/>
+                <a:hlinkClick r:id="rId3"/>
+              </a:rPr>
+              <a:t>GroupLens</a:t>
+            </a:r>
+            <a:r>
+              <a:rPr lang="en-US" b="0" i="0" dirty="0">
+                <a:effectLst/>
+                <a:latin typeface="Roboto" panose="02000000000000000000" pitchFamily="2" charset="0"/>
+              </a:rPr>
+              <a:t>, it’s a research lab at the University of Minnesota.</a:t>
+            </a:r>
+          </a:p>
+          <a:p>
+            <a:pPr marL="0" marR="0" lvl="0" indent="0" algn="l" defTabSz="914400" rtl="0" eaLnBrk="1" fontAlgn="auto" latinLnBrk="0" hangingPunct="1">
+              <a:lnSpc>
+                <a:spcPct val="100000"/>
+              </a:lnSpc>
+              <a:spcBef>
+                <a:spcPts val="0"/>
+              </a:spcBef>
+              <a:spcAft>
+                <a:spcPts val="0"/>
+              </a:spcAft>
+              <a:buClrTx/>
+              <a:buSzTx/>
+              <a:buFontTx/>
+              <a:buNone/>
+              <a:tabLst/>
+              <a:defRPr/>
+            </a:pPr>
+            <a:endParaRPr lang="en-US" b="0" i="0" dirty="0">
+              <a:effectLst/>
+              <a:latin typeface="Roboto" panose="02000000000000000000" pitchFamily="2" charset="0"/>
+            </a:endParaRPr>
+          </a:p>
+          <a:p>
+            <a:pPr marL="0" marR="0" lvl="0" indent="0" algn="l" defTabSz="914400" rtl="0" eaLnBrk="1" fontAlgn="auto" latinLnBrk="0" hangingPunct="1">
+              <a:lnSpc>
+                <a:spcPct val="100000"/>
+              </a:lnSpc>
+              <a:spcBef>
+                <a:spcPts val="0"/>
+              </a:spcBef>
+              <a:spcAft>
+                <a:spcPts val="0"/>
+              </a:spcAft>
+              <a:buClrTx/>
+              <a:buSzTx/>
+              <a:buFontTx/>
+              <a:buNone/>
+              <a:tabLst/>
+              <a:defRPr/>
+            </a:pPr>
+            <a:r>
+              <a:rPr lang="en-US" b="0" i="0" dirty="0">
+                <a:effectLst/>
+                <a:latin typeface="Roboto" panose="02000000000000000000" pitchFamily="2" charset="0"/>
+              </a:rPr>
+              <a:t>And, here is some feature about the dataset. This dataset had abundant features as you can see in the figure. But, here is couple features that we considered to use</a:t>
+            </a:r>
+            <a:r>
+              <a:rPr lang="zh-CN" altLang="en-US" b="0" i="0" dirty="0">
+                <a:effectLst/>
+                <a:latin typeface="Roboto" panose="02000000000000000000" pitchFamily="2" charset="0"/>
+              </a:rPr>
+              <a:t>：</a:t>
+            </a:r>
+            <a:endParaRPr lang="en-US" altLang="zh-CN" b="0" i="0" dirty="0">
+              <a:effectLst/>
+              <a:latin typeface="Roboto" panose="02000000000000000000" pitchFamily="2" charset="0"/>
+            </a:endParaRPr>
+          </a:p>
+          <a:p>
+            <a:pPr marL="171450" marR="0" lvl="0" indent="-171450" algn="l" defTabSz="914400" rtl="0" eaLnBrk="1" fontAlgn="auto" latinLnBrk="0" hangingPunct="1">
+              <a:lnSpc>
+                <a:spcPct val="100000"/>
+              </a:lnSpc>
+              <a:spcBef>
+                <a:spcPts val="0"/>
+              </a:spcBef>
+              <a:spcAft>
+                <a:spcPts val="0"/>
+              </a:spcAft>
+              <a:buClrTx/>
+              <a:buSzTx/>
+              <a:buFontTx/>
+              <a:buChar char="-"/>
+              <a:tabLst/>
+              <a:defRPr/>
+            </a:pPr>
+            <a:r>
+              <a:rPr lang="en-US" altLang="zh-CN" b="0" i="0" dirty="0">
+                <a:effectLst/>
+                <a:latin typeface="Roboto" panose="02000000000000000000" pitchFamily="2" charset="0"/>
+              </a:rPr>
+              <a:t>Text: an overview for the movie</a:t>
+            </a:r>
+          </a:p>
+          <a:p>
+            <a:pPr marL="171450" marR="0" lvl="0" indent="-171450" algn="l" defTabSz="914400" rtl="0" eaLnBrk="1" fontAlgn="auto" latinLnBrk="0" hangingPunct="1">
+              <a:lnSpc>
+                <a:spcPct val="100000"/>
+              </a:lnSpc>
+              <a:spcBef>
+                <a:spcPts val="0"/>
+              </a:spcBef>
+              <a:spcAft>
+                <a:spcPts val="0"/>
+              </a:spcAft>
+              <a:buClrTx/>
+              <a:buSzTx/>
+              <a:buFontTx/>
+              <a:buChar char="-"/>
+              <a:tabLst/>
+              <a:defRPr/>
+            </a:pPr>
+            <a:r>
+              <a:rPr lang="en-US" b="0" i="0" dirty="0">
+                <a:effectLst/>
+                <a:latin typeface="Roboto" panose="02000000000000000000" pitchFamily="2" charset="0"/>
+              </a:rPr>
+              <a:t>Rating is constituted by 4 elements, </a:t>
+            </a:r>
+            <a:r>
+              <a:rPr lang="en-US" b="0" i="0" dirty="0" err="1">
+                <a:effectLst/>
+                <a:latin typeface="Roboto" panose="02000000000000000000" pitchFamily="2" charset="0"/>
+              </a:rPr>
+              <a:t>UsrID</a:t>
+            </a:r>
+            <a:r>
+              <a:rPr lang="en-US" b="0" i="0" dirty="0">
+                <a:effectLst/>
+                <a:latin typeface="Roboto" panose="02000000000000000000" pitchFamily="2" charset="0"/>
+              </a:rPr>
+              <a:t>, </a:t>
+            </a:r>
+            <a:r>
+              <a:rPr lang="en-US" b="0" i="0" dirty="0" err="1">
+                <a:effectLst/>
+                <a:latin typeface="Roboto" panose="02000000000000000000" pitchFamily="2" charset="0"/>
+              </a:rPr>
+              <a:t>movieID</a:t>
+            </a:r>
+            <a:r>
+              <a:rPr lang="en-US" b="0" i="0" dirty="0">
+                <a:effectLst/>
+                <a:latin typeface="Roboto" panose="02000000000000000000" pitchFamily="2" charset="0"/>
+              </a:rPr>
+              <a:t>, rating(an integer scaled from 1-5), and timestamp</a:t>
+            </a:r>
+          </a:p>
+          <a:p>
+            <a:pPr marL="171450" marR="0" lvl="0" indent="-171450" algn="l" defTabSz="914400" rtl="0" eaLnBrk="1" fontAlgn="auto" latinLnBrk="0" hangingPunct="1">
+              <a:lnSpc>
+                <a:spcPct val="100000"/>
+              </a:lnSpc>
+              <a:spcBef>
+                <a:spcPts val="0"/>
+              </a:spcBef>
+              <a:spcAft>
+                <a:spcPts val="0"/>
+              </a:spcAft>
+              <a:buClrTx/>
+              <a:buSzTx/>
+              <a:buFontTx/>
+              <a:buChar char="-"/>
+              <a:tabLst/>
+              <a:defRPr/>
+            </a:pPr>
+            <a:r>
+              <a:rPr lang="en-US" b="0" i="0" dirty="0">
+                <a:effectLst/>
+                <a:latin typeface="Roboto" panose="02000000000000000000" pitchFamily="2" charset="0"/>
+              </a:rPr>
+              <a:t>Some other attributed include genre and credits</a:t>
+            </a:r>
+            <a:endParaRPr lang="en-US" dirty="0"/>
+          </a:p>
+          <a:p>
             <a:pPr marL="0" lvl="0" indent="0" algn="l" rtl="0">
               <a:spcBef>
                 <a:spcPts val="0"/>
@@ -1090,7 +1343,7 @@
               </a:spcAft>
               <a:buNone/>
             </a:pPr>
-            <a:endParaRPr/>
+            <a:endParaRPr dirty="0"/>
           </a:p>
         </p:txBody>
       </p:sp>
@@ -1330,115 +1583,6 @@
   <p:cSld>
     <p:spTree>
       <p:nvGrpSpPr>
-        <p:cNvPr id="1" name="Shape 86"/>
-        <p:cNvGrpSpPr/>
-        <p:nvPr/>
-      </p:nvGrpSpPr>
-      <p:grpSpPr>
-        <a:xfrm>
-          <a:off x="0" y="0"/>
-          <a:ext cx="0" cy="0"/>
-          <a:chOff x="0" y="0"/>
-          <a:chExt cx="0" cy="0"/>
-        </a:xfrm>
-      </p:grpSpPr>
-      <p:sp>
-        <p:nvSpPr>
-          <p:cNvPr id="87" name="Google Shape;87;ga5bd3fb1b0_0_340:notes"/>
-          <p:cNvSpPr>
-            <a:spLocks noGrp="1" noRot="1" noChangeAspect="1"/>
-          </p:cNvSpPr>
-          <p:nvPr>
-            <p:ph type="sldImg" idx="2"/>
-          </p:nvPr>
-        </p:nvSpPr>
-        <p:spPr>
-          <a:xfrm>
-            <a:off x="381300" y="685800"/>
-            <a:ext cx="6096000" cy="3429000"/>
-          </a:xfrm>
-          <a:custGeom>
-            <a:avLst/>
-            <a:gdLst/>
-            <a:ahLst/>
-            <a:cxnLst/>
-            <a:rect l="l" t="t" r="r" b="b"/>
-            <a:pathLst>
-              <a:path w="120000" h="120000" extrusionOk="0">
-                <a:moveTo>
-                  <a:pt x="0" y="0"/>
-                </a:moveTo>
-                <a:lnTo>
-                  <a:pt x="120000" y="0"/>
-                </a:lnTo>
-                <a:lnTo>
-                  <a:pt x="120000" y="120000"/>
-                </a:lnTo>
-                <a:lnTo>
-                  <a:pt x="0" y="120000"/>
-                </a:lnTo>
-                <a:close/>
-              </a:path>
-            </a:pathLst>
-          </a:custGeom>
-        </p:spPr>
-      </p:sp>
-      <p:sp>
-        <p:nvSpPr>
-          <p:cNvPr id="88" name="Google Shape;88;ga5bd3fb1b0_0_340:notes"/>
-          <p:cNvSpPr txBox="1">
-            <a:spLocks noGrp="1"/>
-          </p:cNvSpPr>
-          <p:nvPr>
-            <p:ph type="body" idx="1"/>
-          </p:nvPr>
-        </p:nvSpPr>
-        <p:spPr>
-          <a:xfrm>
-            <a:off x="685800" y="4343400"/>
-            <a:ext cx="5486400" cy="4114800"/>
-          </a:xfrm>
-          <a:prstGeom prst="rect">
-            <a:avLst/>
-          </a:prstGeom>
-        </p:spPr>
-        <p:txBody>
-          <a:bodyPr spcFirstLastPara="1" wrap="square" lIns="91425" tIns="91425" rIns="91425" bIns="91425" anchor="t" anchorCtr="0">
-            <a:noAutofit/>
-          </a:bodyPr>
-          <a:lstStyle/>
-          <a:p>
-            <a:pPr marL="0" lvl="0" indent="0" algn="l" rtl="0">
-              <a:spcBef>
-                <a:spcPts val="0"/>
-              </a:spcBef>
-              <a:spcAft>
-                <a:spcPts val="0"/>
-              </a:spcAft>
-              <a:buNone/>
-            </a:pPr>
-            <a:endParaRPr/>
-          </a:p>
-        </p:txBody>
-      </p:sp>
-    </p:spTree>
-    <p:extLst>
-      <p:ext uri="{BB962C8B-B14F-4D97-AF65-F5344CB8AC3E}">
-        <p14:creationId xmlns:p14="http://schemas.microsoft.com/office/powerpoint/2010/main" val="958500602"/>
-      </p:ext>
-    </p:extLst>
-  </p:cSld>
-  <p:clrMapOvr>
-    <a:masterClrMapping/>
-  </p:clrMapOvr>
-</p:notes>
-</file>
-
-<file path=ppt/notesSlides/notesSlide6.xml><?xml version="1.0" encoding="utf-8"?>
-<p:notes xmlns:a="http://schemas.openxmlformats.org/drawingml/2006/main" xmlns:r="http://schemas.openxmlformats.org/officeDocument/2006/relationships" xmlns:p="http://schemas.openxmlformats.org/presentationml/2006/main" showMasterSp="0" showMasterPhAnim="0">
-  <p:cSld>
-    <p:spTree>
-      <p:nvGrpSpPr>
         <p:cNvPr id="1" name="Shape 92"/>
         <p:cNvGrpSpPr/>
         <p:nvPr/>
@@ -1543,7 +1687,7 @@
 </p:notes>
 </file>
 
-<file path=ppt/notesSlides/notesSlide7.xml><?xml version="1.0" encoding="utf-8"?>
+<file path=ppt/notesSlides/notesSlide6.xml><?xml version="1.0" encoding="utf-8"?>
 <p:notes xmlns:a="http://schemas.openxmlformats.org/drawingml/2006/main" xmlns:r="http://schemas.openxmlformats.org/officeDocument/2006/relationships" xmlns:p="http://schemas.openxmlformats.org/presentationml/2006/main" showMasterSp="0" showMasterPhAnim="0">
   <p:cSld>
     <p:spTree>
@@ -1652,7 +1796,7 @@
 </p:notes>
 </file>
 
-<file path=ppt/notesSlides/notesSlide8.xml><?xml version="1.0" encoding="utf-8"?>
+<file path=ppt/notesSlides/notesSlide7.xml><?xml version="1.0" encoding="utf-8"?>
 <p:notes xmlns:a="http://schemas.openxmlformats.org/drawingml/2006/main" xmlns:r="http://schemas.openxmlformats.org/officeDocument/2006/relationships" xmlns:p="http://schemas.openxmlformats.org/presentationml/2006/main" showMasterSp="0" showMasterPhAnim="0">
   <p:cSld>
     <p:spTree>
@@ -1765,7 +1909,7 @@
 </p:notes>
 </file>
 
-<file path=ppt/notesSlides/notesSlide9.xml><?xml version="1.0" encoding="utf-8"?>
+<file path=ppt/notesSlides/notesSlide8.xml><?xml version="1.0" encoding="utf-8"?>
 <p:notes xmlns:a="http://schemas.openxmlformats.org/drawingml/2006/main" xmlns:r="http://schemas.openxmlformats.org/officeDocument/2006/relationships" xmlns:p="http://schemas.openxmlformats.org/presentationml/2006/main" showMasterSp="0" showMasterPhAnim="0">
   <p:cSld>
     <p:spTree>
@@ -1874,6 +2018,115 @@
 </p:notes>
 </file>
 
+<file path=ppt/notesSlides/notesSlide9.xml><?xml version="1.0" encoding="utf-8"?>
+<p:notes xmlns:a="http://schemas.openxmlformats.org/drawingml/2006/main" xmlns:r="http://schemas.openxmlformats.org/officeDocument/2006/relationships" xmlns:p="http://schemas.openxmlformats.org/presentationml/2006/main" showMasterSp="0" showMasterPhAnim="0">
+  <p:cSld>
+    <p:spTree>
+      <p:nvGrpSpPr>
+        <p:cNvPr id="1" name="Shape 86"/>
+        <p:cNvGrpSpPr/>
+        <p:nvPr/>
+      </p:nvGrpSpPr>
+      <p:grpSpPr>
+        <a:xfrm>
+          <a:off x="0" y="0"/>
+          <a:ext cx="0" cy="0"/>
+          <a:chOff x="0" y="0"/>
+          <a:chExt cx="0" cy="0"/>
+        </a:xfrm>
+      </p:grpSpPr>
+      <p:sp>
+        <p:nvSpPr>
+          <p:cNvPr id="87" name="Google Shape;87;ga5bd3fb1b0_0_340:notes"/>
+          <p:cNvSpPr>
+            <a:spLocks noGrp="1" noRot="1" noChangeAspect="1"/>
+          </p:cNvSpPr>
+          <p:nvPr>
+            <p:ph type="sldImg" idx="2"/>
+          </p:nvPr>
+        </p:nvSpPr>
+        <p:spPr>
+          <a:xfrm>
+            <a:off x="381000" y="685800"/>
+            <a:ext cx="6096000" cy="3429000"/>
+          </a:xfrm>
+          <a:custGeom>
+            <a:avLst/>
+            <a:gdLst/>
+            <a:ahLst/>
+            <a:cxnLst/>
+            <a:rect l="l" t="t" r="r" b="b"/>
+            <a:pathLst>
+              <a:path w="120000" h="120000" extrusionOk="0">
+                <a:moveTo>
+                  <a:pt x="0" y="0"/>
+                </a:moveTo>
+                <a:lnTo>
+                  <a:pt x="120000" y="0"/>
+                </a:lnTo>
+                <a:lnTo>
+                  <a:pt x="120000" y="120000"/>
+                </a:lnTo>
+                <a:lnTo>
+                  <a:pt x="0" y="120000"/>
+                </a:lnTo>
+                <a:close/>
+              </a:path>
+            </a:pathLst>
+          </a:custGeom>
+        </p:spPr>
+      </p:sp>
+      <p:sp>
+        <p:nvSpPr>
+          <p:cNvPr id="88" name="Google Shape;88;ga5bd3fb1b0_0_340:notes"/>
+          <p:cNvSpPr txBox="1">
+            <a:spLocks noGrp="1"/>
+          </p:cNvSpPr>
+          <p:nvPr>
+            <p:ph type="body" idx="1"/>
+          </p:nvPr>
+        </p:nvSpPr>
+        <p:spPr>
+          <a:xfrm>
+            <a:off x="685800" y="4343400"/>
+            <a:ext cx="5486400" cy="4114800"/>
+          </a:xfrm>
+          <a:prstGeom prst="rect">
+            <a:avLst/>
+          </a:prstGeom>
+        </p:spPr>
+        <p:txBody>
+          <a:bodyPr spcFirstLastPara="1" wrap="square" lIns="91425" tIns="91425" rIns="91425" bIns="91425" anchor="t" anchorCtr="0">
+            <a:noAutofit/>
+          </a:bodyPr>
+          <a:lstStyle/>
+          <a:p>
+            <a:pPr marL="0" lvl="0" indent="0" algn="l" rtl="0">
+              <a:spcBef>
+                <a:spcPts val="0"/>
+              </a:spcBef>
+              <a:spcAft>
+                <a:spcPts val="0"/>
+              </a:spcAft>
+              <a:buNone/>
+            </a:pPr>
+            <a:endParaRPr/>
+          </a:p>
+        </p:txBody>
+      </p:sp>
+    </p:spTree>
+    <p:extLst>
+      <p:ext uri="{BB962C8B-B14F-4D97-AF65-F5344CB8AC3E}">
+        <p14:creationId xmlns:p14="http://schemas.microsoft.com/office/powerpoint/2010/main" val="958500602"/>
+      </p:ext>
+    </p:extLst>
+  </p:cSld>
+  <p:clrMapOvr>
+    <a:masterClrMapping/>
+  </p:clrMapOvr>
+</p:notes>
+</file>
+
 <file path=ppt/slideLayouts/slideLayout1.xml><?xml version="1.0" encoding="utf-8"?>
 <p:sldLayout xmlns:a="http://schemas.openxmlformats.org/drawingml/2006/main" xmlns:r="http://schemas.openxmlformats.org/officeDocument/2006/relationships" xmlns:p="http://schemas.openxmlformats.org/presentationml/2006/main" type="title" preserve="1">
   <p:cSld name="Title Slide">
@@ -2030,7 +2283,7 @@
           <a:p>
             <a:fld id="{02AC24A9-CCB6-4F8D-B8DB-C2F3692CFA5A}" type="datetimeFigureOut">
               <a:rPr lang="en-US" smtClean="0"/>
-              <a:t>12/3/2020</a:t>
+              <a:t>12/4/2020</a:t>
             </a:fld>
             <a:endParaRPr lang="en-US" dirty="0"/>
           </a:p>
@@ -2400,7 +2653,7 @@
           <a:p>
             <a:fld id="{02AC24A9-CCB6-4F8D-B8DB-C2F3692CFA5A}" type="datetimeFigureOut">
               <a:rPr lang="en-US" smtClean="0"/>
-              <a:t>12/3/2020</a:t>
+              <a:t>12/4/2020</a:t>
             </a:fld>
             <a:endParaRPr lang="en-US"/>
           </a:p>
@@ -2609,7 +2862,7 @@
           <a:p>
             <a:fld id="{02AC24A9-CCB6-4F8D-B8DB-C2F3692CFA5A}" type="datetimeFigureOut">
               <a:rPr lang="en-US" smtClean="0"/>
-              <a:t>12/3/2020</a:t>
+              <a:t>12/4/2020</a:t>
             </a:fld>
             <a:endParaRPr lang="en-US"/>
           </a:p>
@@ -6685,7 +6938,7 @@
           <a:p>
             <a:fld id="{02AC24A9-CCB6-4F8D-B8DB-C2F3692CFA5A}" type="datetimeFigureOut">
               <a:rPr lang="en-US" smtClean="0"/>
-              <a:t>12/3/2020</a:t>
+              <a:t>12/4/2020</a:t>
             </a:fld>
             <a:endParaRPr lang="en-US" dirty="0"/>
           </a:p>
@@ -7843,7 +8096,7 @@
           <a:p>
             <a:fld id="{02AC24A9-CCB6-4F8D-B8DB-C2F3692CFA5A}" type="datetimeFigureOut">
               <a:rPr lang="en-US" smtClean="0"/>
-              <a:t>12/3/2020</a:t>
+              <a:t>12/4/2020</a:t>
             </a:fld>
             <a:endParaRPr lang="en-US"/>
           </a:p>
@@ -8375,7 +8628,7 @@
           <a:p>
             <a:fld id="{02AC24A9-CCB6-4F8D-B8DB-C2F3692CFA5A}" type="datetimeFigureOut">
               <a:rPr lang="en-US" smtClean="0"/>
-              <a:t>12/3/2020</a:t>
+              <a:t>12/4/2020</a:t>
             </a:fld>
             <a:endParaRPr lang="en-US"/>
           </a:p>
@@ -9074,7 +9327,7 @@
           <a:p>
             <a:fld id="{02AC24A9-CCB6-4F8D-B8DB-C2F3692CFA5A}" type="datetimeFigureOut">
               <a:rPr lang="en-US" smtClean="0"/>
-              <a:t>12/3/2020</a:t>
+              <a:t>12/4/2020</a:t>
             </a:fld>
             <a:endParaRPr lang="en-US"/>
           </a:p>
@@ -9403,7 +9656,7 @@
           <a:p>
             <a:fld id="{02AC24A9-CCB6-4F8D-B8DB-C2F3692CFA5A}" type="datetimeFigureOut">
               <a:rPr lang="en-US" smtClean="0"/>
-              <a:t>12/3/2020</a:t>
+              <a:t>12/4/2020</a:t>
             </a:fld>
             <a:endParaRPr lang="en-US"/>
           </a:p>
@@ -9516,7 +9769,7 @@
           <a:p>
             <a:fld id="{02AC24A9-CCB6-4F8D-B8DB-C2F3692CFA5A}" type="datetimeFigureOut">
               <a:rPr lang="en-US" smtClean="0"/>
-              <a:t>12/3/2020</a:t>
+              <a:t>12/4/2020</a:t>
             </a:fld>
             <a:endParaRPr lang="en-US"/>
           </a:p>
@@ -10011,7 +10264,7 @@
           <a:p>
             <a:fld id="{02AC24A9-CCB6-4F8D-B8DB-C2F3692CFA5A}" type="datetimeFigureOut">
               <a:rPr lang="en-US" smtClean="0"/>
-              <a:t>12/3/2020</a:t>
+              <a:t>12/4/2020</a:t>
             </a:fld>
             <a:endParaRPr lang="en-US" dirty="0"/>
           </a:p>
@@ -10488,7 +10741,7 @@
           <a:p>
             <a:fld id="{02AC24A9-CCB6-4F8D-B8DB-C2F3692CFA5A}" type="datetimeFigureOut">
               <a:rPr lang="en-US" smtClean="0"/>
-              <a:t>12/3/2020</a:t>
+              <a:t>12/4/2020</a:t>
             </a:fld>
             <a:endParaRPr lang="en-US"/>
           </a:p>
@@ -10731,7 +10984,7 @@
           <a:p>
             <a:fld id="{02AC24A9-CCB6-4F8D-B8DB-C2F3692CFA5A}" type="datetimeFigureOut">
               <a:rPr lang="en-US" smtClean="0"/>
-              <a:t>12/3/2020</a:t>
+              <a:t>12/4/2020</a:t>
             </a:fld>
             <a:endParaRPr lang="en-US"/>
           </a:p>
@@ -12637,7 +12890,7 @@
   <p:cSld>
     <p:spTree>
       <p:nvGrpSpPr>
-        <p:cNvPr id="1" name="Shape 117"/>
+        <p:cNvPr id="1" name="Shape 125"/>
         <p:cNvGrpSpPr/>
         <p:nvPr/>
       </p:nvGrpSpPr>
@@ -12651,7 +12904,7 @@
       </p:grpSpPr>
       <p:sp>
         <p:nvSpPr>
-          <p:cNvPr id="118" name="Google Shape;118;p20"/>
+          <p:cNvPr id="126" name="Google Shape;126;p21"/>
           <p:cNvSpPr txBox="1">
             <a:spLocks noGrp="1"/>
           </p:cNvSpPr>
@@ -12676,7 +12929,7 @@
           <a:p>
             <a:r>
               <a:rPr lang="en"/>
-              <a:t>Preliminary results</a:t>
+              <a:t>Takeaway</a:t>
             </a:r>
             <a:endParaRPr/>
           </a:p>
@@ -12684,7 +12937,7 @@
       </p:sp>
       <p:sp>
         <p:nvSpPr>
-          <p:cNvPr id="119" name="Google Shape;119;p20"/>
+          <p:cNvPr id="127" name="Google Shape;127;p21"/>
           <p:cNvSpPr txBox="1">
             <a:spLocks noGrp="1"/>
           </p:cNvSpPr>
@@ -12707,80 +12960,41 @@
           </a:bodyPr>
           <a:lstStyle/>
           <a:p>
-            <a:pPr marL="0" indent="0">
-              <a:spcAft>
-                <a:spcPts val="2133"/>
-              </a:spcAft>
-              <a:buNone/>
+            <a:pPr>
+              <a:buChar char="-"/>
             </a:pPr>
             <a:r>
-              <a:rPr lang="en" sz="1600" dirty="0"/>
-              <a:t>Method: Graph embedding (movies) + MLP (classifier)</a:t>
-            </a:r>
-            <a:endParaRPr sz="1600" dirty="0"/>
-          </a:p>
-        </p:txBody>
-      </p:sp>
-      <p:pic>
-        <p:nvPicPr>
-          <p:cNvPr id="120" name="Google Shape;120;p20" title="Points scored"/>
-          <p:cNvPicPr preferRelativeResize="0"/>
-          <p:nvPr/>
-        </p:nvPicPr>
-        <p:blipFill>
-          <a:blip r:embed="rId3">
-            <a:alphaModFix/>
-          </a:blip>
-          <a:stretch>
-            <a:fillRect/>
-          </a:stretch>
-        </p:blipFill>
-        <p:spPr>
-          <a:xfrm>
-            <a:off x="6390934" y="2671667"/>
-            <a:ext cx="4807732" cy="2972767"/>
-          </a:xfrm>
-          <a:prstGeom prst="rect">
-            <a:avLst/>
-          </a:prstGeom>
-          <a:noFill/>
-          <a:ln>
-            <a:noFill/>
-          </a:ln>
-        </p:spPr>
-      </p:pic>
-      <p:pic>
-        <p:nvPicPr>
-          <p:cNvPr id="121" name="Google Shape;121;p20" title="Points scored"/>
-          <p:cNvPicPr preferRelativeResize="0"/>
-          <p:nvPr/>
-        </p:nvPicPr>
-        <p:blipFill>
-          <a:blip r:embed="rId4">
-            <a:alphaModFix/>
-          </a:blip>
-          <a:stretch>
-            <a:fillRect/>
-          </a:stretch>
-        </p:blipFill>
-        <p:spPr>
-          <a:xfrm>
-            <a:off x="1006034" y="2671667"/>
-            <a:ext cx="4807732" cy="2972767"/>
-          </a:xfrm>
-          <a:prstGeom prst="rect">
-            <a:avLst/>
-          </a:prstGeom>
-          <a:noFill/>
-          <a:ln>
-            <a:noFill/>
-          </a:ln>
-        </p:spPr>
-      </p:pic>
+              <a:rPr lang="en" sz="2800" dirty="0"/>
+              <a:t>A hybrid recommendation system using text and graph embeddings</a:t>
+            </a:r>
+            <a:endParaRPr sz="2800" dirty="0"/>
+          </a:p>
+          <a:p>
+            <a:pPr>
+              <a:buChar char="-"/>
+            </a:pPr>
+            <a:r>
+              <a:rPr lang="en" sz="2800" dirty="0"/>
+              <a:t>Rating-aware sampling technique</a:t>
+            </a:r>
+            <a:endParaRPr sz="2800" dirty="0"/>
+          </a:p>
+          <a:p>
+            <a:pPr>
+              <a:buChar char="-"/>
+            </a:pPr>
+            <a:r>
+              <a:rPr lang="en" sz="2800" dirty="0"/>
+              <a:t>Evaluation of proposed framework on the dataset</a:t>
+            </a:r>
+            <a:endParaRPr sz="2800" dirty="0"/>
+          </a:p>
+        </p:txBody>
+      </p:sp>
     </p:spTree>
     <p:extLst>
       <p:ext uri="{BB962C8B-B14F-4D97-AF65-F5344CB8AC3E}">
-        <p14:creationId xmlns:p14="http://schemas.microsoft.com/office/powerpoint/2010/main" val="970733297"/>
+        <p14:creationId xmlns:p14="http://schemas.microsoft.com/office/powerpoint/2010/main" val="1590128351"/>
       </p:ext>
     </p:extLst>
   </p:cSld>
@@ -12795,7 +13009,7 @@
   <p:cSld>
     <p:spTree>
       <p:nvGrpSpPr>
-        <p:cNvPr id="1" name="Shape 125"/>
+        <p:cNvPr id="1" name=""/>
         <p:cNvGrpSpPr/>
         <p:nvPr/>
       </p:nvGrpSpPr>
@@ -12809,97 +13023,70 @@
       </p:grpSpPr>
       <p:sp>
         <p:nvSpPr>
-          <p:cNvPr id="126" name="Google Shape;126;p21"/>
-          <p:cNvSpPr txBox="1">
+          <p:cNvPr id="2" name="Title 1">
+            <a:extLst>
+              <a:ext uri="{FF2B5EF4-FFF2-40B4-BE49-F238E27FC236}">
+                <a16:creationId xmlns:a16="http://schemas.microsoft.com/office/drawing/2014/main" id="{9DFD115C-21F9-4ACD-A5C8-67319E822CC8}"/>
+              </a:ext>
+            </a:extLst>
+          </p:cNvPr>
+          <p:cNvSpPr>
             <a:spLocks noGrp="1"/>
           </p:cNvSpPr>
           <p:nvPr>
             <p:ph type="title"/>
           </p:nvPr>
         </p:nvSpPr>
-        <p:spPr>
-          <a:xfrm>
-            <a:off x="415600" y="521800"/>
-            <a:ext cx="11360800" cy="834800"/>
-          </a:xfrm>
-          <a:prstGeom prst="rect">
-            <a:avLst/>
-          </a:prstGeom>
-        </p:spPr>
-        <p:txBody>
-          <a:bodyPr spcFirstLastPara="1" wrap="square" lIns="121900" tIns="121900" rIns="121900" bIns="121900" anchor="t" anchorCtr="0">
-            <a:noAutofit/>
-          </a:bodyPr>
+        <p:spPr/>
+        <p:txBody>
+          <a:bodyPr/>
           <a:lstStyle/>
           <a:p>
-            <a:r>
-              <a:rPr lang="en"/>
-              <a:t>Takeaway</a:t>
-            </a:r>
-            <a:endParaRPr/>
-          </a:p>
-        </p:txBody>
-      </p:sp>
-      <p:sp>
-        <p:nvSpPr>
-          <p:cNvPr id="127" name="Google Shape;127;p21"/>
-          <p:cNvSpPr txBox="1">
+            <a:endParaRPr lang="en-US"/>
+          </a:p>
+        </p:txBody>
+      </p:sp>
+      <p:sp>
+        <p:nvSpPr>
+          <p:cNvPr id="3" name="Text Placeholder 2">
+            <a:extLst>
+              <a:ext uri="{FF2B5EF4-FFF2-40B4-BE49-F238E27FC236}">
+                <a16:creationId xmlns:a16="http://schemas.microsoft.com/office/drawing/2014/main" id="{6DCF31AC-1DD2-4CA0-BBEF-74166A47D531}"/>
+              </a:ext>
+            </a:extLst>
+          </p:cNvPr>
+          <p:cNvSpPr>
             <a:spLocks noGrp="1"/>
           </p:cNvSpPr>
           <p:nvPr>
             <p:ph type="body" idx="1"/>
           </p:nvPr>
         </p:nvSpPr>
-        <p:spPr>
-          <a:xfrm>
-            <a:off x="415600" y="1536633"/>
-            <a:ext cx="11360800" cy="4555200"/>
-          </a:xfrm>
-          <a:prstGeom prst="rect">
-            <a:avLst/>
-          </a:prstGeom>
-        </p:spPr>
-        <p:txBody>
-          <a:bodyPr spcFirstLastPara="1" wrap="square" lIns="121900" tIns="121900" rIns="121900" bIns="121900" anchor="t" anchorCtr="0">
-            <a:noAutofit/>
-          </a:bodyPr>
+        <p:spPr/>
+        <p:txBody>
+          <a:bodyPr/>
           <a:lstStyle/>
           <a:p>
-            <a:pPr>
-              <a:buChar char="-"/>
+            <a:pPr marL="152396" indent="0" algn="ctr">
+              <a:buNone/>
             </a:pPr>
-            <a:r>
-              <a:rPr lang="en" sz="2800" dirty="0"/>
-              <a:t>A hybrid recommendation system using text and graph embeddings</a:t>
-            </a:r>
-            <a:endParaRPr sz="2800" dirty="0"/>
-          </a:p>
-          <a:p>
-            <a:pPr>
-              <a:buChar char="-"/>
+            <a:endParaRPr lang="en-US" sz="7200" dirty="0"/>
+          </a:p>
+          <a:p>
+            <a:pPr marL="152396" indent="0" algn="ctr">
+              <a:buNone/>
             </a:pPr>
             <a:r>
-              <a:rPr lang="en" sz="2800" dirty="0"/>
-              <a:t>Rating-aware sampling technique</a:t>
-            </a:r>
-            <a:endParaRPr sz="2800" dirty="0"/>
-          </a:p>
-          <a:p>
-            <a:pPr>
-              <a:buChar char="-"/>
-            </a:pPr>
-            <a:r>
-              <a:rPr lang="en" sz="2800" dirty="0"/>
-              <a:t>Evaluation of proposed framework on the dataset</a:t>
-            </a:r>
-            <a:endParaRPr sz="2800" dirty="0"/>
+              <a:rPr lang="en-US" sz="7200" dirty="0"/>
+              <a:t>Thanks! Any Question?</a:t>
+            </a:r>
           </a:p>
         </p:txBody>
       </p:sp>
     </p:spTree>
     <p:extLst>
       <p:ext uri="{BB962C8B-B14F-4D97-AF65-F5344CB8AC3E}">
-        <p14:creationId xmlns:p14="http://schemas.microsoft.com/office/powerpoint/2010/main" val="1590128351"/>
+        <p14:creationId xmlns:p14="http://schemas.microsoft.com/office/powerpoint/2010/main" val="99063599"/>
       </p:ext>
     </p:extLst>
   </p:cSld>
@@ -12931,7 +13118,7 @@
           <p:cNvPr id="2" name="Title 1">
             <a:extLst>
               <a:ext uri="{FF2B5EF4-FFF2-40B4-BE49-F238E27FC236}">
-                <a16:creationId xmlns:a16="http://schemas.microsoft.com/office/drawing/2014/main" id="{9DFD115C-21F9-4ACD-A5C8-67319E822CC8}"/>
+                <a16:creationId xmlns:a16="http://schemas.microsoft.com/office/drawing/2014/main" id="{C2E96471-E041-4F09-BAAD-98FEC06A9D3E}"/>
               </a:ext>
             </a:extLst>
           </p:cNvPr>
@@ -12947,16 +13134,19 @@
           <a:bodyPr/>
           <a:lstStyle/>
           <a:p>
-            <a:endParaRPr lang="en-US"/>
-          </a:p>
-        </p:txBody>
-      </p:sp>
-      <p:sp>
-        <p:nvSpPr>
-          <p:cNvPr id="3" name="Text Placeholder 2">
+            <a:r>
+              <a:rPr lang="en-US" dirty="0"/>
+              <a:t>Reference</a:t>
+            </a:r>
+          </a:p>
+        </p:txBody>
+      </p:sp>
+      <p:sp>
+        <p:nvSpPr>
+          <p:cNvPr id="3" name="Content Placeholder 2">
             <a:extLst>
               <a:ext uri="{FF2B5EF4-FFF2-40B4-BE49-F238E27FC236}">
-                <a16:creationId xmlns:a16="http://schemas.microsoft.com/office/drawing/2014/main" id="{6DCF31AC-1DD2-4CA0-BBEF-74166A47D531}"/>
+                <a16:creationId xmlns:a16="http://schemas.microsoft.com/office/drawing/2014/main" id="{C0A787F1-8583-45D2-9B31-3461E1ECB123}"/>
               </a:ext>
             </a:extLst>
           </p:cNvPr>
@@ -12964,7 +13154,7 @@
             <a:spLocks noGrp="1"/>
           </p:cNvSpPr>
           <p:nvPr>
-            <p:ph type="body" idx="1"/>
+            <p:ph idx="1"/>
           </p:nvPr>
         </p:nvSpPr>
         <p:spPr/>
@@ -12972,26 +13162,14 @@
           <a:bodyPr/>
           <a:lstStyle/>
           <a:p>
-            <a:pPr marL="152396" indent="0" algn="ctr">
-              <a:buNone/>
-            </a:pPr>
-            <a:endParaRPr lang="en-US" sz="7200" dirty="0"/>
-          </a:p>
-          <a:p>
-            <a:pPr marL="152396" indent="0" algn="ctr">
-              <a:buNone/>
-            </a:pPr>
-            <a:r>
-              <a:rPr lang="en-US" sz="7200" dirty="0"/>
-              <a:t>Thanks! Any Question?</a:t>
-            </a:r>
+            <a:endParaRPr lang="en-US"/>
           </a:p>
         </p:txBody>
       </p:sp>
     </p:spTree>
     <p:extLst>
       <p:ext uri="{BB962C8B-B14F-4D97-AF65-F5344CB8AC3E}">
-        <p14:creationId xmlns:p14="http://schemas.microsoft.com/office/powerpoint/2010/main" val="99063599"/>
+        <p14:creationId xmlns:p14="http://schemas.microsoft.com/office/powerpoint/2010/main" val="779441625"/>
       </p:ext>
     </p:extLst>
   </p:cSld>
@@ -13006,7 +13184,7 @@
   <p:cSld>
     <p:spTree>
       <p:nvGrpSpPr>
-        <p:cNvPr id="1" name=""/>
+        <p:cNvPr id="1" name="Shape 89"/>
         <p:cNvGrpSpPr/>
         <p:nvPr/>
       </p:nvGrpSpPr>
@@ -13020,61 +13198,76 @@
       </p:grpSpPr>
       <p:sp>
         <p:nvSpPr>
-          <p:cNvPr id="2" name="Title 1">
-            <a:extLst>
-              <a:ext uri="{FF2B5EF4-FFF2-40B4-BE49-F238E27FC236}">
-                <a16:creationId xmlns:a16="http://schemas.microsoft.com/office/drawing/2014/main" id="{C2E96471-E041-4F09-BAAD-98FEC06A9D3E}"/>
-              </a:ext>
-            </a:extLst>
-          </p:cNvPr>
-          <p:cNvSpPr>
+          <p:cNvPr id="90" name="Google Shape;90;p17"/>
+          <p:cNvSpPr txBox="1">
             <a:spLocks noGrp="1"/>
           </p:cNvSpPr>
           <p:nvPr>
             <p:ph type="title"/>
           </p:nvPr>
         </p:nvSpPr>
-        <p:spPr/>
-        <p:txBody>
-          <a:bodyPr/>
+        <p:spPr>
+          <a:xfrm>
+            <a:off x="415600" y="521800"/>
+            <a:ext cx="11360800" cy="834800"/>
+          </a:xfrm>
+          <a:prstGeom prst="rect">
+            <a:avLst/>
+          </a:prstGeom>
+        </p:spPr>
+        <p:txBody>
+          <a:bodyPr spcFirstLastPara="1" wrap="square" lIns="121900" tIns="121900" rIns="121900" bIns="121900" anchor="t" anchorCtr="0">
+            <a:noAutofit/>
+          </a:bodyPr>
           <a:lstStyle/>
           <a:p>
             <a:r>
-              <a:rPr lang="en-US" dirty="0"/>
-              <a:t>Reference</a:t>
-            </a:r>
-          </a:p>
-        </p:txBody>
-      </p:sp>
-      <p:sp>
-        <p:nvSpPr>
-          <p:cNvPr id="3" name="Content Placeholder 2">
-            <a:extLst>
-              <a:ext uri="{FF2B5EF4-FFF2-40B4-BE49-F238E27FC236}">
-                <a16:creationId xmlns:a16="http://schemas.microsoft.com/office/drawing/2014/main" id="{C0A787F1-8583-45D2-9B31-3461E1ECB123}"/>
-              </a:ext>
-            </a:extLst>
-          </p:cNvPr>
-          <p:cNvSpPr>
+              <a:rPr lang="en"/>
+              <a:t>Text embedding</a:t>
+            </a:r>
+            <a:endParaRPr/>
+          </a:p>
+        </p:txBody>
+      </p:sp>
+      <p:sp>
+        <p:nvSpPr>
+          <p:cNvPr id="91" name="Google Shape;91;p17"/>
+          <p:cNvSpPr txBox="1">
             <a:spLocks noGrp="1"/>
           </p:cNvSpPr>
           <p:nvPr>
-            <p:ph idx="1"/>
+            <p:ph type="body" idx="1"/>
           </p:nvPr>
         </p:nvSpPr>
-        <p:spPr/>
-        <p:txBody>
-          <a:bodyPr/>
+        <p:spPr>
+          <a:xfrm>
+            <a:off x="415600" y="1536633"/>
+            <a:ext cx="11360800" cy="4555200"/>
+          </a:xfrm>
+          <a:prstGeom prst="rect">
+            <a:avLst/>
+          </a:prstGeom>
+        </p:spPr>
+        <p:txBody>
+          <a:bodyPr spcFirstLastPara="1" wrap="square" lIns="121900" tIns="121900" rIns="121900" bIns="121900" anchor="t" anchorCtr="0">
+            <a:noAutofit/>
+          </a:bodyPr>
           <a:lstStyle/>
           <a:p>
-            <a:endParaRPr lang="en-US"/>
+            <a:pPr marL="0" indent="0">
+              <a:spcAft>
+                <a:spcPts val="2133"/>
+              </a:spcAft>
+              <a:buNone/>
+            </a:pPr>
+            <a:endParaRPr/>
           </a:p>
         </p:txBody>
       </p:sp>
     </p:spTree>
     <p:extLst>
       <p:ext uri="{BB962C8B-B14F-4D97-AF65-F5344CB8AC3E}">
-        <p14:creationId xmlns:p14="http://schemas.microsoft.com/office/powerpoint/2010/main" val="779441625"/>
+        <p14:creationId xmlns:p14="http://schemas.microsoft.com/office/powerpoint/2010/main" val="1544111934"/>
       </p:ext>
     </p:extLst>
   </p:cSld>
@@ -13767,7 +13960,7 @@
                 <a:latin typeface="Times New Roman" panose="02020603050405020304" pitchFamily="18" charset="0"/>
                 <a:cs typeface="Times New Roman" panose="02020603050405020304" pitchFamily="18" charset="0"/>
               </a:rPr>
-              <a:t>“A recommender system is an information filtering system that seeks to predicts the rating given by a user to an item, and the predicted rating is used to recommend items to the user.”</a:t>
+              <a:t>“A recommender system is an information filtering system that seeks to predicts the “rating” or “preference” a user would give to an item.”</a:t>
             </a:r>
           </a:p>
           <a:p>
@@ -13975,7 +14168,7 @@
         </p:nvSpPr>
         <p:spPr>
           <a:xfrm>
-            <a:off x="781001" y="5600700"/>
+            <a:off x="817599" y="5304417"/>
             <a:ext cx="2063799" cy="353840"/>
           </a:xfrm>
           <a:prstGeom prst="roundRect">
@@ -14119,7 +14312,7 @@
         <p:spPr>
           <a:xfrm>
             <a:off x="415600" y="1536633"/>
-            <a:ext cx="11360800" cy="4555200"/>
+            <a:ext cx="7650079" cy="4572765"/>
           </a:xfrm>
           <a:prstGeom prst="rect">
             <a:avLst/>
@@ -14132,21 +14325,26 @@
           <a:lstStyle/>
           <a:p>
             <a:pPr indent="-482588">
+              <a:lnSpc>
+                <a:spcPct val="100000"/>
+              </a:lnSpc>
               <a:buSzPts val="2100"/>
               <a:buChar char="-"/>
             </a:pPr>
             <a:r>
-              <a:rPr lang="en" sz="3200" b="1" dirty="0"/>
-              <a:t>Movies</a:t>
-            </a:r>
-            <a:r>
-              <a:rPr lang="en" sz="3200" dirty="0"/>
+              <a:rPr lang="en-US" sz="2800" b="1" dirty="0"/>
+              <a:t>The Movies Dataset</a:t>
+            </a:r>
+            <a:r>
+              <a:rPr lang="en-US" sz="2800" dirty="0"/>
               <a:t> from Kaggle</a:t>
             </a:r>
-            <a:endParaRPr sz="3200" dirty="0"/>
           </a:p>
           <a:p>
             <a:pPr lvl="1" indent="-448722">
+              <a:lnSpc>
+                <a:spcPct val="100000"/>
+              </a:lnSpc>
               <a:spcBef>
                 <a:spcPts val="0"/>
               </a:spcBef>
@@ -14154,7 +14352,7 @@
               <a:buChar char="-"/>
             </a:pPr>
             <a:r>
-              <a:rPr lang="en" sz="2400" b="1" dirty="0">
+              <a:rPr lang="en" sz="2000" b="1" dirty="0">
                 <a:solidFill>
                   <a:srgbClr val="6AA84F"/>
                 </a:solidFill>
@@ -14162,11 +14360,11 @@
               <a:t>26M</a:t>
             </a:r>
             <a:r>
-              <a:rPr lang="en" sz="2400" dirty="0"/>
+              <a:rPr lang="en" sz="2000" dirty="0"/>
               <a:t> ratings from </a:t>
             </a:r>
             <a:r>
-              <a:rPr lang="en" sz="2400" b="1" dirty="0">
+              <a:rPr lang="en" sz="2000" b="1" dirty="0">
                 <a:solidFill>
                   <a:srgbClr val="6AA84F"/>
                 </a:solidFill>
@@ -14174,11 +14372,11 @@
               <a:t>270K</a:t>
             </a:r>
             <a:r>
-              <a:rPr lang="en" sz="2400" dirty="0"/>
+              <a:rPr lang="en" sz="2000" dirty="0"/>
               <a:t> users on </a:t>
             </a:r>
             <a:r>
-              <a:rPr lang="en" sz="2400" b="1" dirty="0">
+              <a:rPr lang="en" sz="2000" b="1" dirty="0">
                 <a:solidFill>
                   <a:srgbClr val="6AA84F"/>
                 </a:solidFill>
@@ -14186,24 +14384,30 @@
               <a:t>45K</a:t>
             </a:r>
             <a:r>
-              <a:rPr lang="en" sz="2400" dirty="0"/>
+              <a:rPr lang="en" sz="2000" dirty="0"/>
               <a:t> movies</a:t>
             </a:r>
-            <a:endParaRPr sz="2400" dirty="0"/>
+            <a:endParaRPr sz="2000" dirty="0"/>
           </a:p>
           <a:p>
             <a:pPr indent="-482588">
+              <a:lnSpc>
+                <a:spcPct val="100000"/>
+              </a:lnSpc>
               <a:buSzPts val="2100"/>
               <a:buChar char="-"/>
             </a:pPr>
             <a:r>
-              <a:rPr lang="en" sz="3200" dirty="0"/>
+              <a:rPr lang="en" sz="2800" dirty="0"/>
               <a:t>Content</a:t>
             </a:r>
-            <a:endParaRPr sz="3200" dirty="0"/>
+            <a:endParaRPr sz="2800" dirty="0"/>
           </a:p>
           <a:p>
             <a:pPr lvl="1" indent="-448722">
+              <a:lnSpc>
+                <a:spcPct val="100000"/>
+              </a:lnSpc>
               <a:spcBef>
                 <a:spcPts val="0"/>
               </a:spcBef>
@@ -14211,7 +14415,7 @@
               <a:buChar char="-"/>
             </a:pPr>
             <a:r>
-              <a:rPr lang="en" sz="2400" b="1" dirty="0">
+              <a:rPr lang="en" sz="2000" b="1" dirty="0">
                 <a:solidFill>
                   <a:srgbClr val="6AA84F"/>
                 </a:solidFill>
@@ -14219,13 +14423,15 @@
               <a:t>Text</a:t>
             </a:r>
             <a:r>
-              <a:rPr lang="en" sz="2400" dirty="0"/>
-              <a:t>: Each movie has an overview (a paragraph) and some tags</a:t>
-            </a:r>
-            <a:endParaRPr sz="2400" dirty="0"/>
+              <a:rPr lang="en" sz="2000" dirty="0"/>
+              <a:t>: Each movie has an overview (a paragraph) </a:t>
+            </a:r>
           </a:p>
           <a:p>
             <a:pPr lvl="1" indent="-448722">
+              <a:lnSpc>
+                <a:spcPct val="100000"/>
+              </a:lnSpc>
               <a:spcBef>
                 <a:spcPts val="0"/>
               </a:spcBef>
@@ -14233,7 +14439,7 @@
               <a:buChar char="-"/>
             </a:pPr>
             <a:r>
-              <a:rPr lang="en" sz="2400" b="1" dirty="0">
+              <a:rPr lang="en" sz="2000" b="1" dirty="0">
                 <a:solidFill>
                   <a:srgbClr val="6AA84F"/>
                 </a:solidFill>
@@ -14241,13 +14447,16 @@
               <a:t>Rating</a:t>
             </a:r>
             <a:r>
-              <a:rPr lang="en" sz="2400" dirty="0"/>
-              <a:t>: A tuple (User, Movie, Rating, Timestamp)</a:t>
-            </a:r>
-            <a:endParaRPr sz="2400" dirty="0"/>
+              <a:rPr lang="en" sz="2000" dirty="0"/>
+              <a:t>: A tuple (UserID, MovieID, Rating, Timestamp)</a:t>
+            </a:r>
+            <a:endParaRPr sz="2000" dirty="0"/>
           </a:p>
           <a:p>
             <a:pPr lvl="1" indent="-448722">
+              <a:lnSpc>
+                <a:spcPct val="100000"/>
+              </a:lnSpc>
               <a:spcBef>
                 <a:spcPts val="0"/>
               </a:spcBef>
@@ -14255,21 +14464,23 @@
               <a:buChar char="-"/>
             </a:pPr>
             <a:r>
-              <a:rPr lang="en" sz="2400" b="1" dirty="0">
+              <a:rPr lang="en" sz="2000" b="1" dirty="0">
                 <a:solidFill>
                   <a:srgbClr val="6AA84F"/>
                 </a:solidFill>
               </a:rPr>
-              <a:t>Attributes</a:t>
-            </a:r>
-            <a:r>
-              <a:rPr lang="en" sz="2400" dirty="0"/>
-              <a:t>: Each movie has multiple attributes including</a:t>
-            </a:r>
-            <a:endParaRPr sz="2400" dirty="0"/>
+              <a:t>Other Attributes</a:t>
+            </a:r>
+            <a:r>
+              <a:rPr lang="en" sz="2000" dirty="0"/>
+              <a:t>: </a:t>
+            </a:r>
           </a:p>
           <a:p>
             <a:pPr lvl="2" indent="-448722">
+              <a:lnSpc>
+                <a:spcPct val="100000"/>
+              </a:lnSpc>
               <a:spcBef>
                 <a:spcPts val="0"/>
               </a:spcBef>
@@ -14277,13 +14488,16 @@
               <a:buChar char="-"/>
             </a:pPr>
             <a:r>
-              <a:rPr lang="en" sz="2400" dirty="0"/>
-              <a:t>Genre</a:t>
-            </a:r>
-            <a:endParaRPr sz="2400" dirty="0"/>
+              <a:rPr lang="en" sz="2000" dirty="0"/>
+              <a:t>Genre: e.g. Action, Animation, Romance, …</a:t>
+            </a:r>
+            <a:endParaRPr sz="2000" dirty="0"/>
           </a:p>
           <a:p>
             <a:pPr lvl="2" indent="-448722">
+              <a:lnSpc>
+                <a:spcPct val="100000"/>
+              </a:lnSpc>
               <a:spcBef>
                 <a:spcPts val="0"/>
               </a:spcBef>
@@ -14291,10 +14505,10 @@
               <a:buChar char="-"/>
             </a:pPr>
             <a:r>
-              <a:rPr lang="en" sz="2400" dirty="0"/>
-              <a:t>Credits (cast/crew)</a:t>
-            </a:r>
-            <a:endParaRPr sz="2400" dirty="0"/>
+              <a:rPr lang="en" sz="2000" dirty="0"/>
+              <a:t>Credits:  (cast, crew)</a:t>
+            </a:r>
+            <a:endParaRPr sz="2000" dirty="0"/>
           </a:p>
         </p:txBody>
       </p:sp>
@@ -14329,7 +14543,7 @@
               </a:buClr>
             </a:pPr>
             <a:r>
-              <a:rPr lang="en" sz="933" kern="0">
+              <a:rPr lang="en" sz="933" kern="0" dirty="0">
                 <a:solidFill>
                   <a:srgbClr val="000000"/>
                 </a:solidFill>
@@ -14340,7 +14554,7 @@
               </a:rPr>
               <a:t>* https://www.kaggle.com/rounakbanik/the-movies-dataset</a:t>
             </a:r>
-            <a:endParaRPr sz="933" kern="0">
+            <a:endParaRPr sz="933" kern="0" dirty="0">
               <a:solidFill>
                 <a:srgbClr val="000000"/>
               </a:solidFill>
@@ -14352,6 +14566,36 @@
           </a:p>
         </p:txBody>
       </p:sp>
+      <p:pic>
+        <p:nvPicPr>
+          <p:cNvPr id="4" name="Picture 3">
+            <a:extLst>
+              <a:ext uri="{FF2B5EF4-FFF2-40B4-BE49-F238E27FC236}">
+                <a16:creationId xmlns:a16="http://schemas.microsoft.com/office/drawing/2014/main" id="{F60DBB09-88CA-484D-9772-F6644B67932D}"/>
+              </a:ext>
+            </a:extLst>
+          </p:cNvPr>
+          <p:cNvPicPr>
+            <a:picLocks noChangeAspect="1"/>
+          </p:cNvPicPr>
+          <p:nvPr/>
+        </p:nvPicPr>
+        <p:blipFill>
+          <a:blip r:embed="rId3"/>
+          <a:stretch>
+            <a:fillRect/>
+          </a:stretch>
+        </p:blipFill>
+        <p:spPr>
+          <a:xfrm>
+            <a:off x="8121547" y="761416"/>
+            <a:ext cx="3450669" cy="5574784"/>
+          </a:xfrm>
+          <a:prstGeom prst="rect">
+            <a:avLst/>
+          </a:prstGeom>
+        </p:spPr>
+      </p:pic>
     </p:spTree>
     <p:extLst>
       <p:ext uri="{BB962C8B-B14F-4D97-AF65-F5344CB8AC3E}">
@@ -14991,104 +15235,6 @@
   <p:cSld>
     <p:spTree>
       <p:nvGrpSpPr>
-        <p:cNvPr id="1" name="Shape 89"/>
-        <p:cNvGrpSpPr/>
-        <p:nvPr/>
-      </p:nvGrpSpPr>
-      <p:grpSpPr>
-        <a:xfrm>
-          <a:off x="0" y="0"/>
-          <a:ext cx="0" cy="0"/>
-          <a:chOff x="0" y="0"/>
-          <a:chExt cx="0" cy="0"/>
-        </a:xfrm>
-      </p:grpSpPr>
-      <p:sp>
-        <p:nvSpPr>
-          <p:cNvPr id="90" name="Google Shape;90;p17"/>
-          <p:cNvSpPr txBox="1">
-            <a:spLocks noGrp="1"/>
-          </p:cNvSpPr>
-          <p:nvPr>
-            <p:ph type="title"/>
-          </p:nvPr>
-        </p:nvSpPr>
-        <p:spPr>
-          <a:xfrm>
-            <a:off x="415600" y="521800"/>
-            <a:ext cx="11360800" cy="834800"/>
-          </a:xfrm>
-          <a:prstGeom prst="rect">
-            <a:avLst/>
-          </a:prstGeom>
-        </p:spPr>
-        <p:txBody>
-          <a:bodyPr spcFirstLastPara="1" wrap="square" lIns="121900" tIns="121900" rIns="121900" bIns="121900" anchor="t" anchorCtr="0">
-            <a:noAutofit/>
-          </a:bodyPr>
-          <a:lstStyle/>
-          <a:p>
-            <a:r>
-              <a:rPr lang="en"/>
-              <a:t>Text embedding</a:t>
-            </a:r>
-            <a:endParaRPr/>
-          </a:p>
-        </p:txBody>
-      </p:sp>
-      <p:sp>
-        <p:nvSpPr>
-          <p:cNvPr id="91" name="Google Shape;91;p17"/>
-          <p:cNvSpPr txBox="1">
-            <a:spLocks noGrp="1"/>
-          </p:cNvSpPr>
-          <p:nvPr>
-            <p:ph type="body" idx="1"/>
-          </p:nvPr>
-        </p:nvSpPr>
-        <p:spPr>
-          <a:xfrm>
-            <a:off x="415600" y="1536633"/>
-            <a:ext cx="11360800" cy="4555200"/>
-          </a:xfrm>
-          <a:prstGeom prst="rect">
-            <a:avLst/>
-          </a:prstGeom>
-        </p:spPr>
-        <p:txBody>
-          <a:bodyPr spcFirstLastPara="1" wrap="square" lIns="121900" tIns="121900" rIns="121900" bIns="121900" anchor="t" anchorCtr="0">
-            <a:noAutofit/>
-          </a:bodyPr>
-          <a:lstStyle/>
-          <a:p>
-            <a:pPr marL="0" indent="0">
-              <a:spcAft>
-                <a:spcPts val="2133"/>
-              </a:spcAft>
-              <a:buNone/>
-            </a:pPr>
-            <a:endParaRPr/>
-          </a:p>
-        </p:txBody>
-      </p:sp>
-    </p:spTree>
-    <p:extLst>
-      <p:ext uri="{BB962C8B-B14F-4D97-AF65-F5344CB8AC3E}">
-        <p14:creationId xmlns:p14="http://schemas.microsoft.com/office/powerpoint/2010/main" val="1544111934"/>
-      </p:ext>
-    </p:extLst>
-  </p:cSld>
-  <p:clrMapOvr>
-    <a:masterClrMapping/>
-  </p:clrMapOvr>
-</p:sld>
-</file>
-
-<file path=ppt/slides/slide8.xml><?xml version="1.0" encoding="utf-8"?>
-<p:sld xmlns:a="http://schemas.openxmlformats.org/drawingml/2006/main" xmlns:r="http://schemas.openxmlformats.org/officeDocument/2006/relationships" xmlns:p="http://schemas.openxmlformats.org/presentationml/2006/main">
-  <p:cSld>
-    <p:spTree>
-      <p:nvGrpSpPr>
         <p:cNvPr id="1" name="Shape 95"/>
         <p:cNvGrpSpPr/>
         <p:nvPr/>
@@ -16508,7 +16654,7 @@
 </p:sld>
 </file>
 
-<file path=ppt/slides/slide9.xml><?xml version="1.0" encoding="utf-8"?>
+<file path=ppt/slides/slide8.xml><?xml version="1.0" encoding="utf-8"?>
 <p:sld xmlns:a="http://schemas.openxmlformats.org/drawingml/2006/main" xmlns:r="http://schemas.openxmlformats.org/officeDocument/2006/relationships" xmlns:p="http://schemas.openxmlformats.org/presentationml/2006/main">
   <p:cSld>
     <p:spTree>
@@ -16796,6 +16942,164 @@
     <p:extLst>
       <p:ext uri="{BB962C8B-B14F-4D97-AF65-F5344CB8AC3E}">
         <p14:creationId xmlns:p14="http://schemas.microsoft.com/office/powerpoint/2010/main" val="3734850207"/>
+      </p:ext>
+    </p:extLst>
+  </p:cSld>
+  <p:clrMapOvr>
+    <a:masterClrMapping/>
+  </p:clrMapOvr>
+</p:sld>
+</file>
+
+<file path=ppt/slides/slide9.xml><?xml version="1.0" encoding="utf-8"?>
+<p:sld xmlns:a="http://schemas.openxmlformats.org/drawingml/2006/main" xmlns:r="http://schemas.openxmlformats.org/officeDocument/2006/relationships" xmlns:p="http://schemas.openxmlformats.org/presentationml/2006/main">
+  <p:cSld>
+    <p:spTree>
+      <p:nvGrpSpPr>
+        <p:cNvPr id="1" name="Shape 117"/>
+        <p:cNvGrpSpPr/>
+        <p:nvPr/>
+      </p:nvGrpSpPr>
+      <p:grpSpPr>
+        <a:xfrm>
+          <a:off x="0" y="0"/>
+          <a:ext cx="0" cy="0"/>
+          <a:chOff x="0" y="0"/>
+          <a:chExt cx="0" cy="0"/>
+        </a:xfrm>
+      </p:grpSpPr>
+      <p:sp>
+        <p:nvSpPr>
+          <p:cNvPr id="118" name="Google Shape;118;p20"/>
+          <p:cNvSpPr txBox="1">
+            <a:spLocks noGrp="1"/>
+          </p:cNvSpPr>
+          <p:nvPr>
+            <p:ph type="title"/>
+          </p:nvPr>
+        </p:nvSpPr>
+        <p:spPr>
+          <a:xfrm>
+            <a:off x="415600" y="521800"/>
+            <a:ext cx="11360800" cy="834800"/>
+          </a:xfrm>
+          <a:prstGeom prst="rect">
+            <a:avLst/>
+          </a:prstGeom>
+        </p:spPr>
+        <p:txBody>
+          <a:bodyPr spcFirstLastPara="1" wrap="square" lIns="121900" tIns="121900" rIns="121900" bIns="121900" anchor="t" anchorCtr="0">
+            <a:noAutofit/>
+          </a:bodyPr>
+          <a:lstStyle/>
+          <a:p>
+            <a:r>
+              <a:rPr lang="en"/>
+              <a:t>Preliminary results</a:t>
+            </a:r>
+            <a:endParaRPr/>
+          </a:p>
+        </p:txBody>
+      </p:sp>
+      <p:sp>
+        <p:nvSpPr>
+          <p:cNvPr id="119" name="Google Shape;119;p20"/>
+          <p:cNvSpPr txBox="1">
+            <a:spLocks noGrp="1"/>
+          </p:cNvSpPr>
+          <p:nvPr>
+            <p:ph type="body" idx="1"/>
+          </p:nvPr>
+        </p:nvSpPr>
+        <p:spPr>
+          <a:xfrm>
+            <a:off x="415600" y="1536633"/>
+            <a:ext cx="11360800" cy="4555200"/>
+          </a:xfrm>
+          <a:prstGeom prst="rect">
+            <a:avLst/>
+          </a:prstGeom>
+        </p:spPr>
+        <p:txBody>
+          <a:bodyPr spcFirstLastPara="1" wrap="square" lIns="121900" tIns="121900" rIns="121900" bIns="121900" anchor="t" anchorCtr="0">
+            <a:noAutofit/>
+          </a:bodyPr>
+          <a:lstStyle/>
+          <a:p>
+            <a:pPr marL="0" indent="0">
+              <a:spcAft>
+                <a:spcPts val="2133"/>
+              </a:spcAft>
+              <a:buNone/>
+            </a:pPr>
+            <a:r>
+              <a:rPr lang="en" sz="1600" dirty="0"/>
+              <a:t>Method: Graph embedding (movies) + MLP (classifier)</a:t>
+            </a:r>
+            <a:endParaRPr sz="1600" dirty="0"/>
+          </a:p>
+        </p:txBody>
+      </p:sp>
+      <p:pic>
+        <p:nvPicPr>
+          <p:cNvPr id="120" name="Google Shape;120;p20" title="Points scored"/>
+          <p:cNvPicPr preferRelativeResize="0"/>
+          <p:nvPr/>
+        </p:nvPicPr>
+        <p:blipFill>
+          <a:blip r:embed="rId3">
+            <a:alphaModFix/>
+          </a:blip>
+          <a:stretch>
+            <a:fillRect/>
+          </a:stretch>
+        </p:blipFill>
+        <p:spPr>
+          <a:xfrm>
+            <a:off x="6390934" y="2671667"/>
+            <a:ext cx="4807732" cy="2972767"/>
+          </a:xfrm>
+          <a:prstGeom prst="rect">
+            <a:avLst/>
+          </a:prstGeom>
+          <a:noFill/>
+          <a:ln>
+            <a:noFill/>
+          </a:ln>
+        </p:spPr>
+      </p:pic>
+      <p:pic>
+        <p:nvPicPr>
+          <p:cNvPr id="121" name="Google Shape;121;p20" title="Points scored"/>
+          <p:cNvPicPr preferRelativeResize="0"/>
+          <p:nvPr/>
+        </p:nvPicPr>
+        <p:blipFill>
+          <a:blip r:embed="rId4">
+            <a:alphaModFix/>
+          </a:blip>
+          <a:stretch>
+            <a:fillRect/>
+          </a:stretch>
+        </p:blipFill>
+        <p:spPr>
+          <a:xfrm>
+            <a:off x="1006034" y="2671667"/>
+            <a:ext cx="4807732" cy="2972767"/>
+          </a:xfrm>
+          <a:prstGeom prst="rect">
+            <a:avLst/>
+          </a:prstGeom>
+          <a:noFill/>
+          <a:ln>
+            <a:noFill/>
+          </a:ln>
+        </p:spPr>
+      </p:pic>
+    </p:spTree>
+    <p:extLst>
+      <p:ext uri="{BB962C8B-B14F-4D97-AF65-F5344CB8AC3E}">
+        <p14:creationId xmlns:p14="http://schemas.microsoft.com/office/powerpoint/2010/main" val="970733297"/>
       </p:ext>
     </p:extLst>
   </p:cSld>

--- a/presentation_v2.0.pptx
+++ b/presentation_v2.0.pptx
@@ -6,25 +6,30 @@
     <p:sldMasterId id="2147483700" r:id="rId2"/>
   </p:sldMasterIdLst>
   <p:notesMasterIdLst>
-    <p:notesMasterId r:id="rId19"/>
+    <p:notesMasterId r:id="rId24"/>
   </p:notesMasterIdLst>
   <p:sldIdLst>
     <p:sldId id="279" r:id="rId3"/>
-    <p:sldId id="263" r:id="rId4"/>
-    <p:sldId id="262" r:id="rId5"/>
-    <p:sldId id="257" r:id="rId6"/>
-    <p:sldId id="258" r:id="rId7"/>
-    <p:sldId id="259" r:id="rId8"/>
-    <p:sldId id="261" r:id="rId9"/>
-    <p:sldId id="282" r:id="rId10"/>
-    <p:sldId id="283" r:id="rId11"/>
-    <p:sldId id="284" r:id="rId12"/>
-    <p:sldId id="285" r:id="rId13"/>
-    <p:sldId id="281" r:id="rId14"/>
-    <p:sldId id="260" r:id="rId15"/>
-    <p:sldId id="267" r:id="rId16"/>
-    <p:sldId id="264" r:id="rId17"/>
-    <p:sldId id="270" r:id="rId18"/>
+    <p:sldId id="286" r:id="rId4"/>
+    <p:sldId id="288" r:id="rId5"/>
+    <p:sldId id="289" r:id="rId6"/>
+    <p:sldId id="263" r:id="rId7"/>
+    <p:sldId id="262" r:id="rId8"/>
+    <p:sldId id="257" r:id="rId9"/>
+    <p:sldId id="258" r:id="rId10"/>
+    <p:sldId id="259" r:id="rId11"/>
+    <p:sldId id="290" r:id="rId12"/>
+    <p:sldId id="291" r:id="rId13"/>
+    <p:sldId id="261" r:id="rId14"/>
+    <p:sldId id="282" r:id="rId15"/>
+    <p:sldId id="283" r:id="rId16"/>
+    <p:sldId id="284" r:id="rId17"/>
+    <p:sldId id="285" r:id="rId18"/>
+    <p:sldId id="281" r:id="rId19"/>
+    <p:sldId id="260" r:id="rId20"/>
+    <p:sldId id="267" r:id="rId21"/>
+    <p:sldId id="264" r:id="rId22"/>
+    <p:sldId id="270" r:id="rId23"/>
   </p:sldIdLst>
   <p:sldSz cx="12192000" cy="6858000"/>
   <p:notesSz cx="6858000" cy="9144000"/>
@@ -129,11 +134,16 @@
         <p14:section name="Default Section" id="{389E82B0-2DD0-40FD-AF45-3ADEEB694917}">
           <p14:sldIdLst>
             <p14:sldId id="279"/>
+            <p14:sldId id="286"/>
+            <p14:sldId id="288"/>
+            <p14:sldId id="289"/>
             <p14:sldId id="263"/>
             <p14:sldId id="262"/>
             <p14:sldId id="257"/>
             <p14:sldId id="258"/>
             <p14:sldId id="259"/>
+            <p14:sldId id="290"/>
+            <p14:sldId id="291"/>
             <p14:sldId id="261"/>
             <p14:sldId id="282"/>
             <p14:sldId id="283"/>
@@ -241,7 +251,7 @@
           <a:p>
             <a:fld id="{1194AB80-D395-4F6C-B129-7800A2D57260}" type="datetimeFigureOut">
               <a:rPr lang="en-US" smtClean="0"/>
-              <a:t>12/4/2020</a:t>
+              <a:t>6/13/2021</a:t>
             </a:fld>
             <a:endParaRPr lang="en-US"/>
           </a:p>
@@ -735,9 +745,26 @@
           </a:p>
           <a:p>
             <a:r>
+              <a:rPr lang="en-US" altLang="zh-CN" dirty="0"/>
+              <a:t>Reference:</a:t>
+            </a:r>
+          </a:p>
+          <a:p>
+            <a:pPr marL="171450" indent="-171450">
+              <a:buFontTx/>
+              <a:buChar char="-"/>
+            </a:pPr>
+            <a:r>
               <a:rPr lang="en-US" dirty="0"/>
-              <a:t>The most popular recommender system are two: content-based and collaborative filtering recommender systems</a:t>
-            </a:r>
+              <a:t>https://www.sciencedirect.com/science/article/pii/S1110866515000341#:~:text=Recommender%20system%20has%20the%20ability,online%20shopping%20environment%20%5B4%5D.</a:t>
+            </a:r>
+          </a:p>
+          <a:p>
+            <a:pPr marL="171450" indent="-171450">
+              <a:buFontTx/>
+              <a:buChar char="-"/>
+            </a:pPr>
+            <a:endParaRPr lang="en-US" dirty="0"/>
           </a:p>
         </p:txBody>
       </p:sp>
@@ -758,7 +785,7 @@
           <a:p>
             <a:fld id="{2C4E38C8-3357-44D4-9783-EA733BD04718}" type="slidenum">
               <a:rPr lang="en-US" smtClean="0"/>
-              <a:t>3</a:t>
+              <a:t>6</a:t>
             </a:fld>
             <a:endParaRPr lang="en-US"/>
           </a:p>
@@ -865,7 +892,7 @@
           <a:p>
             <a:fld id="{2C4E38C8-3357-44D4-9783-EA733BD04718}" type="slidenum">
               <a:rPr lang="en-US" smtClean="0"/>
-              <a:t>14</a:t>
+              <a:t>19</a:t>
             </a:fld>
             <a:endParaRPr lang="en-US"/>
           </a:p>
@@ -1009,7 +1036,7 @@
           <a:p>
             <a:fld id="{2C4E38C8-3357-44D4-9783-EA733BD04718}" type="slidenum">
               <a:rPr lang="en-US" smtClean="0"/>
-              <a:t>16</a:t>
+              <a:t>21</a:t>
             </a:fld>
             <a:endParaRPr lang="en-US"/>
           </a:p>
@@ -2283,7 +2310,7 @@
           <a:p>
             <a:fld id="{02AC24A9-CCB6-4F8D-B8DB-C2F3692CFA5A}" type="datetimeFigureOut">
               <a:rPr lang="en-US" smtClean="0"/>
-              <a:t>12/4/2020</a:t>
+              <a:t>6/13/2021</a:t>
             </a:fld>
             <a:endParaRPr lang="en-US" dirty="0"/>
           </a:p>
@@ -2653,7 +2680,7 @@
           <a:p>
             <a:fld id="{02AC24A9-CCB6-4F8D-B8DB-C2F3692CFA5A}" type="datetimeFigureOut">
               <a:rPr lang="en-US" smtClean="0"/>
-              <a:t>12/4/2020</a:t>
+              <a:t>6/13/2021</a:t>
             </a:fld>
             <a:endParaRPr lang="en-US"/>
           </a:p>
@@ -2862,7 +2889,7 @@
           <a:p>
             <a:fld id="{02AC24A9-CCB6-4F8D-B8DB-C2F3692CFA5A}" type="datetimeFigureOut">
               <a:rPr lang="en-US" smtClean="0"/>
-              <a:t>12/4/2020</a:t>
+              <a:t>6/13/2021</a:t>
             </a:fld>
             <a:endParaRPr lang="en-US"/>
           </a:p>
@@ -4226,7 +4253,7 @@
             </a:lvl1pPr>
             <a:lvl2pPr marL="1219170" lvl="1" indent="-423323" rtl="0">
               <a:spcBef>
-                <a:spcPts val="2133"/>
+                <a:spcPts val="0"/>
               </a:spcBef>
               <a:spcAft>
                 <a:spcPts val="0"/>
@@ -4314,7 +4341,11 @@
             </a:lvl9pPr>
           </a:lstStyle>
           <a:p>
-            <a:endParaRPr/>
+            <a:endParaRPr lang="en-US" dirty="0"/>
+          </a:p>
+          <a:p>
+            <a:pPr lvl="1"/>
+            <a:endParaRPr dirty="0"/>
           </a:p>
         </p:txBody>
       </p:sp>
@@ -6938,7 +6969,7 @@
           <a:p>
             <a:fld id="{02AC24A9-CCB6-4F8D-B8DB-C2F3692CFA5A}" type="datetimeFigureOut">
               <a:rPr lang="en-US" smtClean="0"/>
-              <a:t>12/4/2020</a:t>
+              <a:t>6/13/2021</a:t>
             </a:fld>
             <a:endParaRPr lang="en-US" dirty="0"/>
           </a:p>
@@ -7165,461 +7196,6 @@
 </file>
 
 <file path=ppt/slideLayouts/slideLayout21.xml><?xml version="1.0" encoding="utf-8"?>
-<p:sldLayout xmlns:a="http://schemas.openxmlformats.org/drawingml/2006/main" xmlns:r="http://schemas.openxmlformats.org/officeDocument/2006/relationships" xmlns:p="http://schemas.openxmlformats.org/presentationml/2006/main" matchingName="Big number">
-  <p:cSld name="Big number">
-    <p:spTree>
-      <p:nvGrpSpPr>
-        <p:cNvPr id="1" name="Shape 48"/>
-        <p:cNvGrpSpPr/>
-        <p:nvPr/>
-      </p:nvGrpSpPr>
-      <p:grpSpPr>
-        <a:xfrm>
-          <a:off x="0" y="0"/>
-          <a:ext cx="0" cy="0"/>
-          <a:chOff x="0" y="0"/>
-          <a:chExt cx="0" cy="0"/>
-        </a:xfrm>
-      </p:grpSpPr>
-      <p:sp>
-        <p:nvSpPr>
-          <p:cNvPr id="49" name="Google Shape;49;p11"/>
-          <p:cNvSpPr/>
-          <p:nvPr/>
-        </p:nvSpPr>
-        <p:spPr>
-          <a:xfrm>
-            <a:off x="0" y="6727600"/>
-            <a:ext cx="12192000" cy="130400"/>
-          </a:xfrm>
-          <a:prstGeom prst="rect">
-            <a:avLst/>
-          </a:prstGeom>
-          <a:solidFill>
-            <a:schemeClr val="dk1"/>
-          </a:solidFill>
-          <a:ln>
-            <a:noFill/>
-          </a:ln>
-        </p:spPr>
-        <p:txBody>
-          <a:bodyPr spcFirstLastPara="1" wrap="square" lIns="121900" tIns="121900" rIns="121900" bIns="121900" anchor="ctr" anchorCtr="0">
-            <a:noAutofit/>
-          </a:bodyPr>
-          <a:lstStyle/>
-          <a:p>
-            <a:pPr marL="0" lvl="0" indent="0" algn="l" rtl="0">
-              <a:spcBef>
-                <a:spcPts val="0"/>
-              </a:spcBef>
-              <a:spcAft>
-                <a:spcPts val="0"/>
-              </a:spcAft>
-              <a:buNone/>
-            </a:pPr>
-            <a:endParaRPr sz="2400"/>
-          </a:p>
-        </p:txBody>
-      </p:sp>
-      <p:sp>
-        <p:nvSpPr>
-          <p:cNvPr id="50" name="Google Shape;50;p11"/>
-          <p:cNvSpPr txBox="1">
-            <a:spLocks noGrp="1"/>
-          </p:cNvSpPr>
-          <p:nvPr>
-            <p:ph type="title" hasCustomPrompt="1"/>
-          </p:nvPr>
-        </p:nvSpPr>
-        <p:spPr>
-          <a:xfrm>
-            <a:off x="415600" y="1644133"/>
-            <a:ext cx="11360800" cy="2146800"/>
-          </a:xfrm>
-          <a:prstGeom prst="rect">
-            <a:avLst/>
-          </a:prstGeom>
-        </p:spPr>
-        <p:txBody>
-          <a:bodyPr spcFirstLastPara="1" wrap="square" lIns="91425" tIns="91425" rIns="91425" bIns="91425" anchor="b" anchorCtr="0">
-            <a:noAutofit/>
-          </a:bodyPr>
-          <a:lstStyle>
-            <a:lvl1pPr lvl="0" algn="ctr" rtl="0">
-              <a:spcBef>
-                <a:spcPts val="0"/>
-              </a:spcBef>
-              <a:spcAft>
-                <a:spcPts val="0"/>
-              </a:spcAft>
-              <a:buSzPts val="10000"/>
-              <a:buFont typeface="Lato"/>
-              <a:buNone/>
-              <a:defRPr sz="13333">
-                <a:latin typeface="Lato"/>
-                <a:ea typeface="Lato"/>
-                <a:cs typeface="Lato"/>
-                <a:sym typeface="Lato"/>
-              </a:defRPr>
-            </a:lvl1pPr>
-            <a:lvl2pPr lvl="1" algn="ctr" rtl="0">
-              <a:spcBef>
-                <a:spcPts val="0"/>
-              </a:spcBef>
-              <a:spcAft>
-                <a:spcPts val="0"/>
-              </a:spcAft>
-              <a:buSzPts val="10000"/>
-              <a:buFont typeface="Lato"/>
-              <a:buNone/>
-              <a:defRPr sz="13333">
-                <a:latin typeface="Lato"/>
-                <a:ea typeface="Lato"/>
-                <a:cs typeface="Lato"/>
-                <a:sym typeface="Lato"/>
-              </a:defRPr>
-            </a:lvl2pPr>
-            <a:lvl3pPr lvl="2" algn="ctr" rtl="0">
-              <a:spcBef>
-                <a:spcPts val="0"/>
-              </a:spcBef>
-              <a:spcAft>
-                <a:spcPts val="0"/>
-              </a:spcAft>
-              <a:buSzPts val="10000"/>
-              <a:buFont typeface="Lato"/>
-              <a:buNone/>
-              <a:defRPr sz="13333">
-                <a:latin typeface="Lato"/>
-                <a:ea typeface="Lato"/>
-                <a:cs typeface="Lato"/>
-                <a:sym typeface="Lato"/>
-              </a:defRPr>
-            </a:lvl3pPr>
-            <a:lvl4pPr lvl="3" algn="ctr" rtl="0">
-              <a:spcBef>
-                <a:spcPts val="0"/>
-              </a:spcBef>
-              <a:spcAft>
-                <a:spcPts val="0"/>
-              </a:spcAft>
-              <a:buSzPts val="10000"/>
-              <a:buFont typeface="Lato"/>
-              <a:buNone/>
-              <a:defRPr sz="13333">
-                <a:latin typeface="Lato"/>
-                <a:ea typeface="Lato"/>
-                <a:cs typeface="Lato"/>
-                <a:sym typeface="Lato"/>
-              </a:defRPr>
-            </a:lvl4pPr>
-            <a:lvl5pPr lvl="4" algn="ctr" rtl="0">
-              <a:spcBef>
-                <a:spcPts val="0"/>
-              </a:spcBef>
-              <a:spcAft>
-                <a:spcPts val="0"/>
-              </a:spcAft>
-              <a:buSzPts val="10000"/>
-              <a:buFont typeface="Lato"/>
-              <a:buNone/>
-              <a:defRPr sz="13333">
-                <a:latin typeface="Lato"/>
-                <a:ea typeface="Lato"/>
-                <a:cs typeface="Lato"/>
-                <a:sym typeface="Lato"/>
-              </a:defRPr>
-            </a:lvl5pPr>
-            <a:lvl6pPr lvl="5" algn="ctr" rtl="0">
-              <a:spcBef>
-                <a:spcPts val="0"/>
-              </a:spcBef>
-              <a:spcAft>
-                <a:spcPts val="0"/>
-              </a:spcAft>
-              <a:buSzPts val="10000"/>
-              <a:buFont typeface="Lato"/>
-              <a:buNone/>
-              <a:defRPr sz="13333">
-                <a:latin typeface="Lato"/>
-                <a:ea typeface="Lato"/>
-                <a:cs typeface="Lato"/>
-                <a:sym typeface="Lato"/>
-              </a:defRPr>
-            </a:lvl6pPr>
-            <a:lvl7pPr lvl="6" algn="ctr" rtl="0">
-              <a:spcBef>
-                <a:spcPts val="0"/>
-              </a:spcBef>
-              <a:spcAft>
-                <a:spcPts val="0"/>
-              </a:spcAft>
-              <a:buSzPts val="10000"/>
-              <a:buFont typeface="Lato"/>
-              <a:buNone/>
-              <a:defRPr sz="13333">
-                <a:latin typeface="Lato"/>
-                <a:ea typeface="Lato"/>
-                <a:cs typeface="Lato"/>
-                <a:sym typeface="Lato"/>
-              </a:defRPr>
-            </a:lvl7pPr>
-            <a:lvl8pPr lvl="7" algn="ctr" rtl="0">
-              <a:spcBef>
-                <a:spcPts val="0"/>
-              </a:spcBef>
-              <a:spcAft>
-                <a:spcPts val="0"/>
-              </a:spcAft>
-              <a:buSzPts val="10000"/>
-              <a:buFont typeface="Lato"/>
-              <a:buNone/>
-              <a:defRPr sz="13333">
-                <a:latin typeface="Lato"/>
-                <a:ea typeface="Lato"/>
-                <a:cs typeface="Lato"/>
-                <a:sym typeface="Lato"/>
-              </a:defRPr>
-            </a:lvl8pPr>
-            <a:lvl9pPr lvl="8" algn="ctr" rtl="0">
-              <a:spcBef>
-                <a:spcPts val="0"/>
-              </a:spcBef>
-              <a:spcAft>
-                <a:spcPts val="0"/>
-              </a:spcAft>
-              <a:buSzPts val="10000"/>
-              <a:buFont typeface="Lato"/>
-              <a:buNone/>
-              <a:defRPr sz="13333">
-                <a:latin typeface="Lato"/>
-                <a:ea typeface="Lato"/>
-                <a:cs typeface="Lato"/>
-                <a:sym typeface="Lato"/>
-              </a:defRPr>
-            </a:lvl9pPr>
-          </a:lstStyle>
-          <a:p>
-            <a:r>
-              <a:t>xx%</a:t>
-            </a:r>
-          </a:p>
-        </p:txBody>
-      </p:sp>
-      <p:sp>
-        <p:nvSpPr>
-          <p:cNvPr id="51" name="Google Shape;51;p11"/>
-          <p:cNvSpPr txBox="1">
-            <a:spLocks noGrp="1"/>
-          </p:cNvSpPr>
-          <p:nvPr>
-            <p:ph type="body" idx="1"/>
-          </p:nvPr>
-        </p:nvSpPr>
-        <p:spPr>
-          <a:xfrm>
-            <a:off x="415600" y="3892600"/>
-            <a:ext cx="11360800" cy="1428800"/>
-          </a:xfrm>
-          <a:prstGeom prst="rect">
-            <a:avLst/>
-          </a:prstGeom>
-        </p:spPr>
-        <p:txBody>
-          <a:bodyPr spcFirstLastPara="1" wrap="square" lIns="91425" tIns="91425" rIns="91425" bIns="91425" anchor="t" anchorCtr="0">
-            <a:noAutofit/>
-          </a:bodyPr>
-          <a:lstStyle>
-            <a:lvl1pPr marL="609585" lvl="0" indent="-457189" algn="ctr" rtl="0">
-              <a:spcBef>
-                <a:spcPts val="0"/>
-              </a:spcBef>
-              <a:spcAft>
-                <a:spcPts val="0"/>
-              </a:spcAft>
-              <a:buSzPts val="1800"/>
-              <a:buChar char="●"/>
-              <a:defRPr/>
-            </a:lvl1pPr>
-            <a:lvl2pPr marL="1219170" lvl="1" indent="-423323" algn="ctr" rtl="0">
-              <a:spcBef>
-                <a:spcPts val="2133"/>
-              </a:spcBef>
-              <a:spcAft>
-                <a:spcPts val="0"/>
-              </a:spcAft>
-              <a:buSzPts val="1400"/>
-              <a:buChar char="○"/>
-              <a:defRPr/>
-            </a:lvl2pPr>
-            <a:lvl3pPr marL="1828754" lvl="2" indent="-423323" algn="ctr" rtl="0">
-              <a:spcBef>
-                <a:spcPts val="2133"/>
-              </a:spcBef>
-              <a:spcAft>
-                <a:spcPts val="0"/>
-              </a:spcAft>
-              <a:buSzPts val="1400"/>
-              <a:buChar char="■"/>
-              <a:defRPr/>
-            </a:lvl3pPr>
-            <a:lvl4pPr marL="2438339" lvl="3" indent="-423323" algn="ctr" rtl="0">
-              <a:spcBef>
-                <a:spcPts val="2133"/>
-              </a:spcBef>
-              <a:spcAft>
-                <a:spcPts val="0"/>
-              </a:spcAft>
-              <a:buSzPts val="1400"/>
-              <a:buChar char="●"/>
-              <a:defRPr/>
-            </a:lvl4pPr>
-            <a:lvl5pPr marL="3047924" lvl="4" indent="-423323" algn="ctr" rtl="0">
-              <a:spcBef>
-                <a:spcPts val="2133"/>
-              </a:spcBef>
-              <a:spcAft>
-                <a:spcPts val="0"/>
-              </a:spcAft>
-              <a:buSzPts val="1400"/>
-              <a:buChar char="○"/>
-              <a:defRPr/>
-            </a:lvl5pPr>
-            <a:lvl6pPr marL="3657509" lvl="5" indent="-423323" algn="ctr" rtl="0">
-              <a:spcBef>
-                <a:spcPts val="2133"/>
-              </a:spcBef>
-              <a:spcAft>
-                <a:spcPts val="0"/>
-              </a:spcAft>
-              <a:buSzPts val="1400"/>
-              <a:buChar char="■"/>
-              <a:defRPr/>
-            </a:lvl6pPr>
-            <a:lvl7pPr marL="4267093" lvl="6" indent="-423323" algn="ctr" rtl="0">
-              <a:spcBef>
-                <a:spcPts val="2133"/>
-              </a:spcBef>
-              <a:spcAft>
-                <a:spcPts val="0"/>
-              </a:spcAft>
-              <a:buSzPts val="1400"/>
-              <a:buChar char="●"/>
-              <a:defRPr/>
-            </a:lvl7pPr>
-            <a:lvl8pPr marL="4876678" lvl="7" indent="-423323" algn="ctr" rtl="0">
-              <a:spcBef>
-                <a:spcPts val="2133"/>
-              </a:spcBef>
-              <a:spcAft>
-                <a:spcPts val="0"/>
-              </a:spcAft>
-              <a:buSzPts val="1400"/>
-              <a:buChar char="○"/>
-              <a:defRPr/>
-            </a:lvl8pPr>
-            <a:lvl9pPr marL="5486263" lvl="8" indent="-423323" algn="ctr" rtl="0">
-              <a:spcBef>
-                <a:spcPts val="2133"/>
-              </a:spcBef>
-              <a:spcAft>
-                <a:spcPts val="2133"/>
-              </a:spcAft>
-              <a:buSzPts val="1400"/>
-              <a:buChar char="■"/>
-              <a:defRPr/>
-            </a:lvl9pPr>
-          </a:lstStyle>
-          <a:p>
-            <a:endParaRPr/>
-          </a:p>
-        </p:txBody>
-      </p:sp>
-      <p:sp>
-        <p:nvSpPr>
-          <p:cNvPr id="52" name="Google Shape;52;p11"/>
-          <p:cNvSpPr txBox="1">
-            <a:spLocks noGrp="1"/>
-          </p:cNvSpPr>
-          <p:nvPr>
-            <p:ph type="sldNum" idx="12"/>
-          </p:nvPr>
-        </p:nvSpPr>
-        <p:spPr>
-          <a:xfrm>
-            <a:off x="11320333" y="6241345"/>
-            <a:ext cx="731600" cy="524800"/>
-          </a:xfrm>
-          <a:prstGeom prst="rect">
-            <a:avLst/>
-          </a:prstGeom>
-        </p:spPr>
-        <p:txBody>
-          <a:bodyPr spcFirstLastPara="1" wrap="square" lIns="91425" tIns="91425" rIns="91425" bIns="91425" anchor="ctr" anchorCtr="0">
-            <a:noAutofit/>
-          </a:bodyPr>
-          <a:lstStyle>
-            <a:lvl1pPr lvl="0" rtl="0">
-              <a:buNone/>
-              <a:defRPr/>
-            </a:lvl1pPr>
-            <a:lvl2pPr lvl="1" rtl="0">
-              <a:buNone/>
-              <a:defRPr/>
-            </a:lvl2pPr>
-            <a:lvl3pPr lvl="2" rtl="0">
-              <a:buNone/>
-              <a:defRPr/>
-            </a:lvl3pPr>
-            <a:lvl4pPr lvl="3" rtl="0">
-              <a:buNone/>
-              <a:defRPr/>
-            </a:lvl4pPr>
-            <a:lvl5pPr lvl="4" rtl="0">
-              <a:buNone/>
-              <a:defRPr/>
-            </a:lvl5pPr>
-            <a:lvl6pPr lvl="5" rtl="0">
-              <a:buNone/>
-              <a:defRPr/>
-            </a:lvl6pPr>
-            <a:lvl7pPr lvl="6" rtl="0">
-              <a:buNone/>
-              <a:defRPr/>
-            </a:lvl7pPr>
-            <a:lvl8pPr lvl="7" rtl="0">
-              <a:buNone/>
-              <a:defRPr/>
-            </a:lvl8pPr>
-            <a:lvl9pPr lvl="8" rtl="0">
-              <a:buNone/>
-              <a:defRPr/>
-            </a:lvl9pPr>
-          </a:lstStyle>
-          <a:p>
-            <a:fld id="{00000000-1234-1234-1234-123412341234}" type="slidenum">
-              <a:rPr lang="en" smtClean="0"/>
-              <a:pPr/>
-              <a:t>‹#›</a:t>
-            </a:fld>
-            <a:endParaRPr lang="en"/>
-          </a:p>
-        </p:txBody>
-      </p:sp>
-    </p:spTree>
-    <p:extLst>
-      <p:ext uri="{BB962C8B-B14F-4D97-AF65-F5344CB8AC3E}">
-        <p14:creationId xmlns:p14="http://schemas.microsoft.com/office/powerpoint/2010/main" val="3054741459"/>
-      </p:ext>
-    </p:extLst>
-  </p:cSld>
-  <p:clrMapOvr>
-    <a:masterClrMapping/>
-  </p:clrMapOvr>
-</p:sldLayout>
-</file>
-
-<file path=ppt/slideLayouts/slideLayout22.xml><?xml version="1.0" encoding="utf-8"?>
 <p:sldLayout xmlns:a="http://schemas.openxmlformats.org/drawingml/2006/main" xmlns:r="http://schemas.openxmlformats.org/officeDocument/2006/relationships" xmlns:p="http://schemas.openxmlformats.org/presentationml/2006/main" matchingName="Blank" type="blank">
   <p:cSld name="Blank">
     <p:spTree>
@@ -8096,7 +7672,7 @@
           <a:p>
             <a:fld id="{02AC24A9-CCB6-4F8D-B8DB-C2F3692CFA5A}" type="datetimeFigureOut">
               <a:rPr lang="en-US" smtClean="0"/>
-              <a:t>12/4/2020</a:t>
+              <a:t>6/13/2021</a:t>
             </a:fld>
             <a:endParaRPr lang="en-US"/>
           </a:p>
@@ -8628,7 +8204,7 @@
           <a:p>
             <a:fld id="{02AC24A9-CCB6-4F8D-B8DB-C2F3692CFA5A}" type="datetimeFigureOut">
               <a:rPr lang="en-US" smtClean="0"/>
-              <a:t>12/4/2020</a:t>
+              <a:t>6/13/2021</a:t>
             </a:fld>
             <a:endParaRPr lang="en-US"/>
           </a:p>
@@ -9327,7 +8903,7 @@
           <a:p>
             <a:fld id="{02AC24A9-CCB6-4F8D-B8DB-C2F3692CFA5A}" type="datetimeFigureOut">
               <a:rPr lang="en-US" smtClean="0"/>
-              <a:t>12/4/2020</a:t>
+              <a:t>6/13/2021</a:t>
             </a:fld>
             <a:endParaRPr lang="en-US"/>
           </a:p>
@@ -9656,7 +9232,7 @@
           <a:p>
             <a:fld id="{02AC24A9-CCB6-4F8D-B8DB-C2F3692CFA5A}" type="datetimeFigureOut">
               <a:rPr lang="en-US" smtClean="0"/>
-              <a:t>12/4/2020</a:t>
+              <a:t>6/13/2021</a:t>
             </a:fld>
             <a:endParaRPr lang="en-US"/>
           </a:p>
@@ -9769,7 +9345,7 @@
           <a:p>
             <a:fld id="{02AC24A9-CCB6-4F8D-B8DB-C2F3692CFA5A}" type="datetimeFigureOut">
               <a:rPr lang="en-US" smtClean="0"/>
-              <a:t>12/4/2020</a:t>
+              <a:t>6/13/2021</a:t>
             </a:fld>
             <a:endParaRPr lang="en-US"/>
           </a:p>
@@ -10264,7 +9840,7 @@
           <a:p>
             <a:fld id="{02AC24A9-CCB6-4F8D-B8DB-C2F3692CFA5A}" type="datetimeFigureOut">
               <a:rPr lang="en-US" smtClean="0"/>
-              <a:t>12/4/2020</a:t>
+              <a:t>6/13/2021</a:t>
             </a:fld>
             <a:endParaRPr lang="en-US" dirty="0"/>
           </a:p>
@@ -10741,7 +10317,7 @@
           <a:p>
             <a:fld id="{02AC24A9-CCB6-4F8D-B8DB-C2F3692CFA5A}" type="datetimeFigureOut">
               <a:rPr lang="en-US" smtClean="0"/>
-              <a:t>12/4/2020</a:t>
+              <a:t>6/13/2021</a:t>
             </a:fld>
             <a:endParaRPr lang="en-US"/>
           </a:p>
@@ -10984,7 +10560,7 @@
           <a:p>
             <a:fld id="{02AC24A9-CCB6-4F8D-B8DB-C2F3692CFA5A}" type="datetimeFigureOut">
               <a:rPr lang="en-US" smtClean="0"/>
-              <a:t>12/4/2020</a:t>
+              <a:t>6/13/2021</a:t>
             </a:fld>
             <a:endParaRPr lang="en-US"/>
           </a:p>
@@ -12083,8 +11659,7 @@
     <p:sldLayoutId id="2147483707" r:id="rId7"/>
     <p:sldLayoutId id="2147483708" r:id="rId8"/>
     <p:sldLayoutId id="2147483709" r:id="rId9"/>
-    <p:sldLayoutId id="2147483710" r:id="rId10"/>
-    <p:sldLayoutId id="2147483711" r:id="rId11"/>
+    <p:sldLayoutId id="2147483711" r:id="rId10"/>
   </p:sldLayoutIdLst>
   <p:hf sldNum="0" hdr="0" ftr="0" dt="0"/>
   <p:txStyles>
@@ -12890,7 +12465,7 @@
   <p:cSld>
     <p:spTree>
       <p:nvGrpSpPr>
-        <p:cNvPr id="1" name="Shape 125"/>
+        <p:cNvPr id="1" name=""/>
         <p:cNvGrpSpPr/>
         <p:nvPr/>
       </p:nvGrpSpPr>
@@ -12904,97 +12479,250 @@
       </p:grpSpPr>
       <p:sp>
         <p:nvSpPr>
-          <p:cNvPr id="126" name="Google Shape;126;p21"/>
-          <p:cNvSpPr txBox="1">
+          <p:cNvPr id="2" name="Title 1">
+            <a:extLst>
+              <a:ext uri="{FF2B5EF4-FFF2-40B4-BE49-F238E27FC236}">
+                <a16:creationId xmlns:a16="http://schemas.microsoft.com/office/drawing/2014/main" id="{C194D1F5-5FB3-4DBD-B069-B48C05B4A122}"/>
+              </a:ext>
+            </a:extLst>
+          </p:cNvPr>
+          <p:cNvSpPr>
             <a:spLocks noGrp="1"/>
           </p:cNvSpPr>
           <p:nvPr>
             <p:ph type="title"/>
           </p:nvPr>
         </p:nvSpPr>
+        <p:spPr/>
+        <p:txBody>
+          <a:bodyPr/>
+          <a:lstStyle/>
+          <a:p>
+            <a:r>
+              <a:rPr lang="en-US" dirty="0"/>
+              <a:t>Text Embedding: Doc2vec</a:t>
+            </a:r>
+          </a:p>
+        </p:txBody>
+      </p:sp>
+      <p:sp>
+        <p:nvSpPr>
+          <p:cNvPr id="3" name="Text Placeholder 2">
+            <a:extLst>
+              <a:ext uri="{FF2B5EF4-FFF2-40B4-BE49-F238E27FC236}">
+                <a16:creationId xmlns:a16="http://schemas.microsoft.com/office/drawing/2014/main" id="{B36B1FA7-8387-4B14-A39C-A92B9DF61EDF}"/>
+              </a:ext>
+            </a:extLst>
+          </p:cNvPr>
+          <p:cNvSpPr>
+            <a:spLocks noGrp="1"/>
+          </p:cNvSpPr>
+          <p:nvPr>
+            <p:ph type="body" idx="1"/>
+          </p:nvPr>
+        </p:nvSpPr>
+        <p:spPr/>
+        <p:txBody>
+          <a:bodyPr/>
+          <a:lstStyle/>
+          <a:p>
+            <a:r>
+              <a:rPr lang="en-US" dirty="0"/>
+              <a:t>Goal: Use Doc2Vec to learning the main content of movies’ metadata, and represent it as an </a:t>
+            </a:r>
+            <a:r>
+              <a:rPr lang="en-US" dirty="0" err="1"/>
+              <a:t>e</a:t>
+            </a:r>
+            <a:r>
+              <a:rPr lang="en-US" baseline="-25000" dirty="0" err="1"/>
+              <a:t>mt</a:t>
+            </a:r>
+            <a:r>
+              <a:rPr lang="en-US" dirty="0"/>
+              <a:t>-dimensional vector for each movie. (subscript mt is for movie text embedding, and </a:t>
+            </a:r>
+            <a:r>
+              <a:rPr lang="en-US" altLang="zh-CN" dirty="0"/>
+              <a:t>mg is for movie graph embedding)</a:t>
+            </a:r>
+          </a:p>
+          <a:p>
+            <a:r>
+              <a:rPr lang="en-US" dirty="0"/>
+              <a:t>Reason why we used Doc2Vec</a:t>
+            </a:r>
+          </a:p>
+          <a:p>
+            <a:pPr lvl="1">
+              <a:spcBef>
+                <a:spcPts val="0"/>
+              </a:spcBef>
+            </a:pPr>
+            <a:r>
+              <a:rPr lang="en-US" dirty="0"/>
+              <a:t>It can learn vector representation from unlabeled data and generalized well on the data that do not have enough labels.</a:t>
+            </a:r>
+          </a:p>
+          <a:p>
+            <a:pPr lvl="1">
+              <a:spcBef>
+                <a:spcPts val="0"/>
+              </a:spcBef>
+            </a:pPr>
+            <a:r>
+              <a:rPr lang="en-US" dirty="0"/>
+              <a:t>Dov2vec takes word orders into consideration while learning the semantic meaning of documents. </a:t>
+            </a:r>
+          </a:p>
+          <a:p>
+            <a:r>
+              <a:rPr lang="en-US" dirty="0"/>
+              <a:t>Implementation:</a:t>
+            </a:r>
+          </a:p>
+          <a:p>
+            <a:pPr lvl="1">
+              <a:spcBef>
+                <a:spcPts val="0"/>
+              </a:spcBef>
+            </a:pPr>
+            <a:r>
+              <a:rPr lang="en-US" dirty="0"/>
+              <a:t>Use </a:t>
+            </a:r>
+            <a:r>
+              <a:rPr lang="en-US" dirty="0" err="1"/>
+              <a:t>gensim</a:t>
+            </a:r>
+            <a:r>
+              <a:rPr lang="en-US" dirty="0"/>
+              <a:t> package to </a:t>
+            </a:r>
+          </a:p>
+          <a:p>
+            <a:pPr lvl="1">
+              <a:spcBef>
+                <a:spcPts val="0"/>
+              </a:spcBef>
+            </a:pPr>
+            <a:r>
+              <a:rPr lang="en-US" dirty="0"/>
+              <a:t>movie’s overview </a:t>
+            </a:r>
+            <a:r>
+              <a:rPr lang="en-US" dirty="0">
+                <a:sym typeface="Wingdings" panose="05000000000000000000" pitchFamily="2" charset="2"/>
+              </a:rPr>
+              <a:t> embedding vectors</a:t>
+            </a:r>
+          </a:p>
+          <a:p>
+            <a:pPr lvl="1"/>
+            <a:endParaRPr lang="en-US" dirty="0"/>
+          </a:p>
+        </p:txBody>
+      </p:sp>
+      <p:pic>
+        <p:nvPicPr>
+          <p:cNvPr id="5" name="Picture 4">
+            <a:extLst>
+              <a:ext uri="{FF2B5EF4-FFF2-40B4-BE49-F238E27FC236}">
+                <a16:creationId xmlns:a16="http://schemas.microsoft.com/office/drawing/2014/main" id="{79CFE3AD-0037-4EEE-8C6D-6676913CD115}"/>
+              </a:ext>
+            </a:extLst>
+          </p:cNvPr>
+          <p:cNvPicPr>
+            <a:picLocks noChangeAspect="1"/>
+          </p:cNvPicPr>
+          <p:nvPr/>
+        </p:nvPicPr>
+        <p:blipFill>
+          <a:blip r:embed="rId2"/>
+          <a:stretch>
+            <a:fillRect/>
+          </a:stretch>
+        </p:blipFill>
         <p:spPr>
           <a:xfrm>
-            <a:off x="415600" y="521800"/>
-            <a:ext cx="11360800" cy="834800"/>
+            <a:off x="190500" y="5321366"/>
+            <a:ext cx="6611273" cy="1057423"/>
           </a:xfrm>
           <a:prstGeom prst="rect">
             <a:avLst/>
           </a:prstGeom>
         </p:spPr>
-        <p:txBody>
-          <a:bodyPr spcFirstLastPara="1" wrap="square" lIns="121900" tIns="121900" rIns="121900" bIns="121900" anchor="t" anchorCtr="0">
-            <a:noAutofit/>
-          </a:bodyPr>
-          <a:lstStyle/>
-          <a:p>
-            <a:r>
-              <a:rPr lang="en"/>
-              <a:t>Takeaway</a:t>
-            </a:r>
-            <a:endParaRPr/>
-          </a:p>
-        </p:txBody>
-      </p:sp>
-      <p:sp>
-        <p:nvSpPr>
-          <p:cNvPr id="127" name="Google Shape;127;p21"/>
-          <p:cNvSpPr txBox="1">
-            <a:spLocks noGrp="1"/>
-          </p:cNvSpPr>
-          <p:nvPr>
-            <p:ph type="body" idx="1"/>
-          </p:nvPr>
-        </p:nvSpPr>
+      </p:pic>
+      <p:pic>
+        <p:nvPicPr>
+          <p:cNvPr id="7" name="Picture 6" descr="Text&#10;&#10;Description automatically generated">
+            <a:extLst>
+              <a:ext uri="{FF2B5EF4-FFF2-40B4-BE49-F238E27FC236}">
+                <a16:creationId xmlns:a16="http://schemas.microsoft.com/office/drawing/2014/main" id="{12785E12-97E0-44C8-BE6A-47E00E2B6A8A}"/>
+              </a:ext>
+            </a:extLst>
+          </p:cNvPr>
+          <p:cNvPicPr>
+            <a:picLocks noChangeAspect="1"/>
+          </p:cNvPicPr>
+          <p:nvPr/>
+        </p:nvPicPr>
+        <p:blipFill>
+          <a:blip r:embed="rId3">
+            <a:extLst>
+              <a:ext uri="{28A0092B-C50C-407E-A947-70E740481C1C}">
+                <a14:useLocalDpi xmlns:a14="http://schemas.microsoft.com/office/drawing/2010/main" val="0"/>
+              </a:ext>
+            </a:extLst>
+          </a:blip>
+          <a:stretch>
+            <a:fillRect/>
+          </a:stretch>
+        </p:blipFill>
         <p:spPr>
           <a:xfrm>
-            <a:off x="415600" y="1536633"/>
-            <a:ext cx="11360800" cy="4555200"/>
+            <a:off x="8114795" y="4122112"/>
+            <a:ext cx="3886705" cy="2398507"/>
           </a:xfrm>
           <a:prstGeom prst="rect">
             <a:avLst/>
           </a:prstGeom>
         </p:spPr>
-        <p:txBody>
-          <a:bodyPr spcFirstLastPara="1" wrap="square" lIns="121900" tIns="121900" rIns="121900" bIns="121900" anchor="t" anchorCtr="0">
-            <a:noAutofit/>
-          </a:bodyPr>
-          <a:lstStyle/>
-          <a:p>
-            <a:pPr>
-              <a:buChar char="-"/>
-            </a:pPr>
-            <a:r>
-              <a:rPr lang="en" sz="2800" dirty="0"/>
-              <a:t>A hybrid recommendation system using text and graph embeddings</a:t>
-            </a:r>
-            <a:endParaRPr sz="2800" dirty="0"/>
-          </a:p>
-          <a:p>
-            <a:pPr>
-              <a:buChar char="-"/>
-            </a:pPr>
-            <a:r>
-              <a:rPr lang="en" sz="2800" dirty="0"/>
-              <a:t>Rating-aware sampling technique</a:t>
-            </a:r>
-            <a:endParaRPr sz="2800" dirty="0"/>
-          </a:p>
-          <a:p>
-            <a:pPr>
-              <a:buChar char="-"/>
-            </a:pPr>
-            <a:r>
-              <a:rPr lang="en" sz="2800" dirty="0"/>
-              <a:t>Evaluation of proposed framework on the dataset</a:t>
-            </a:r>
-            <a:endParaRPr sz="2800" dirty="0"/>
-          </a:p>
-        </p:txBody>
-      </p:sp>
+      </p:pic>
+      <p:pic>
+        <p:nvPicPr>
+          <p:cNvPr id="9" name="Picture 8">
+            <a:extLst>
+              <a:ext uri="{FF2B5EF4-FFF2-40B4-BE49-F238E27FC236}">
+                <a16:creationId xmlns:a16="http://schemas.microsoft.com/office/drawing/2014/main" id="{8C67B47F-CCE0-46E1-9EE6-A0A5D52CF733}"/>
+              </a:ext>
+            </a:extLst>
+          </p:cNvPr>
+          <p:cNvPicPr>
+            <a:picLocks noChangeAspect="1"/>
+          </p:cNvPicPr>
+          <p:nvPr/>
+        </p:nvPicPr>
+        <p:blipFill>
+          <a:blip r:embed="rId4"/>
+          <a:stretch>
+            <a:fillRect/>
+          </a:stretch>
+        </p:blipFill>
+        <p:spPr>
+          <a:xfrm>
+            <a:off x="6336912" y="939200"/>
+            <a:ext cx="5563376" cy="2219635"/>
+          </a:xfrm>
+          <a:prstGeom prst="rect">
+            <a:avLst/>
+          </a:prstGeom>
+        </p:spPr>
+      </p:pic>
     </p:spTree>
     <p:extLst>
       <p:ext uri="{BB962C8B-B14F-4D97-AF65-F5344CB8AC3E}">
-        <p14:creationId xmlns:p14="http://schemas.microsoft.com/office/powerpoint/2010/main" val="1590128351"/>
+        <p14:creationId xmlns:p14="http://schemas.microsoft.com/office/powerpoint/2010/main" val="4234942023"/>
       </p:ext>
     </p:extLst>
   </p:cSld>
@@ -13026,7 +12754,7 @@
           <p:cNvPr id="2" name="Title 1">
             <a:extLst>
               <a:ext uri="{FF2B5EF4-FFF2-40B4-BE49-F238E27FC236}">
-                <a16:creationId xmlns:a16="http://schemas.microsoft.com/office/drawing/2014/main" id="{9DFD115C-21F9-4ACD-A5C8-67319E822CC8}"/>
+                <a16:creationId xmlns:a16="http://schemas.microsoft.com/office/drawing/2014/main" id="{7D6CE4A1-5655-4F94-B5CA-D442C05E89C0}"/>
               </a:ext>
             </a:extLst>
           </p:cNvPr>
@@ -13042,7 +12770,10 @@
           <a:bodyPr/>
           <a:lstStyle/>
           <a:p>
-            <a:endParaRPr lang="en-US"/>
+            <a:r>
+              <a:rPr lang="en-US" dirty="0"/>
+              <a:t>Text Embedding: Doc2vec</a:t>
+            </a:r>
           </a:p>
         </p:txBody>
       </p:sp>
@@ -13051,7 +12782,7 @@
           <p:cNvPr id="3" name="Text Placeholder 2">
             <a:extLst>
               <a:ext uri="{FF2B5EF4-FFF2-40B4-BE49-F238E27FC236}">
-                <a16:creationId xmlns:a16="http://schemas.microsoft.com/office/drawing/2014/main" id="{6DCF31AC-1DD2-4CA0-BBEF-74166A47D531}"/>
+                <a16:creationId xmlns:a16="http://schemas.microsoft.com/office/drawing/2014/main" id="{C9B39E5C-3B5A-4885-9394-4ACA0C23BA11}"/>
               </a:ext>
             </a:extLst>
           </p:cNvPr>
@@ -13062,23 +12793,327 @@
             <p:ph type="body" idx="1"/>
           </p:nvPr>
         </p:nvSpPr>
-        <p:spPr/>
+        <p:spPr>
+          <a:xfrm>
+            <a:off x="292100" y="1356600"/>
+            <a:ext cx="11899900" cy="834800"/>
+          </a:xfrm>
+        </p:spPr>
         <p:txBody>
           <a:bodyPr/>
           <a:lstStyle/>
           <a:p>
-            <a:pPr marL="152396" indent="0" algn="ctr">
-              <a:buNone/>
+            <a:r>
+              <a:rPr lang="en-US" sz="2000" b="1" kern="1200" dirty="0">
+                <a:solidFill>
+                  <a:schemeClr val="accent2"/>
+                </a:solidFill>
+                <a:latin typeface="+mn-lt"/>
+                <a:ea typeface="+mn-ea"/>
+                <a:cs typeface="+mn-cs"/>
+              </a:rPr>
+              <a:t>Implementation:</a:t>
+            </a:r>
+          </a:p>
+          <a:p>
+            <a:pPr lvl="1">
+              <a:spcBef>
+                <a:spcPts val="0"/>
+              </a:spcBef>
             </a:pPr>
-            <a:endParaRPr lang="en-US" sz="7200" dirty="0"/>
-          </a:p>
-          <a:p>
-            <a:pPr marL="152396" indent="0" algn="ctr">
-              <a:buNone/>
+            <a:r>
+              <a:rPr lang="en-US" dirty="0"/>
+              <a:t>Use </a:t>
+            </a:r>
+            <a:r>
+              <a:rPr lang="en-US" dirty="0" err="1"/>
+              <a:t>gensim</a:t>
+            </a:r>
+            <a:r>
+              <a:rPr lang="en-US" dirty="0"/>
+              <a:t> package to generate the Doc2Vec model</a:t>
+            </a:r>
+          </a:p>
+          <a:p>
+            <a:pPr lvl="1"/>
+            <a:endParaRPr lang="en-US" dirty="0"/>
+          </a:p>
+        </p:txBody>
+      </p:sp>
+      <p:pic>
+        <p:nvPicPr>
+          <p:cNvPr id="4" name="Picture 3">
+            <a:extLst>
+              <a:ext uri="{FF2B5EF4-FFF2-40B4-BE49-F238E27FC236}">
+                <a16:creationId xmlns:a16="http://schemas.microsoft.com/office/drawing/2014/main" id="{2859ECDA-DD50-482F-B06E-5681113B70F4}"/>
+              </a:ext>
+            </a:extLst>
+          </p:cNvPr>
+          <p:cNvPicPr>
+            <a:picLocks noChangeAspect="1"/>
+          </p:cNvPicPr>
+          <p:nvPr/>
+        </p:nvPicPr>
+        <p:blipFill>
+          <a:blip r:embed="rId2"/>
+          <a:stretch>
+            <a:fillRect/>
+          </a:stretch>
+        </p:blipFill>
+        <p:spPr>
+          <a:xfrm>
+            <a:off x="2223219" y="2163355"/>
+            <a:ext cx="4298131" cy="1714837"/>
+          </a:xfrm>
+          <a:prstGeom prst="rect">
+            <a:avLst/>
+          </a:prstGeom>
+        </p:spPr>
+      </p:pic>
+      <p:pic>
+        <p:nvPicPr>
+          <p:cNvPr id="5" name="Picture 4">
+            <a:extLst>
+              <a:ext uri="{FF2B5EF4-FFF2-40B4-BE49-F238E27FC236}">
+                <a16:creationId xmlns:a16="http://schemas.microsoft.com/office/drawing/2014/main" id="{F990F803-951B-4918-9492-1B7E383521B1}"/>
+              </a:ext>
+            </a:extLst>
+          </p:cNvPr>
+          <p:cNvPicPr>
+            <a:picLocks noChangeAspect="1"/>
+          </p:cNvPicPr>
+          <p:nvPr/>
+        </p:nvPicPr>
+        <p:blipFill>
+          <a:blip r:embed="rId3"/>
+          <a:stretch>
+            <a:fillRect/>
+          </a:stretch>
+        </p:blipFill>
+        <p:spPr>
+          <a:xfrm>
+            <a:off x="415600" y="4640699"/>
+            <a:ext cx="5381316" cy="860701"/>
+          </a:xfrm>
+          <a:prstGeom prst="rect">
+            <a:avLst/>
+          </a:prstGeom>
+        </p:spPr>
+      </p:pic>
+      <p:pic>
+        <p:nvPicPr>
+          <p:cNvPr id="6" name="Picture 5" descr="Text&#10;&#10;Description automatically generated">
+            <a:extLst>
+              <a:ext uri="{FF2B5EF4-FFF2-40B4-BE49-F238E27FC236}">
+                <a16:creationId xmlns:a16="http://schemas.microsoft.com/office/drawing/2014/main" id="{59EDE50B-C8DF-4072-A4DD-B31B17BD9FF3}"/>
+              </a:ext>
+            </a:extLst>
+          </p:cNvPr>
+          <p:cNvPicPr>
+            <a:picLocks noChangeAspect="1"/>
+          </p:cNvPicPr>
+          <p:nvPr/>
+        </p:nvPicPr>
+        <p:blipFill>
+          <a:blip r:embed="rId4">
+            <a:extLst>
+              <a:ext uri="{28A0092B-C50C-407E-A947-70E740481C1C}">
+                <a14:useLocalDpi xmlns:a14="http://schemas.microsoft.com/office/drawing/2010/main" val="0"/>
+              </a:ext>
+            </a:extLst>
+          </a:blip>
+          <a:stretch>
+            <a:fillRect/>
+          </a:stretch>
+        </p:blipFill>
+        <p:spPr>
+          <a:xfrm>
+            <a:off x="7479024" y="3387900"/>
+            <a:ext cx="4144190" cy="2557402"/>
+          </a:xfrm>
+          <a:prstGeom prst="rect">
+            <a:avLst/>
+          </a:prstGeom>
+        </p:spPr>
+      </p:pic>
+      <p:sp>
+        <p:nvSpPr>
+          <p:cNvPr id="7" name="TextBox 6">
+            <a:extLst>
+              <a:ext uri="{FF2B5EF4-FFF2-40B4-BE49-F238E27FC236}">
+                <a16:creationId xmlns:a16="http://schemas.microsoft.com/office/drawing/2014/main" id="{81FCA0D3-DBC4-4F85-AB7A-54CC096300C1}"/>
+              </a:ext>
+            </a:extLst>
+          </p:cNvPr>
+          <p:cNvSpPr txBox="1"/>
+          <p:nvPr/>
+        </p:nvSpPr>
+        <p:spPr>
+          <a:xfrm>
+            <a:off x="415600" y="3872901"/>
+            <a:ext cx="7327900" cy="379656"/>
+          </a:xfrm>
+          <a:prstGeom prst="rect">
+            <a:avLst/>
+          </a:prstGeom>
+          <a:noFill/>
+        </p:spPr>
+        <p:txBody>
+          <a:bodyPr wrap="square" rtlCol="0">
+            <a:spAutoFit/>
+          </a:bodyPr>
+          <a:lstStyle/>
+          <a:p>
+            <a:pPr marL="800100" lvl="1" indent="-342900">
+              <a:buFont typeface="Courier New" panose="02070309020205020404" pitchFamily="49" charset="0"/>
+              <a:buChar char="o"/>
             </a:pPr>
             <a:r>
-              <a:rPr lang="en-US" sz="7200" dirty="0"/>
-              <a:t>Thanks! Any Question?</a:t>
+              <a:rPr lang="en-US" sz="1867" dirty="0">
+                <a:solidFill>
+                  <a:schemeClr val="dk2"/>
+                </a:solidFill>
+                <a:latin typeface="Lato"/>
+                <a:sym typeface="Wingdings" panose="05000000000000000000" pitchFamily="2" charset="2"/>
+              </a:rPr>
+              <a:t>Input </a:t>
+            </a:r>
+            <a:r>
+              <a:rPr lang="en-US" sz="1867" dirty="0">
+                <a:solidFill>
+                  <a:schemeClr val="dk2"/>
+                </a:solidFill>
+                <a:latin typeface="Lato"/>
+                <a:sym typeface="Lato"/>
+              </a:rPr>
+              <a:t> Output</a:t>
+            </a:r>
+          </a:p>
+        </p:txBody>
+      </p:sp>
+      <p:sp>
+        <p:nvSpPr>
+          <p:cNvPr id="8" name="TextBox 7">
+            <a:extLst>
+              <a:ext uri="{FF2B5EF4-FFF2-40B4-BE49-F238E27FC236}">
+                <a16:creationId xmlns:a16="http://schemas.microsoft.com/office/drawing/2014/main" id="{2B4CECF4-D0B2-4306-B461-100E936BCF16}"/>
+              </a:ext>
+            </a:extLst>
+          </p:cNvPr>
+          <p:cNvSpPr txBox="1"/>
+          <p:nvPr/>
+        </p:nvSpPr>
+        <p:spPr>
+          <a:xfrm>
+            <a:off x="1346200" y="6151534"/>
+            <a:ext cx="2095500" cy="369332"/>
+          </a:xfrm>
+          <a:prstGeom prst="rect">
+            <a:avLst/>
+          </a:prstGeom>
+          <a:noFill/>
+        </p:spPr>
+        <p:txBody>
+          <a:bodyPr wrap="square" rtlCol="0">
+            <a:spAutoFit/>
+          </a:bodyPr>
+          <a:lstStyle/>
+          <a:p>
+            <a:r>
+              <a:rPr lang="en-US" sz="1800" dirty="0">
+                <a:solidFill>
+                  <a:schemeClr val="dk2"/>
+                </a:solidFill>
+                <a:latin typeface="Lato"/>
+                <a:sym typeface="Lato"/>
+              </a:rPr>
+              <a:t>movie’s overview</a:t>
+            </a:r>
+            <a:endParaRPr lang="en-US" dirty="0"/>
+          </a:p>
+        </p:txBody>
+      </p:sp>
+      <p:sp>
+        <p:nvSpPr>
+          <p:cNvPr id="9" name="Arrow: Right 8">
+            <a:extLst>
+              <a:ext uri="{FF2B5EF4-FFF2-40B4-BE49-F238E27FC236}">
+                <a16:creationId xmlns:a16="http://schemas.microsoft.com/office/drawing/2014/main" id="{1A0FBAB5-6C92-49E0-A5DE-A149DB82C654}"/>
+              </a:ext>
+            </a:extLst>
+          </p:cNvPr>
+          <p:cNvSpPr/>
+          <p:nvPr/>
+        </p:nvSpPr>
+        <p:spPr>
+          <a:xfrm>
+            <a:off x="6096000" y="4858651"/>
+            <a:ext cx="1054100" cy="488049"/>
+          </a:xfrm>
+          <a:prstGeom prst="rightArrow">
+            <a:avLst/>
+          </a:prstGeom>
+        </p:spPr>
+        <p:style>
+          <a:lnRef idx="2">
+            <a:schemeClr val="accent3">
+              <a:shade val="50000"/>
+            </a:schemeClr>
+          </a:lnRef>
+          <a:fillRef idx="1">
+            <a:schemeClr val="accent3"/>
+          </a:fillRef>
+          <a:effectRef idx="0">
+            <a:schemeClr val="accent3"/>
+          </a:effectRef>
+          <a:fontRef idx="minor">
+            <a:schemeClr val="lt1"/>
+          </a:fontRef>
+        </p:style>
+        <p:txBody>
+          <a:bodyPr rtlCol="0" anchor="ctr"/>
+          <a:lstStyle/>
+          <a:p>
+            <a:pPr algn="ctr"/>
+            <a:endParaRPr lang="en-US"/>
+          </a:p>
+        </p:txBody>
+      </p:sp>
+      <p:sp>
+        <p:nvSpPr>
+          <p:cNvPr id="10" name="TextBox 9">
+            <a:extLst>
+              <a:ext uri="{FF2B5EF4-FFF2-40B4-BE49-F238E27FC236}">
+                <a16:creationId xmlns:a16="http://schemas.microsoft.com/office/drawing/2014/main" id="{E84609E7-5F93-4B94-870F-3DBD56555715}"/>
+              </a:ext>
+            </a:extLst>
+          </p:cNvPr>
+          <p:cNvSpPr txBox="1"/>
+          <p:nvPr/>
+        </p:nvSpPr>
+        <p:spPr>
+          <a:xfrm>
+            <a:off x="8042584" y="6151534"/>
+            <a:ext cx="2930216" cy="369332"/>
+          </a:xfrm>
+          <a:prstGeom prst="rect">
+            <a:avLst/>
+          </a:prstGeom>
+          <a:noFill/>
+        </p:spPr>
+        <p:txBody>
+          <a:bodyPr wrap="square" rtlCol="0">
+            <a:spAutoFit/>
+          </a:bodyPr>
+          <a:lstStyle/>
+          <a:p>
+            <a:r>
+              <a:rPr lang="en-US" dirty="0">
+                <a:solidFill>
+                  <a:schemeClr val="accent2"/>
+                </a:solidFill>
+              </a:rPr>
+              <a:t>Vector representation</a:t>
             </a:r>
           </a:p>
         </p:txBody>
@@ -13086,7 +13121,7 @@
     </p:spTree>
     <p:extLst>
       <p:ext uri="{BB962C8B-B14F-4D97-AF65-F5344CB8AC3E}">
-        <p14:creationId xmlns:p14="http://schemas.microsoft.com/office/powerpoint/2010/main" val="99063599"/>
+        <p14:creationId xmlns:p14="http://schemas.microsoft.com/office/powerpoint/2010/main" val="5686560"/>
       </p:ext>
     </p:extLst>
   </p:cSld>
@@ -13097,6 +13132,2004 @@
 </file>
 
 <file path=ppt/slides/slide12.xml><?xml version="1.0" encoding="utf-8"?>
+<p:sld xmlns:a="http://schemas.openxmlformats.org/drawingml/2006/main" xmlns:r="http://schemas.openxmlformats.org/officeDocument/2006/relationships" xmlns:p="http://schemas.openxmlformats.org/presentationml/2006/main">
+  <p:cSld>
+    <p:spTree>
+      <p:nvGrpSpPr>
+        <p:cNvPr id="1" name="Shape 95"/>
+        <p:cNvGrpSpPr/>
+        <p:nvPr/>
+      </p:nvGrpSpPr>
+      <p:grpSpPr>
+        <a:xfrm>
+          <a:off x="0" y="0"/>
+          <a:ext cx="0" cy="0"/>
+          <a:chOff x="0" y="0"/>
+          <a:chExt cx="0" cy="0"/>
+        </a:xfrm>
+      </p:grpSpPr>
+      <p:sp>
+        <p:nvSpPr>
+          <p:cNvPr id="96" name="Google Shape;96;p18"/>
+          <p:cNvSpPr txBox="1">
+            <a:spLocks noGrp="1"/>
+          </p:cNvSpPr>
+          <p:nvPr>
+            <p:ph type="title"/>
+          </p:nvPr>
+        </p:nvSpPr>
+        <p:spPr>
+          <a:xfrm>
+            <a:off x="415600" y="521800"/>
+            <a:ext cx="11360800" cy="834800"/>
+          </a:xfrm>
+          <a:prstGeom prst="rect">
+            <a:avLst/>
+          </a:prstGeom>
+        </p:spPr>
+        <p:txBody>
+          <a:bodyPr spcFirstLastPara="1" wrap="square" lIns="121900" tIns="121900" rIns="121900" bIns="121900" anchor="t" anchorCtr="0">
+            <a:noAutofit/>
+          </a:bodyPr>
+          <a:lstStyle/>
+          <a:p>
+            <a:r>
+              <a:rPr lang="en" dirty="0"/>
+              <a:t>Graph embedding: Metapath2vec</a:t>
+            </a:r>
+            <a:endParaRPr dirty="0"/>
+          </a:p>
+        </p:txBody>
+      </p:sp>
+      <p:sp>
+        <p:nvSpPr>
+          <p:cNvPr id="97" name="Google Shape;97;p18"/>
+          <p:cNvSpPr txBox="1">
+            <a:spLocks noGrp="1"/>
+          </p:cNvSpPr>
+          <p:nvPr>
+            <p:ph type="body" idx="1"/>
+          </p:nvPr>
+        </p:nvSpPr>
+        <p:spPr>
+          <a:xfrm>
+            <a:off x="415600" y="1536633"/>
+            <a:ext cx="11360800" cy="4555200"/>
+          </a:xfrm>
+          <a:prstGeom prst="rect">
+            <a:avLst/>
+          </a:prstGeom>
+        </p:spPr>
+        <p:txBody>
+          <a:bodyPr spcFirstLastPara="1" wrap="square" lIns="121900" tIns="121900" rIns="121900" bIns="121900" anchor="t" anchorCtr="0">
+            <a:noAutofit/>
+          </a:bodyPr>
+          <a:lstStyle/>
+          <a:p>
+            <a:pPr>
+              <a:buChar char="-"/>
+            </a:pPr>
+            <a:r>
+              <a:rPr lang="en" sz="2400" dirty="0"/>
+              <a:t>Heterogeneous information network</a:t>
+            </a:r>
+            <a:endParaRPr sz="2400" dirty="0"/>
+          </a:p>
+          <a:p>
+            <a:pPr lvl="1">
+              <a:spcBef>
+                <a:spcPts val="0"/>
+              </a:spcBef>
+              <a:buChar char="-"/>
+            </a:pPr>
+            <a:r>
+              <a:rPr lang="en" sz="2400" dirty="0"/>
+              <a:t>User (</a:t>
+            </a:r>
+            <a:r>
+              <a:rPr lang="en" sz="2400" b="1" dirty="0">
+                <a:solidFill>
+                  <a:srgbClr val="6AA84F"/>
+                </a:solidFill>
+              </a:rPr>
+              <a:t>U</a:t>
+            </a:r>
+            <a:r>
+              <a:rPr lang="en" sz="2400" dirty="0"/>
+              <a:t>), Movie (</a:t>
+            </a:r>
+            <a:r>
+              <a:rPr lang="en" sz="2400" b="1" dirty="0">
+                <a:solidFill>
+                  <a:srgbClr val="6AA84F"/>
+                </a:solidFill>
+              </a:rPr>
+              <a:t>M</a:t>
+            </a:r>
+            <a:r>
+              <a:rPr lang="en" sz="2400" dirty="0"/>
+              <a:t>), Genre (</a:t>
+            </a:r>
+            <a:r>
+              <a:rPr lang="en" sz="2400" b="1" dirty="0">
+                <a:solidFill>
+                  <a:srgbClr val="6AA84F"/>
+                </a:solidFill>
+              </a:rPr>
+              <a:t>G</a:t>
+            </a:r>
+            <a:r>
+              <a:rPr lang="en" sz="2400" dirty="0"/>
+              <a:t>), Cast/crew (</a:t>
+            </a:r>
+            <a:r>
+              <a:rPr lang="en" sz="2400" b="1" dirty="0">
+                <a:solidFill>
+                  <a:srgbClr val="6AA84F"/>
+                </a:solidFill>
+              </a:rPr>
+              <a:t>C</a:t>
+            </a:r>
+            <a:r>
+              <a:rPr lang="en" sz="2400" dirty="0"/>
+              <a:t>) </a:t>
+            </a:r>
+            <a:endParaRPr sz="2400" dirty="0"/>
+          </a:p>
+          <a:p>
+            <a:pPr>
+              <a:buChar char="-"/>
+            </a:pPr>
+            <a:r>
+              <a:rPr lang="en" sz="2400" dirty="0" err="1"/>
+              <a:t>Metapath</a:t>
+            </a:r>
+            <a:r>
+              <a:rPr lang="en" sz="2400" dirty="0"/>
+              <a:t>-based sampling</a:t>
+            </a:r>
+            <a:endParaRPr sz="2400" dirty="0"/>
+          </a:p>
+          <a:p>
+            <a:pPr lvl="1">
+              <a:spcBef>
+                <a:spcPts val="0"/>
+              </a:spcBef>
+              <a:buChar char="-"/>
+            </a:pPr>
+            <a:r>
+              <a:rPr lang="en" sz="2400" dirty="0"/>
+              <a:t>Preserve semantic relationships between nodes</a:t>
+            </a:r>
+            <a:endParaRPr sz="2400" dirty="0"/>
+          </a:p>
+          <a:p>
+            <a:pPr lvl="1">
+              <a:spcBef>
+                <a:spcPts val="0"/>
+              </a:spcBef>
+              <a:buChar char="-"/>
+            </a:pPr>
+            <a:r>
+              <a:rPr lang="en" sz="2400" b="1" dirty="0">
+                <a:solidFill>
+                  <a:srgbClr val="6AA84F"/>
+                </a:solidFill>
+              </a:rPr>
+              <a:t>U-M-U</a:t>
+            </a:r>
+            <a:r>
+              <a:rPr lang="en" sz="2400" dirty="0"/>
+              <a:t>,	</a:t>
+            </a:r>
+            <a:r>
+              <a:rPr lang="en" sz="2400" b="1" dirty="0">
+                <a:solidFill>
+                  <a:srgbClr val="6AA84F"/>
+                </a:solidFill>
+              </a:rPr>
+              <a:t>U-M-G-M-U</a:t>
+            </a:r>
+            <a:r>
+              <a:rPr lang="en" sz="2400" dirty="0"/>
+              <a:t>,	</a:t>
+            </a:r>
+            <a:r>
+              <a:rPr lang="en" sz="2400" b="1" dirty="0">
+                <a:solidFill>
+                  <a:srgbClr val="6AA84F"/>
+                </a:solidFill>
+              </a:rPr>
+              <a:t>U-M-C-M-U</a:t>
+            </a:r>
+            <a:endParaRPr sz="2400" dirty="0"/>
+          </a:p>
+          <a:p>
+            <a:pPr>
+              <a:buChar char="-"/>
+            </a:pPr>
+            <a:endParaRPr lang="en" sz="2400" b="1" dirty="0">
+              <a:solidFill>
+                <a:schemeClr val="dk1"/>
+              </a:solidFill>
+            </a:endParaRPr>
+          </a:p>
+          <a:p>
+            <a:pPr>
+              <a:buChar char="-"/>
+            </a:pPr>
+            <a:r>
+              <a:rPr lang="en" sz="2400" b="1" dirty="0">
+                <a:solidFill>
+                  <a:schemeClr val="dk1"/>
+                </a:solidFill>
+              </a:rPr>
+              <a:t>Rating-aware</a:t>
+            </a:r>
+            <a:r>
+              <a:rPr lang="en" sz="2400" dirty="0"/>
+              <a:t> sampling policy</a:t>
+            </a:r>
+          </a:p>
+          <a:p>
+            <a:pPr marL="152396" indent="0" algn="ctr">
+              <a:buNone/>
+            </a:pPr>
+            <a:endParaRPr lang="en" sz="2400" dirty="0"/>
+          </a:p>
+          <a:p>
+            <a:pPr marL="152396" indent="0" algn="ctr">
+              <a:buNone/>
+            </a:pPr>
+            <a:endParaRPr lang="en" sz="2400" dirty="0"/>
+          </a:p>
+          <a:p>
+            <a:pPr marL="152396" indent="0" algn="ctr">
+              <a:buNone/>
+            </a:pPr>
+            <a:endParaRPr lang="en" sz="2400" dirty="0"/>
+          </a:p>
+          <a:p>
+            <a:pPr marL="152396" indent="0" algn="ctr">
+              <a:buNone/>
+            </a:pPr>
+            <a:r>
+              <a:rPr lang="en" sz="2400" dirty="0"/>
+              <a:t>Similarly sample for P(m-&gt;u).</a:t>
+            </a:r>
+            <a:endParaRPr sz="2400" dirty="0"/>
+          </a:p>
+        </p:txBody>
+      </p:sp>
+      <p:pic>
+        <p:nvPicPr>
+          <p:cNvPr id="98" name="Google Shape;98;p18" descr="P(s_{t+1}=m|s_t=u) = \left\{\begin{matrix}&#10;1/|N_{M}(u)| &amp;,  &amp; t=0 \\ &#10;\textrm{softmax}(-|R(u, m) - R(u', m')|) &amp;,  &amp; \textrm{else}&#10;\end{matrix}\right." title="MathEquation,#000000"/>
+          <p:cNvPicPr preferRelativeResize="0"/>
+          <p:nvPr/>
+        </p:nvPicPr>
+        <p:blipFill>
+          <a:blip r:embed="rId3">
+            <a:alphaModFix/>
+          </a:blip>
+          <a:stretch>
+            <a:fillRect/>
+          </a:stretch>
+        </p:blipFill>
+        <p:spPr>
+          <a:xfrm>
+            <a:off x="3143841" y="4853736"/>
+            <a:ext cx="6540432" cy="621367"/>
+          </a:xfrm>
+          <a:prstGeom prst="rect">
+            <a:avLst/>
+          </a:prstGeom>
+          <a:noFill/>
+          <a:ln>
+            <a:noFill/>
+          </a:ln>
+        </p:spPr>
+      </p:pic>
+      <p:sp>
+        <p:nvSpPr>
+          <p:cNvPr id="99" name="Google Shape;99;p18"/>
+          <p:cNvSpPr txBox="1"/>
+          <p:nvPr/>
+        </p:nvSpPr>
+        <p:spPr>
+          <a:xfrm>
+            <a:off x="319867" y="6271867"/>
+            <a:ext cx="6540400" cy="452000"/>
+          </a:xfrm>
+          <a:prstGeom prst="rect">
+            <a:avLst/>
+          </a:prstGeom>
+          <a:noFill/>
+          <a:ln>
+            <a:noFill/>
+          </a:ln>
+        </p:spPr>
+        <p:txBody>
+          <a:bodyPr spcFirstLastPara="1" wrap="square" lIns="121900" tIns="121900" rIns="121900" bIns="121900" anchor="t" anchorCtr="0">
+            <a:noAutofit/>
+          </a:bodyPr>
+          <a:lstStyle/>
+          <a:p>
+            <a:pPr defTabSz="1219170">
+              <a:buClr>
+                <a:srgbClr val="000000"/>
+              </a:buClr>
+            </a:pPr>
+            <a:r>
+              <a:rPr lang="en" sz="933" kern="0">
+                <a:solidFill>
+                  <a:srgbClr val="000000"/>
+                </a:solidFill>
+                <a:latin typeface="Lato"/>
+                <a:ea typeface="Lato"/>
+                <a:cs typeface="Lato"/>
+                <a:sym typeface="Lato"/>
+              </a:rPr>
+              <a:t>* "metapath2vec: Scalable representation learning for heterogeneous networks." Proceedings of the 23rd ACM SIGKDD international conference on knowledge discovery and data mining. 2017.</a:t>
+            </a:r>
+            <a:endParaRPr sz="933" kern="0">
+              <a:solidFill>
+                <a:srgbClr val="000000"/>
+              </a:solidFill>
+              <a:latin typeface="Lato"/>
+              <a:ea typeface="Lato"/>
+              <a:cs typeface="Lato"/>
+              <a:sym typeface="Lato"/>
+            </a:endParaRPr>
+          </a:p>
+        </p:txBody>
+      </p:sp>
+      <p:sp>
+        <p:nvSpPr>
+          <p:cNvPr id="100" name="Google Shape;100;p18"/>
+          <p:cNvSpPr/>
+          <p:nvPr/>
+        </p:nvSpPr>
+        <p:spPr>
+          <a:xfrm>
+            <a:off x="8242768" y="3293540"/>
+            <a:ext cx="366800" cy="366800"/>
+          </a:xfrm>
+          <a:prstGeom prst="ellipse">
+            <a:avLst/>
+          </a:prstGeom>
+          <a:solidFill>
+            <a:srgbClr val="FFD966"/>
+          </a:solidFill>
+          <a:ln w="9525" cap="flat" cmpd="sng">
+            <a:solidFill>
+              <a:schemeClr val="dk2"/>
+            </a:solidFill>
+            <a:prstDash val="solid"/>
+            <a:round/>
+            <a:headEnd type="none" w="sm" len="sm"/>
+            <a:tailEnd type="none" w="sm" len="sm"/>
+          </a:ln>
+        </p:spPr>
+        <p:txBody>
+          <a:bodyPr spcFirstLastPara="1" wrap="square" lIns="121900" tIns="121900" rIns="121900" bIns="121900" anchor="ctr" anchorCtr="0">
+            <a:noAutofit/>
+          </a:bodyPr>
+          <a:lstStyle/>
+          <a:p>
+            <a:pPr defTabSz="1219170">
+              <a:buClr>
+                <a:srgbClr val="000000"/>
+              </a:buClr>
+            </a:pPr>
+            <a:endParaRPr sz="800" kern="0">
+              <a:solidFill>
+                <a:srgbClr val="000000"/>
+              </a:solidFill>
+              <a:latin typeface="Arial"/>
+              <a:cs typeface="Arial"/>
+              <a:sym typeface="Arial"/>
+            </a:endParaRPr>
+          </a:p>
+        </p:txBody>
+      </p:sp>
+      <p:sp>
+        <p:nvSpPr>
+          <p:cNvPr id="101" name="Google Shape;101;p18"/>
+          <p:cNvSpPr/>
+          <p:nvPr/>
+        </p:nvSpPr>
+        <p:spPr>
+          <a:xfrm>
+            <a:off x="8242768" y="2578540"/>
+            <a:ext cx="366800" cy="366800"/>
+          </a:xfrm>
+          <a:prstGeom prst="roundRect">
+            <a:avLst>
+              <a:gd name="adj" fmla="val 16667"/>
+            </a:avLst>
+          </a:prstGeom>
+          <a:solidFill>
+            <a:srgbClr val="93C47D"/>
+          </a:solidFill>
+          <a:ln w="9525" cap="flat" cmpd="sng">
+            <a:solidFill>
+              <a:schemeClr val="dk2"/>
+            </a:solidFill>
+            <a:prstDash val="solid"/>
+            <a:round/>
+            <a:headEnd type="none" w="sm" len="sm"/>
+            <a:tailEnd type="none" w="sm" len="sm"/>
+          </a:ln>
+        </p:spPr>
+        <p:txBody>
+          <a:bodyPr spcFirstLastPara="1" wrap="square" lIns="121900" tIns="121900" rIns="121900" bIns="121900" anchor="ctr" anchorCtr="0">
+            <a:noAutofit/>
+          </a:bodyPr>
+          <a:lstStyle/>
+          <a:p>
+            <a:pPr defTabSz="1219170">
+              <a:buClr>
+                <a:srgbClr val="000000"/>
+              </a:buClr>
+            </a:pPr>
+            <a:endParaRPr sz="1867" kern="0">
+              <a:solidFill>
+                <a:srgbClr val="000000"/>
+              </a:solidFill>
+              <a:latin typeface="Arial"/>
+              <a:cs typeface="Arial"/>
+              <a:sym typeface="Arial"/>
+            </a:endParaRPr>
+          </a:p>
+        </p:txBody>
+      </p:sp>
+      <p:sp>
+        <p:nvSpPr>
+          <p:cNvPr id="102" name="Google Shape;102;p18"/>
+          <p:cNvSpPr/>
+          <p:nvPr/>
+        </p:nvSpPr>
+        <p:spPr>
+          <a:xfrm>
+            <a:off x="9740368" y="2578540"/>
+            <a:ext cx="366800" cy="366800"/>
+          </a:xfrm>
+          <a:prstGeom prst="roundRect">
+            <a:avLst>
+              <a:gd name="adj" fmla="val 16667"/>
+            </a:avLst>
+          </a:prstGeom>
+          <a:solidFill>
+            <a:srgbClr val="93C47D"/>
+          </a:solidFill>
+          <a:ln w="9525" cap="flat" cmpd="sng">
+            <a:solidFill>
+              <a:schemeClr val="dk2"/>
+            </a:solidFill>
+            <a:prstDash val="solid"/>
+            <a:round/>
+            <a:headEnd type="none" w="sm" len="sm"/>
+            <a:tailEnd type="none" w="sm" len="sm"/>
+          </a:ln>
+        </p:spPr>
+        <p:txBody>
+          <a:bodyPr spcFirstLastPara="1" wrap="square" lIns="121900" tIns="121900" rIns="121900" bIns="121900" anchor="ctr" anchorCtr="0">
+            <a:noAutofit/>
+          </a:bodyPr>
+          <a:lstStyle/>
+          <a:p>
+            <a:pPr defTabSz="1219170">
+              <a:buClr>
+                <a:srgbClr val="000000"/>
+              </a:buClr>
+            </a:pPr>
+            <a:endParaRPr sz="1867" kern="0">
+              <a:solidFill>
+                <a:srgbClr val="000000"/>
+              </a:solidFill>
+              <a:latin typeface="Arial"/>
+              <a:cs typeface="Arial"/>
+              <a:sym typeface="Arial"/>
+            </a:endParaRPr>
+          </a:p>
+        </p:txBody>
+      </p:sp>
+      <p:sp>
+        <p:nvSpPr>
+          <p:cNvPr id="103" name="Google Shape;103;p18"/>
+          <p:cNvSpPr/>
+          <p:nvPr/>
+        </p:nvSpPr>
+        <p:spPr>
+          <a:xfrm>
+            <a:off x="8991568" y="2578540"/>
+            <a:ext cx="366800" cy="366800"/>
+          </a:xfrm>
+          <a:prstGeom prst="roundRect">
+            <a:avLst>
+              <a:gd name="adj" fmla="val 16667"/>
+            </a:avLst>
+          </a:prstGeom>
+          <a:solidFill>
+            <a:srgbClr val="93C47D"/>
+          </a:solidFill>
+          <a:ln w="9525" cap="flat" cmpd="sng">
+            <a:solidFill>
+              <a:schemeClr val="dk2"/>
+            </a:solidFill>
+            <a:prstDash val="solid"/>
+            <a:round/>
+            <a:headEnd type="none" w="sm" len="sm"/>
+            <a:tailEnd type="none" w="sm" len="sm"/>
+          </a:ln>
+        </p:spPr>
+        <p:txBody>
+          <a:bodyPr spcFirstLastPara="1" wrap="square" lIns="121900" tIns="121900" rIns="121900" bIns="121900" anchor="ctr" anchorCtr="0">
+            <a:noAutofit/>
+          </a:bodyPr>
+          <a:lstStyle/>
+          <a:p>
+            <a:pPr defTabSz="1219170">
+              <a:buClr>
+                <a:srgbClr val="000000"/>
+              </a:buClr>
+            </a:pPr>
+            <a:endParaRPr sz="1867" kern="0">
+              <a:solidFill>
+                <a:srgbClr val="000000"/>
+              </a:solidFill>
+              <a:latin typeface="Arial"/>
+              <a:cs typeface="Arial"/>
+              <a:sym typeface="Arial"/>
+            </a:endParaRPr>
+          </a:p>
+        </p:txBody>
+      </p:sp>
+      <p:sp>
+        <p:nvSpPr>
+          <p:cNvPr id="104" name="Google Shape;104;p18"/>
+          <p:cNvSpPr/>
+          <p:nvPr/>
+        </p:nvSpPr>
+        <p:spPr>
+          <a:xfrm>
+            <a:off x="8991568" y="3293540"/>
+            <a:ext cx="366800" cy="366800"/>
+          </a:xfrm>
+          <a:prstGeom prst="ellipse">
+            <a:avLst/>
+          </a:prstGeom>
+          <a:solidFill>
+            <a:srgbClr val="FFD966"/>
+          </a:solidFill>
+          <a:ln w="9525" cap="flat" cmpd="sng">
+            <a:solidFill>
+              <a:schemeClr val="dk2"/>
+            </a:solidFill>
+            <a:prstDash val="solid"/>
+            <a:round/>
+            <a:headEnd type="none" w="sm" len="sm"/>
+            <a:tailEnd type="none" w="sm" len="sm"/>
+          </a:ln>
+        </p:spPr>
+        <p:txBody>
+          <a:bodyPr spcFirstLastPara="1" wrap="square" lIns="121900" tIns="121900" rIns="121900" bIns="121900" anchor="ctr" anchorCtr="0">
+            <a:noAutofit/>
+          </a:bodyPr>
+          <a:lstStyle/>
+          <a:p>
+            <a:pPr defTabSz="1219170">
+              <a:buClr>
+                <a:srgbClr val="000000"/>
+              </a:buClr>
+            </a:pPr>
+            <a:endParaRPr sz="800" kern="0">
+              <a:solidFill>
+                <a:srgbClr val="000000"/>
+              </a:solidFill>
+              <a:latin typeface="Arial"/>
+              <a:cs typeface="Arial"/>
+              <a:sym typeface="Arial"/>
+            </a:endParaRPr>
+          </a:p>
+        </p:txBody>
+      </p:sp>
+      <p:sp>
+        <p:nvSpPr>
+          <p:cNvPr id="105" name="Google Shape;105;p18"/>
+          <p:cNvSpPr/>
+          <p:nvPr/>
+        </p:nvSpPr>
+        <p:spPr>
+          <a:xfrm>
+            <a:off x="9740368" y="3293540"/>
+            <a:ext cx="366800" cy="366800"/>
+          </a:xfrm>
+          <a:prstGeom prst="ellipse">
+            <a:avLst/>
+          </a:prstGeom>
+          <a:solidFill>
+            <a:srgbClr val="FFD966"/>
+          </a:solidFill>
+          <a:ln w="9525" cap="flat" cmpd="sng">
+            <a:solidFill>
+              <a:schemeClr val="dk2"/>
+            </a:solidFill>
+            <a:prstDash val="solid"/>
+            <a:round/>
+            <a:headEnd type="none" w="sm" len="sm"/>
+            <a:tailEnd type="none" w="sm" len="sm"/>
+          </a:ln>
+        </p:spPr>
+        <p:txBody>
+          <a:bodyPr spcFirstLastPara="1" wrap="square" lIns="121900" tIns="121900" rIns="121900" bIns="121900" anchor="ctr" anchorCtr="0">
+            <a:noAutofit/>
+          </a:bodyPr>
+          <a:lstStyle/>
+          <a:p>
+            <a:pPr defTabSz="1219170">
+              <a:buClr>
+                <a:srgbClr val="000000"/>
+              </a:buClr>
+            </a:pPr>
+            <a:endParaRPr sz="800" kern="0">
+              <a:solidFill>
+                <a:srgbClr val="000000"/>
+              </a:solidFill>
+              <a:latin typeface="Arial"/>
+              <a:cs typeface="Arial"/>
+              <a:sym typeface="Arial"/>
+            </a:endParaRPr>
+          </a:p>
+        </p:txBody>
+      </p:sp>
+      <p:sp>
+        <p:nvSpPr>
+          <p:cNvPr id="106" name="Google Shape;106;p18"/>
+          <p:cNvSpPr/>
+          <p:nvPr/>
+        </p:nvSpPr>
+        <p:spPr>
+          <a:xfrm>
+            <a:off x="8609568" y="1863540"/>
+            <a:ext cx="366800" cy="366800"/>
+          </a:xfrm>
+          <a:prstGeom prst="snip1Rect">
+            <a:avLst>
+              <a:gd name="adj" fmla="val 16667"/>
+            </a:avLst>
+          </a:prstGeom>
+          <a:solidFill>
+            <a:srgbClr val="B4A7D6"/>
+          </a:solidFill>
+          <a:ln w="9525" cap="flat" cmpd="sng">
+            <a:solidFill>
+              <a:schemeClr val="dk2"/>
+            </a:solidFill>
+            <a:prstDash val="solid"/>
+            <a:round/>
+            <a:headEnd type="none" w="sm" len="sm"/>
+            <a:tailEnd type="none" w="sm" len="sm"/>
+          </a:ln>
+        </p:spPr>
+        <p:txBody>
+          <a:bodyPr spcFirstLastPara="1" wrap="square" lIns="121900" tIns="121900" rIns="121900" bIns="121900" anchor="ctr" anchorCtr="0">
+            <a:noAutofit/>
+          </a:bodyPr>
+          <a:lstStyle/>
+          <a:p>
+            <a:pPr defTabSz="1219170">
+              <a:buClr>
+                <a:srgbClr val="000000"/>
+              </a:buClr>
+            </a:pPr>
+            <a:endParaRPr sz="1867" kern="0">
+              <a:solidFill>
+                <a:srgbClr val="000000"/>
+              </a:solidFill>
+              <a:latin typeface="Arial"/>
+              <a:cs typeface="Arial"/>
+              <a:sym typeface="Arial"/>
+            </a:endParaRPr>
+          </a:p>
+        </p:txBody>
+      </p:sp>
+      <p:sp>
+        <p:nvSpPr>
+          <p:cNvPr id="107" name="Google Shape;107;p18"/>
+          <p:cNvSpPr/>
+          <p:nvPr/>
+        </p:nvSpPr>
+        <p:spPr>
+          <a:xfrm>
+            <a:off x="9373568" y="1863540"/>
+            <a:ext cx="366800" cy="366800"/>
+          </a:xfrm>
+          <a:prstGeom prst="snip1Rect">
+            <a:avLst>
+              <a:gd name="adj" fmla="val 16667"/>
+            </a:avLst>
+          </a:prstGeom>
+          <a:solidFill>
+            <a:srgbClr val="B4A7D6"/>
+          </a:solidFill>
+          <a:ln w="9525" cap="flat" cmpd="sng">
+            <a:solidFill>
+              <a:schemeClr val="dk2"/>
+            </a:solidFill>
+            <a:prstDash val="solid"/>
+            <a:round/>
+            <a:headEnd type="none" w="sm" len="sm"/>
+            <a:tailEnd type="none" w="sm" len="sm"/>
+          </a:ln>
+        </p:spPr>
+        <p:txBody>
+          <a:bodyPr spcFirstLastPara="1" wrap="square" lIns="121900" tIns="121900" rIns="121900" bIns="121900" anchor="ctr" anchorCtr="0">
+            <a:noAutofit/>
+          </a:bodyPr>
+          <a:lstStyle/>
+          <a:p>
+            <a:pPr defTabSz="1219170">
+              <a:buClr>
+                <a:srgbClr val="000000"/>
+              </a:buClr>
+            </a:pPr>
+            <a:endParaRPr sz="1867" kern="0">
+              <a:solidFill>
+                <a:srgbClr val="000000"/>
+              </a:solidFill>
+              <a:latin typeface="Arial"/>
+              <a:cs typeface="Arial"/>
+              <a:sym typeface="Arial"/>
+            </a:endParaRPr>
+          </a:p>
+        </p:txBody>
+      </p:sp>
+      <p:sp>
+        <p:nvSpPr>
+          <p:cNvPr id="14" name="Google Shape;76;p15">
+            <a:extLst>
+              <a:ext uri="{FF2B5EF4-FFF2-40B4-BE49-F238E27FC236}">
+                <a16:creationId xmlns:a16="http://schemas.microsoft.com/office/drawing/2014/main" id="{29C1A63E-803C-8D43-9F7E-286E4A054516}"/>
+              </a:ext>
+            </a:extLst>
+          </p:cNvPr>
+          <p:cNvSpPr txBox="1"/>
+          <p:nvPr/>
+        </p:nvSpPr>
+        <p:spPr>
+          <a:xfrm>
+            <a:off x="10643032" y="3253567"/>
+            <a:ext cx="934902" cy="446745"/>
+          </a:xfrm>
+          <a:prstGeom prst="rect">
+            <a:avLst/>
+          </a:prstGeom>
+          <a:noFill/>
+          <a:ln>
+            <a:noFill/>
+          </a:ln>
+        </p:spPr>
+        <p:txBody>
+          <a:bodyPr spcFirstLastPara="1" wrap="square" lIns="121900" tIns="121900" rIns="121900" bIns="121900" anchor="t" anchorCtr="0">
+            <a:noAutofit/>
+          </a:bodyPr>
+          <a:lstStyle/>
+          <a:p>
+            <a:pPr defTabSz="1219170">
+              <a:buClr>
+                <a:srgbClr val="000000"/>
+              </a:buClr>
+            </a:pPr>
+            <a:r>
+              <a:rPr lang="en" sz="1333" b="1" i="1" kern="0" dirty="0">
+                <a:solidFill>
+                  <a:srgbClr val="6AA84F"/>
+                </a:solidFill>
+                <a:latin typeface="Lato"/>
+                <a:ea typeface="Lato"/>
+                <a:cs typeface="Lato"/>
+                <a:sym typeface="Lato"/>
+              </a:rPr>
+              <a:t>User</a:t>
+            </a:r>
+            <a:endParaRPr sz="1333" b="1" i="1" kern="0" dirty="0">
+              <a:solidFill>
+                <a:srgbClr val="6AA84F"/>
+              </a:solidFill>
+              <a:latin typeface="Lato"/>
+              <a:ea typeface="Lato"/>
+              <a:cs typeface="Lato"/>
+              <a:sym typeface="Lato"/>
+            </a:endParaRPr>
+          </a:p>
+        </p:txBody>
+      </p:sp>
+      <p:sp>
+        <p:nvSpPr>
+          <p:cNvPr id="15" name="Google Shape;76;p15">
+            <a:extLst>
+              <a:ext uri="{FF2B5EF4-FFF2-40B4-BE49-F238E27FC236}">
+                <a16:creationId xmlns:a16="http://schemas.microsoft.com/office/drawing/2014/main" id="{2A0456FE-0F6D-B94F-9E3D-8B6A086AB03F}"/>
+              </a:ext>
+            </a:extLst>
+          </p:cNvPr>
+          <p:cNvSpPr txBox="1"/>
+          <p:nvPr/>
+        </p:nvSpPr>
+        <p:spPr>
+          <a:xfrm>
+            <a:off x="10643032" y="2538567"/>
+            <a:ext cx="934902" cy="446745"/>
+          </a:xfrm>
+          <a:prstGeom prst="rect">
+            <a:avLst/>
+          </a:prstGeom>
+          <a:noFill/>
+          <a:ln>
+            <a:noFill/>
+          </a:ln>
+        </p:spPr>
+        <p:txBody>
+          <a:bodyPr spcFirstLastPara="1" wrap="square" lIns="121900" tIns="121900" rIns="121900" bIns="121900" anchor="t" anchorCtr="0">
+            <a:noAutofit/>
+          </a:bodyPr>
+          <a:lstStyle/>
+          <a:p>
+            <a:pPr defTabSz="1219170">
+              <a:buClr>
+                <a:srgbClr val="000000"/>
+              </a:buClr>
+            </a:pPr>
+            <a:r>
+              <a:rPr lang="en" sz="1333" b="1" i="1" kern="0" dirty="0">
+                <a:solidFill>
+                  <a:srgbClr val="6AA84F"/>
+                </a:solidFill>
+                <a:latin typeface="Lato"/>
+                <a:ea typeface="Lato"/>
+                <a:cs typeface="Lato"/>
+                <a:sym typeface="Lato"/>
+              </a:rPr>
+              <a:t>Movie</a:t>
+            </a:r>
+            <a:endParaRPr sz="1333" b="1" i="1" kern="0" dirty="0">
+              <a:solidFill>
+                <a:srgbClr val="6AA84F"/>
+              </a:solidFill>
+              <a:latin typeface="Lato"/>
+              <a:ea typeface="Lato"/>
+              <a:cs typeface="Lato"/>
+              <a:sym typeface="Lato"/>
+            </a:endParaRPr>
+          </a:p>
+        </p:txBody>
+      </p:sp>
+      <p:sp>
+        <p:nvSpPr>
+          <p:cNvPr id="16" name="Google Shape;76;p15">
+            <a:extLst>
+              <a:ext uri="{FF2B5EF4-FFF2-40B4-BE49-F238E27FC236}">
+                <a16:creationId xmlns:a16="http://schemas.microsoft.com/office/drawing/2014/main" id="{38EE39EE-D6F4-7F4F-823D-3A12C75BE0DE}"/>
+              </a:ext>
+            </a:extLst>
+          </p:cNvPr>
+          <p:cNvSpPr txBox="1"/>
+          <p:nvPr/>
+        </p:nvSpPr>
+        <p:spPr>
+          <a:xfrm>
+            <a:off x="10643032" y="1746498"/>
+            <a:ext cx="934902" cy="446745"/>
+          </a:xfrm>
+          <a:prstGeom prst="rect">
+            <a:avLst/>
+          </a:prstGeom>
+          <a:noFill/>
+          <a:ln>
+            <a:noFill/>
+          </a:ln>
+        </p:spPr>
+        <p:txBody>
+          <a:bodyPr spcFirstLastPara="1" wrap="square" lIns="121900" tIns="121900" rIns="121900" bIns="121900" anchor="t" anchorCtr="0">
+            <a:noAutofit/>
+          </a:bodyPr>
+          <a:lstStyle/>
+          <a:p>
+            <a:pPr defTabSz="1219170">
+              <a:buClr>
+                <a:srgbClr val="000000"/>
+              </a:buClr>
+            </a:pPr>
+            <a:r>
+              <a:rPr lang="en" sz="1333" b="1" i="1" kern="0" dirty="0">
+                <a:solidFill>
+                  <a:srgbClr val="6AA84F"/>
+                </a:solidFill>
+                <a:latin typeface="Lato"/>
+                <a:ea typeface="Lato"/>
+                <a:cs typeface="Lato"/>
+                <a:sym typeface="Lato"/>
+              </a:rPr>
+              <a:t>Genre </a:t>
+            </a:r>
+            <a:endParaRPr sz="1333" b="1" i="1" kern="0" dirty="0">
+              <a:solidFill>
+                <a:srgbClr val="6AA84F"/>
+              </a:solidFill>
+              <a:latin typeface="Lato"/>
+              <a:ea typeface="Lato"/>
+              <a:cs typeface="Lato"/>
+              <a:sym typeface="Lato"/>
+            </a:endParaRPr>
+          </a:p>
+        </p:txBody>
+      </p:sp>
+      <p:cxnSp>
+        <p:nvCxnSpPr>
+          <p:cNvPr id="19" name="Straight Connector 18">
+            <a:extLst>
+              <a:ext uri="{FF2B5EF4-FFF2-40B4-BE49-F238E27FC236}">
+                <a16:creationId xmlns:a16="http://schemas.microsoft.com/office/drawing/2014/main" id="{5C7F411C-F710-3046-9693-E0625C0C9F09}"/>
+              </a:ext>
+            </a:extLst>
+          </p:cNvPr>
+          <p:cNvCxnSpPr>
+            <a:cxnSpLocks/>
+            <a:stCxn id="104" idx="1"/>
+            <a:endCxn id="101" idx="2"/>
+          </p:cNvCxnSpPr>
+          <p:nvPr/>
+        </p:nvCxnSpPr>
+        <p:spPr>
+          <a:xfrm flipH="1" flipV="1">
+            <a:off x="8426168" y="2945340"/>
+            <a:ext cx="619117" cy="401917"/>
+          </a:xfrm>
+          <a:prstGeom prst="line">
+            <a:avLst/>
+          </a:prstGeom>
+          <a:ln w="28575">
+            <a:solidFill>
+              <a:schemeClr val="bg1">
+                <a:lumMod val="85000"/>
+              </a:schemeClr>
+            </a:solidFill>
+          </a:ln>
+        </p:spPr>
+        <p:style>
+          <a:lnRef idx="1">
+            <a:schemeClr val="accent1"/>
+          </a:lnRef>
+          <a:fillRef idx="0">
+            <a:schemeClr val="accent1"/>
+          </a:fillRef>
+          <a:effectRef idx="0">
+            <a:schemeClr val="accent1"/>
+          </a:effectRef>
+          <a:fontRef idx="minor">
+            <a:schemeClr val="tx1"/>
+          </a:fontRef>
+        </p:style>
+      </p:cxnSp>
+      <p:cxnSp>
+        <p:nvCxnSpPr>
+          <p:cNvPr id="3" name="Straight Connector 2">
+            <a:extLst>
+              <a:ext uri="{FF2B5EF4-FFF2-40B4-BE49-F238E27FC236}">
+                <a16:creationId xmlns:a16="http://schemas.microsoft.com/office/drawing/2014/main" id="{E10EFC03-6B8F-1C4A-AE74-96656D491B5E}"/>
+              </a:ext>
+            </a:extLst>
+          </p:cNvPr>
+          <p:cNvCxnSpPr>
+            <a:cxnSpLocks/>
+            <a:stCxn id="100" idx="7"/>
+            <a:endCxn id="103" idx="2"/>
+          </p:cNvCxnSpPr>
+          <p:nvPr/>
+        </p:nvCxnSpPr>
+        <p:spPr>
+          <a:xfrm flipV="1">
+            <a:off x="8555851" y="2945340"/>
+            <a:ext cx="619117" cy="401917"/>
+          </a:xfrm>
+          <a:prstGeom prst="line">
+            <a:avLst/>
+          </a:prstGeom>
+          <a:ln w="28575"/>
+        </p:spPr>
+        <p:style>
+          <a:lnRef idx="1">
+            <a:schemeClr val="accent1"/>
+          </a:lnRef>
+          <a:fillRef idx="0">
+            <a:schemeClr val="accent1"/>
+          </a:fillRef>
+          <a:effectRef idx="0">
+            <a:schemeClr val="accent1"/>
+          </a:effectRef>
+          <a:fontRef idx="minor">
+            <a:schemeClr val="tx1"/>
+          </a:fontRef>
+        </p:style>
+      </p:cxnSp>
+      <p:cxnSp>
+        <p:nvCxnSpPr>
+          <p:cNvPr id="27" name="Straight Connector 26">
+            <a:extLst>
+              <a:ext uri="{FF2B5EF4-FFF2-40B4-BE49-F238E27FC236}">
+                <a16:creationId xmlns:a16="http://schemas.microsoft.com/office/drawing/2014/main" id="{7704B864-D518-0945-88F1-2586F0D4616A}"/>
+              </a:ext>
+            </a:extLst>
+          </p:cNvPr>
+          <p:cNvCxnSpPr>
+            <a:cxnSpLocks/>
+            <a:stCxn id="101" idx="0"/>
+            <a:endCxn id="106" idx="1"/>
+          </p:cNvCxnSpPr>
+          <p:nvPr/>
+        </p:nvCxnSpPr>
+        <p:spPr>
+          <a:xfrm flipV="1">
+            <a:off x="8426168" y="2230340"/>
+            <a:ext cx="366800" cy="348200"/>
+          </a:xfrm>
+          <a:prstGeom prst="line">
+            <a:avLst/>
+          </a:prstGeom>
+          <a:ln w="28575">
+            <a:solidFill>
+              <a:schemeClr val="bg1">
+                <a:lumMod val="85000"/>
+              </a:schemeClr>
+            </a:solidFill>
+          </a:ln>
+        </p:spPr>
+        <p:style>
+          <a:lnRef idx="1">
+            <a:schemeClr val="accent1"/>
+          </a:lnRef>
+          <a:fillRef idx="0">
+            <a:schemeClr val="accent1"/>
+          </a:fillRef>
+          <a:effectRef idx="0">
+            <a:schemeClr val="accent1"/>
+          </a:effectRef>
+          <a:fontRef idx="minor">
+            <a:schemeClr val="tx1"/>
+          </a:fontRef>
+        </p:style>
+      </p:cxnSp>
+      <p:cxnSp>
+        <p:nvCxnSpPr>
+          <p:cNvPr id="30" name="Straight Connector 29">
+            <a:extLst>
+              <a:ext uri="{FF2B5EF4-FFF2-40B4-BE49-F238E27FC236}">
+                <a16:creationId xmlns:a16="http://schemas.microsoft.com/office/drawing/2014/main" id="{01C4A352-25AB-0F4A-8F56-64C5F1E02AEB}"/>
+              </a:ext>
+            </a:extLst>
+          </p:cNvPr>
+          <p:cNvCxnSpPr>
+            <a:cxnSpLocks/>
+            <a:stCxn id="103" idx="0"/>
+            <a:endCxn id="107" idx="1"/>
+          </p:cNvCxnSpPr>
+          <p:nvPr/>
+        </p:nvCxnSpPr>
+        <p:spPr>
+          <a:xfrm flipV="1">
+            <a:off x="9174968" y="2230340"/>
+            <a:ext cx="382000" cy="348200"/>
+          </a:xfrm>
+          <a:prstGeom prst="line">
+            <a:avLst/>
+          </a:prstGeom>
+          <a:ln w="28575">
+            <a:solidFill>
+              <a:schemeClr val="bg1">
+                <a:lumMod val="85000"/>
+              </a:schemeClr>
+            </a:solidFill>
+          </a:ln>
+        </p:spPr>
+        <p:style>
+          <a:lnRef idx="1">
+            <a:schemeClr val="accent1"/>
+          </a:lnRef>
+          <a:fillRef idx="0">
+            <a:schemeClr val="accent1"/>
+          </a:fillRef>
+          <a:effectRef idx="0">
+            <a:schemeClr val="accent1"/>
+          </a:effectRef>
+          <a:fontRef idx="minor">
+            <a:schemeClr val="tx1"/>
+          </a:fontRef>
+        </p:style>
+      </p:cxnSp>
+      <p:cxnSp>
+        <p:nvCxnSpPr>
+          <p:cNvPr id="33" name="Straight Connector 32">
+            <a:extLst>
+              <a:ext uri="{FF2B5EF4-FFF2-40B4-BE49-F238E27FC236}">
+                <a16:creationId xmlns:a16="http://schemas.microsoft.com/office/drawing/2014/main" id="{7A4B57A2-241B-2B43-8548-96FCF529E375}"/>
+              </a:ext>
+            </a:extLst>
+          </p:cNvPr>
+          <p:cNvCxnSpPr>
+            <a:cxnSpLocks/>
+            <a:stCxn id="104" idx="7"/>
+            <a:endCxn id="102" idx="2"/>
+          </p:cNvCxnSpPr>
+          <p:nvPr/>
+        </p:nvCxnSpPr>
+        <p:spPr>
+          <a:xfrm flipV="1">
+            <a:off x="9304651" y="2945340"/>
+            <a:ext cx="619117" cy="401917"/>
+          </a:xfrm>
+          <a:prstGeom prst="line">
+            <a:avLst/>
+          </a:prstGeom>
+          <a:ln w="28575">
+            <a:solidFill>
+              <a:schemeClr val="bg1">
+                <a:lumMod val="85000"/>
+              </a:schemeClr>
+            </a:solidFill>
+          </a:ln>
+        </p:spPr>
+        <p:style>
+          <a:lnRef idx="1">
+            <a:schemeClr val="accent1"/>
+          </a:lnRef>
+          <a:fillRef idx="0">
+            <a:schemeClr val="accent1"/>
+          </a:fillRef>
+          <a:effectRef idx="0">
+            <a:schemeClr val="accent1"/>
+          </a:effectRef>
+          <a:fontRef idx="minor">
+            <a:schemeClr val="tx1"/>
+          </a:fontRef>
+        </p:style>
+      </p:cxnSp>
+      <p:cxnSp>
+        <p:nvCxnSpPr>
+          <p:cNvPr id="24" name="Straight Connector 23">
+            <a:extLst>
+              <a:ext uri="{FF2B5EF4-FFF2-40B4-BE49-F238E27FC236}">
+                <a16:creationId xmlns:a16="http://schemas.microsoft.com/office/drawing/2014/main" id="{DC211C8C-D0A5-BC4E-BC77-AE7FC9FA5AF5}"/>
+              </a:ext>
+            </a:extLst>
+          </p:cNvPr>
+          <p:cNvCxnSpPr>
+            <a:cxnSpLocks/>
+            <a:stCxn id="105" idx="1"/>
+            <a:endCxn id="103" idx="2"/>
+          </p:cNvCxnSpPr>
+          <p:nvPr/>
+        </p:nvCxnSpPr>
+        <p:spPr>
+          <a:xfrm flipH="1" flipV="1">
+            <a:off x="9174968" y="2945340"/>
+            <a:ext cx="619117" cy="401917"/>
+          </a:xfrm>
+          <a:prstGeom prst="line">
+            <a:avLst/>
+          </a:prstGeom>
+          <a:ln w="28575"/>
+        </p:spPr>
+        <p:style>
+          <a:lnRef idx="1">
+            <a:schemeClr val="accent1"/>
+          </a:lnRef>
+          <a:fillRef idx="0">
+            <a:schemeClr val="accent1"/>
+          </a:fillRef>
+          <a:effectRef idx="0">
+            <a:schemeClr val="accent1"/>
+          </a:effectRef>
+          <a:fontRef idx="minor">
+            <a:schemeClr val="tx1"/>
+          </a:fontRef>
+        </p:style>
+      </p:cxnSp>
+      <p:cxnSp>
+        <p:nvCxnSpPr>
+          <p:cNvPr id="36" name="Straight Connector 35">
+            <a:extLst>
+              <a:ext uri="{FF2B5EF4-FFF2-40B4-BE49-F238E27FC236}">
+                <a16:creationId xmlns:a16="http://schemas.microsoft.com/office/drawing/2014/main" id="{2CAC1E46-6A3B-9348-9E24-B3DD340DACB3}"/>
+              </a:ext>
+            </a:extLst>
+          </p:cNvPr>
+          <p:cNvCxnSpPr>
+            <a:cxnSpLocks/>
+            <a:stCxn id="104" idx="0"/>
+            <a:endCxn id="103" idx="2"/>
+          </p:cNvCxnSpPr>
+          <p:nvPr/>
+        </p:nvCxnSpPr>
+        <p:spPr>
+          <a:xfrm flipV="1">
+            <a:off x="9174968" y="2945340"/>
+            <a:ext cx="0" cy="348200"/>
+          </a:xfrm>
+          <a:prstGeom prst="line">
+            <a:avLst/>
+          </a:prstGeom>
+          <a:ln w="28575">
+            <a:solidFill>
+              <a:schemeClr val="accent1"/>
+            </a:solidFill>
+          </a:ln>
+        </p:spPr>
+        <p:style>
+          <a:lnRef idx="1">
+            <a:schemeClr val="accent1"/>
+          </a:lnRef>
+          <a:fillRef idx="0">
+            <a:schemeClr val="accent1"/>
+          </a:fillRef>
+          <a:effectRef idx="0">
+            <a:schemeClr val="accent1"/>
+          </a:effectRef>
+          <a:fontRef idx="minor">
+            <a:schemeClr val="tx1"/>
+          </a:fontRef>
+        </p:style>
+      </p:cxnSp>
+      <p:sp>
+        <p:nvSpPr>
+          <p:cNvPr id="39" name="Google Shape;76;p15">
+            <a:extLst>
+              <a:ext uri="{FF2B5EF4-FFF2-40B4-BE49-F238E27FC236}">
+                <a16:creationId xmlns:a16="http://schemas.microsoft.com/office/drawing/2014/main" id="{A93B8165-A9C4-CB47-8294-3941F90C3A50}"/>
+              </a:ext>
+            </a:extLst>
+          </p:cNvPr>
+          <p:cNvSpPr txBox="1"/>
+          <p:nvPr/>
+        </p:nvSpPr>
+        <p:spPr>
+          <a:xfrm>
+            <a:off x="8342915" y="2981025"/>
+            <a:ext cx="332501" cy="446745"/>
+          </a:xfrm>
+          <a:prstGeom prst="rect">
+            <a:avLst/>
+          </a:prstGeom>
+          <a:noFill/>
+          <a:ln>
+            <a:noFill/>
+          </a:ln>
+        </p:spPr>
+        <p:txBody>
+          <a:bodyPr spcFirstLastPara="1" wrap="square" lIns="121900" tIns="121900" rIns="121900" bIns="121900" anchor="t" anchorCtr="0">
+            <a:noAutofit/>
+          </a:bodyPr>
+          <a:lstStyle/>
+          <a:p>
+            <a:pPr defTabSz="1219170">
+              <a:buClr>
+                <a:srgbClr val="000000"/>
+              </a:buClr>
+            </a:pPr>
+            <a:r>
+              <a:rPr lang="en" sz="1333" b="1" i="1" kern="0" dirty="0">
+                <a:latin typeface="Lato"/>
+                <a:ea typeface="Lato"/>
+                <a:cs typeface="Lato"/>
+                <a:sym typeface="Lato"/>
+              </a:rPr>
+              <a:t>5</a:t>
+            </a:r>
+            <a:endParaRPr sz="1333" b="1" i="1" kern="0" dirty="0">
+              <a:latin typeface="Lato"/>
+              <a:ea typeface="Lato"/>
+              <a:cs typeface="Lato"/>
+              <a:sym typeface="Lato"/>
+            </a:endParaRPr>
+          </a:p>
+        </p:txBody>
+      </p:sp>
+      <p:sp>
+        <p:nvSpPr>
+          <p:cNvPr id="41" name="Google Shape;76;p15">
+            <a:extLst>
+              <a:ext uri="{FF2B5EF4-FFF2-40B4-BE49-F238E27FC236}">
+                <a16:creationId xmlns:a16="http://schemas.microsoft.com/office/drawing/2014/main" id="{AFB939FE-196F-D94C-BFEA-E81BFCDA116C}"/>
+              </a:ext>
+            </a:extLst>
+          </p:cNvPr>
+          <p:cNvSpPr txBox="1"/>
+          <p:nvPr/>
+        </p:nvSpPr>
+        <p:spPr>
+          <a:xfrm>
+            <a:off x="9138399" y="3001172"/>
+            <a:ext cx="332501" cy="446745"/>
+          </a:xfrm>
+          <a:prstGeom prst="rect">
+            <a:avLst/>
+          </a:prstGeom>
+          <a:noFill/>
+          <a:ln>
+            <a:noFill/>
+          </a:ln>
+        </p:spPr>
+        <p:txBody>
+          <a:bodyPr spcFirstLastPara="1" wrap="square" lIns="121900" tIns="121900" rIns="121900" bIns="121900" anchor="t" anchorCtr="0">
+            <a:noAutofit/>
+          </a:bodyPr>
+          <a:lstStyle/>
+          <a:p>
+            <a:pPr defTabSz="1219170">
+              <a:buClr>
+                <a:srgbClr val="000000"/>
+              </a:buClr>
+            </a:pPr>
+            <a:r>
+              <a:rPr lang="en" sz="1333" b="1" i="1" kern="0" dirty="0">
+                <a:latin typeface="Lato"/>
+                <a:ea typeface="Lato"/>
+                <a:cs typeface="Lato"/>
+                <a:sym typeface="Lato"/>
+              </a:rPr>
+              <a:t>2</a:t>
+            </a:r>
+            <a:endParaRPr sz="1333" b="1" i="1" kern="0" dirty="0">
+              <a:latin typeface="Lato"/>
+              <a:ea typeface="Lato"/>
+              <a:cs typeface="Lato"/>
+              <a:sym typeface="Lato"/>
+            </a:endParaRPr>
+          </a:p>
+        </p:txBody>
+      </p:sp>
+      <p:sp>
+        <p:nvSpPr>
+          <p:cNvPr id="42" name="Google Shape;76;p15">
+            <a:extLst>
+              <a:ext uri="{FF2B5EF4-FFF2-40B4-BE49-F238E27FC236}">
+                <a16:creationId xmlns:a16="http://schemas.microsoft.com/office/drawing/2014/main" id="{C65D3CE5-B01A-F847-A8AD-12A08FF0CF12}"/>
+              </a:ext>
+            </a:extLst>
+          </p:cNvPr>
+          <p:cNvSpPr txBox="1"/>
+          <p:nvPr/>
+        </p:nvSpPr>
+        <p:spPr>
+          <a:xfrm>
+            <a:off x="9715873" y="2981024"/>
+            <a:ext cx="332501" cy="446745"/>
+          </a:xfrm>
+          <a:prstGeom prst="rect">
+            <a:avLst/>
+          </a:prstGeom>
+          <a:noFill/>
+          <a:ln>
+            <a:noFill/>
+          </a:ln>
+        </p:spPr>
+        <p:txBody>
+          <a:bodyPr spcFirstLastPara="1" wrap="square" lIns="121900" tIns="121900" rIns="121900" bIns="121900" anchor="t" anchorCtr="0">
+            <a:noAutofit/>
+          </a:bodyPr>
+          <a:lstStyle/>
+          <a:p>
+            <a:pPr defTabSz="1219170">
+              <a:buClr>
+                <a:srgbClr val="000000"/>
+              </a:buClr>
+            </a:pPr>
+            <a:r>
+              <a:rPr lang="en" sz="1333" b="1" i="1" kern="0" dirty="0">
+                <a:latin typeface="Lato"/>
+                <a:ea typeface="Lato"/>
+                <a:cs typeface="Lato"/>
+                <a:sym typeface="Lato"/>
+              </a:rPr>
+              <a:t>5</a:t>
+            </a:r>
+            <a:endParaRPr sz="1333" b="1" i="1" kern="0" dirty="0">
+              <a:latin typeface="Lato"/>
+              <a:ea typeface="Lato"/>
+              <a:cs typeface="Lato"/>
+              <a:sym typeface="Lato"/>
+            </a:endParaRPr>
+          </a:p>
+        </p:txBody>
+      </p:sp>
+    </p:spTree>
+    <p:extLst>
+      <p:ext uri="{BB962C8B-B14F-4D97-AF65-F5344CB8AC3E}">
+        <p14:creationId xmlns:p14="http://schemas.microsoft.com/office/powerpoint/2010/main" val="489676590"/>
+      </p:ext>
+    </p:extLst>
+  </p:cSld>
+  <p:clrMapOvr>
+    <a:masterClrMapping/>
+  </p:clrMapOvr>
+</p:sld>
+</file>
+
+<file path=ppt/slides/slide13.xml><?xml version="1.0" encoding="utf-8"?>
+<p:sld xmlns:a="http://schemas.openxmlformats.org/drawingml/2006/main" xmlns:r="http://schemas.openxmlformats.org/officeDocument/2006/relationships" xmlns:p="http://schemas.openxmlformats.org/presentationml/2006/main">
+  <p:cSld>
+    <p:spTree>
+      <p:nvGrpSpPr>
+        <p:cNvPr id="1" name="Shape 111"/>
+        <p:cNvGrpSpPr/>
+        <p:nvPr/>
+      </p:nvGrpSpPr>
+      <p:grpSpPr>
+        <a:xfrm>
+          <a:off x="0" y="0"/>
+          <a:ext cx="0" cy="0"/>
+          <a:chOff x="0" y="0"/>
+          <a:chExt cx="0" cy="0"/>
+        </a:xfrm>
+      </p:grpSpPr>
+      <p:sp>
+        <p:nvSpPr>
+          <p:cNvPr id="112" name="Google Shape;112;p19"/>
+          <p:cNvSpPr txBox="1">
+            <a:spLocks noGrp="1"/>
+          </p:cNvSpPr>
+          <p:nvPr>
+            <p:ph type="title"/>
+          </p:nvPr>
+        </p:nvSpPr>
+        <p:spPr>
+          <a:xfrm>
+            <a:off x="415600" y="521800"/>
+            <a:ext cx="11360800" cy="834800"/>
+          </a:xfrm>
+          <a:prstGeom prst="rect">
+            <a:avLst/>
+          </a:prstGeom>
+        </p:spPr>
+        <p:txBody>
+          <a:bodyPr spcFirstLastPara="1" wrap="square" lIns="121900" tIns="121900" rIns="121900" bIns="121900" anchor="t" anchorCtr="0">
+            <a:noAutofit/>
+          </a:bodyPr>
+          <a:lstStyle/>
+          <a:p>
+            <a:r>
+              <a:rPr lang="en"/>
+              <a:t>Experiment setup</a:t>
+            </a:r>
+            <a:endParaRPr/>
+          </a:p>
+        </p:txBody>
+      </p:sp>
+      <p:sp>
+        <p:nvSpPr>
+          <p:cNvPr id="113" name="Google Shape;113;p19"/>
+          <p:cNvSpPr txBox="1">
+            <a:spLocks noGrp="1"/>
+          </p:cNvSpPr>
+          <p:nvPr>
+            <p:ph type="body" idx="1"/>
+          </p:nvPr>
+        </p:nvSpPr>
+        <p:spPr>
+          <a:xfrm>
+            <a:off x="415600" y="1536633"/>
+            <a:ext cx="11360800" cy="4555200"/>
+          </a:xfrm>
+          <a:prstGeom prst="rect">
+            <a:avLst/>
+          </a:prstGeom>
+        </p:spPr>
+        <p:txBody>
+          <a:bodyPr spcFirstLastPara="1" wrap="square" lIns="121900" tIns="121900" rIns="121900" bIns="121900" anchor="t" anchorCtr="0">
+            <a:noAutofit/>
+          </a:bodyPr>
+          <a:lstStyle/>
+          <a:p>
+            <a:pPr>
+              <a:buChar char="-"/>
+            </a:pPr>
+            <a:r>
+              <a:rPr lang="en" sz="2400" dirty="0"/>
+              <a:t>Methods</a:t>
+            </a:r>
+            <a:endParaRPr sz="2400" dirty="0"/>
+          </a:p>
+          <a:p>
+            <a:pPr lvl="1">
+              <a:spcBef>
+                <a:spcPts val="0"/>
+              </a:spcBef>
+              <a:buChar char="-"/>
+            </a:pPr>
+            <a:r>
+              <a:rPr lang="en" sz="2400" b="1" dirty="0">
+                <a:solidFill>
+                  <a:srgbClr val="6AA84F"/>
+                </a:solidFill>
+              </a:rPr>
+              <a:t>Our work</a:t>
+            </a:r>
+            <a:r>
+              <a:rPr lang="en" sz="2400" dirty="0"/>
+              <a:t>:</a:t>
+            </a:r>
+            <a:endParaRPr sz="2400" dirty="0"/>
+          </a:p>
+          <a:p>
+            <a:pPr lvl="2">
+              <a:spcBef>
+                <a:spcPts val="0"/>
+              </a:spcBef>
+              <a:buChar char="-"/>
+            </a:pPr>
+            <a:r>
+              <a:rPr lang="en" sz="2400" dirty="0"/>
+              <a:t>For </a:t>
+            </a:r>
+            <a:r>
+              <a:rPr lang="en" sz="2400" b="1" dirty="0">
+                <a:solidFill>
+                  <a:schemeClr val="dk1"/>
+                </a:solidFill>
+              </a:rPr>
+              <a:t>movie representations</a:t>
+            </a:r>
+            <a:r>
+              <a:rPr lang="en" sz="2400" dirty="0"/>
+              <a:t>: Text only, Graph only, Both text and graph</a:t>
+            </a:r>
+            <a:endParaRPr sz="2400" dirty="0"/>
+          </a:p>
+          <a:p>
+            <a:pPr lvl="2">
+              <a:spcBef>
+                <a:spcPts val="0"/>
+              </a:spcBef>
+              <a:buChar char="-"/>
+            </a:pPr>
+            <a:r>
+              <a:rPr lang="en" sz="2400" dirty="0"/>
+              <a:t>Can change </a:t>
+            </a:r>
+            <a:r>
+              <a:rPr lang="en" sz="2400" b="1" dirty="0">
+                <a:solidFill>
+                  <a:schemeClr val="dk1"/>
+                </a:solidFill>
+              </a:rPr>
+              <a:t>text embedding</a:t>
+            </a:r>
+            <a:r>
+              <a:rPr lang="en" sz="2400" dirty="0"/>
+              <a:t> method / </a:t>
+            </a:r>
+            <a:r>
+              <a:rPr lang="en" sz="2400" b="1" dirty="0">
+                <a:solidFill>
+                  <a:schemeClr val="dk1"/>
+                </a:solidFill>
+              </a:rPr>
+              <a:t>classifier</a:t>
+            </a:r>
+            <a:r>
+              <a:rPr lang="en" sz="2400" dirty="0"/>
+              <a:t> model… </a:t>
+            </a:r>
+            <a:endParaRPr sz="2400" dirty="0"/>
+          </a:p>
+          <a:p>
+            <a:pPr lvl="1">
+              <a:spcBef>
+                <a:spcPts val="0"/>
+              </a:spcBef>
+              <a:buChar char="-"/>
+            </a:pPr>
+            <a:r>
+              <a:rPr lang="en" sz="2400" b="1" dirty="0">
+                <a:solidFill>
+                  <a:srgbClr val="6AA84F"/>
+                </a:solidFill>
+              </a:rPr>
+              <a:t>Other baselines</a:t>
+            </a:r>
+            <a:r>
+              <a:rPr lang="en" sz="2400" dirty="0"/>
+              <a:t>: SVD, movie2vec</a:t>
+            </a:r>
+            <a:endParaRPr sz="2400" dirty="0"/>
+          </a:p>
+          <a:p>
+            <a:pPr>
+              <a:buChar char="-"/>
+            </a:pPr>
+            <a:r>
+              <a:rPr lang="en" sz="2400" dirty="0"/>
+              <a:t>Metric</a:t>
+            </a:r>
+            <a:endParaRPr sz="2400" dirty="0"/>
+          </a:p>
+          <a:p>
+            <a:pPr lvl="1">
+              <a:spcBef>
+                <a:spcPts val="0"/>
+              </a:spcBef>
+              <a:buChar char="-"/>
+            </a:pPr>
+            <a:r>
+              <a:rPr lang="en" sz="2400" dirty="0"/>
+              <a:t>Mean Absolute Error (</a:t>
+            </a:r>
+            <a:r>
+              <a:rPr lang="en" sz="2400" b="1" dirty="0">
+                <a:solidFill>
+                  <a:srgbClr val="6AA84F"/>
+                </a:solidFill>
+              </a:rPr>
+              <a:t>MAE</a:t>
+            </a:r>
+            <a:r>
+              <a:rPr lang="en" sz="2400" dirty="0"/>
+              <a:t>)</a:t>
+            </a:r>
+            <a:endParaRPr sz="2400" dirty="0"/>
+          </a:p>
+          <a:p>
+            <a:pPr lvl="1">
+              <a:spcBef>
+                <a:spcPts val="0"/>
+              </a:spcBef>
+              <a:buChar char="-"/>
+            </a:pPr>
+            <a:r>
+              <a:rPr lang="en" sz="2400" dirty="0"/>
+              <a:t>Mean Squared Error (</a:t>
+            </a:r>
+            <a:r>
+              <a:rPr lang="en" sz="2400" b="1" dirty="0">
+                <a:solidFill>
+                  <a:srgbClr val="6AA84F"/>
+                </a:solidFill>
+              </a:rPr>
+              <a:t>MSE</a:t>
+            </a:r>
+            <a:r>
+              <a:rPr lang="en" sz="2400" dirty="0"/>
+              <a:t>)</a:t>
+            </a:r>
+            <a:endParaRPr sz="2400" dirty="0"/>
+          </a:p>
+          <a:p>
+            <a:pPr lvl="1">
+              <a:spcBef>
+                <a:spcPts val="0"/>
+              </a:spcBef>
+              <a:buChar char="-"/>
+            </a:pPr>
+            <a:r>
+              <a:rPr lang="en" sz="2400" b="1" dirty="0">
+                <a:solidFill>
+                  <a:srgbClr val="6AA84F"/>
+                </a:solidFill>
+              </a:rPr>
+              <a:t>Accuracy</a:t>
+            </a:r>
+            <a:endParaRPr sz="2400" dirty="0"/>
+          </a:p>
+          <a:p>
+            <a:pPr lvl="1">
+              <a:spcBef>
+                <a:spcPts val="0"/>
+              </a:spcBef>
+              <a:buChar char="-"/>
+            </a:pPr>
+            <a:r>
+              <a:rPr lang="en" sz="2400" b="1" dirty="0">
+                <a:solidFill>
+                  <a:srgbClr val="6AA84F"/>
+                </a:solidFill>
+              </a:rPr>
+              <a:t>F1-Score</a:t>
+            </a:r>
+            <a:endParaRPr sz="2400" dirty="0"/>
+          </a:p>
+        </p:txBody>
+      </p:sp>
+    </p:spTree>
+    <p:extLst>
+      <p:ext uri="{BB962C8B-B14F-4D97-AF65-F5344CB8AC3E}">
+        <p14:creationId xmlns:p14="http://schemas.microsoft.com/office/powerpoint/2010/main" val="3734850207"/>
+      </p:ext>
+    </p:extLst>
+  </p:cSld>
+  <p:clrMapOvr>
+    <a:masterClrMapping/>
+  </p:clrMapOvr>
+</p:sld>
+</file>
+
+<file path=ppt/slides/slide14.xml><?xml version="1.0" encoding="utf-8"?>
+<p:sld xmlns:a="http://schemas.openxmlformats.org/drawingml/2006/main" xmlns:r="http://schemas.openxmlformats.org/officeDocument/2006/relationships" xmlns:p="http://schemas.openxmlformats.org/presentationml/2006/main">
+  <p:cSld>
+    <p:spTree>
+      <p:nvGrpSpPr>
+        <p:cNvPr id="1" name="Shape 117"/>
+        <p:cNvGrpSpPr/>
+        <p:nvPr/>
+      </p:nvGrpSpPr>
+      <p:grpSpPr>
+        <a:xfrm>
+          <a:off x="0" y="0"/>
+          <a:ext cx="0" cy="0"/>
+          <a:chOff x="0" y="0"/>
+          <a:chExt cx="0" cy="0"/>
+        </a:xfrm>
+      </p:grpSpPr>
+      <p:sp>
+        <p:nvSpPr>
+          <p:cNvPr id="118" name="Google Shape;118;p20"/>
+          <p:cNvSpPr txBox="1">
+            <a:spLocks noGrp="1"/>
+          </p:cNvSpPr>
+          <p:nvPr>
+            <p:ph type="title"/>
+          </p:nvPr>
+        </p:nvSpPr>
+        <p:spPr>
+          <a:xfrm>
+            <a:off x="415600" y="521800"/>
+            <a:ext cx="11360800" cy="834800"/>
+          </a:xfrm>
+          <a:prstGeom prst="rect">
+            <a:avLst/>
+          </a:prstGeom>
+        </p:spPr>
+        <p:txBody>
+          <a:bodyPr spcFirstLastPara="1" wrap="square" lIns="121900" tIns="121900" rIns="121900" bIns="121900" anchor="t" anchorCtr="0">
+            <a:noAutofit/>
+          </a:bodyPr>
+          <a:lstStyle/>
+          <a:p>
+            <a:r>
+              <a:rPr lang="en"/>
+              <a:t>Preliminary results</a:t>
+            </a:r>
+            <a:endParaRPr/>
+          </a:p>
+        </p:txBody>
+      </p:sp>
+      <p:sp>
+        <p:nvSpPr>
+          <p:cNvPr id="119" name="Google Shape;119;p20"/>
+          <p:cNvSpPr txBox="1">
+            <a:spLocks noGrp="1"/>
+          </p:cNvSpPr>
+          <p:nvPr>
+            <p:ph type="body" idx="1"/>
+          </p:nvPr>
+        </p:nvSpPr>
+        <p:spPr>
+          <a:xfrm>
+            <a:off x="415600" y="1536633"/>
+            <a:ext cx="11360800" cy="4555200"/>
+          </a:xfrm>
+          <a:prstGeom prst="rect">
+            <a:avLst/>
+          </a:prstGeom>
+        </p:spPr>
+        <p:txBody>
+          <a:bodyPr spcFirstLastPara="1" wrap="square" lIns="121900" tIns="121900" rIns="121900" bIns="121900" anchor="t" anchorCtr="0">
+            <a:noAutofit/>
+          </a:bodyPr>
+          <a:lstStyle/>
+          <a:p>
+            <a:pPr marL="0" indent="0">
+              <a:spcAft>
+                <a:spcPts val="2133"/>
+              </a:spcAft>
+              <a:buNone/>
+            </a:pPr>
+            <a:r>
+              <a:rPr lang="en" sz="1600" dirty="0"/>
+              <a:t>Method: Graph embedding (movies) + MLP (classifier)</a:t>
+            </a:r>
+            <a:endParaRPr sz="1600" dirty="0"/>
+          </a:p>
+        </p:txBody>
+      </p:sp>
+      <p:pic>
+        <p:nvPicPr>
+          <p:cNvPr id="120" name="Google Shape;120;p20" title="Points scored"/>
+          <p:cNvPicPr preferRelativeResize="0"/>
+          <p:nvPr/>
+        </p:nvPicPr>
+        <p:blipFill>
+          <a:blip r:embed="rId3">
+            <a:alphaModFix/>
+          </a:blip>
+          <a:stretch>
+            <a:fillRect/>
+          </a:stretch>
+        </p:blipFill>
+        <p:spPr>
+          <a:xfrm>
+            <a:off x="6390934" y="2671667"/>
+            <a:ext cx="4807732" cy="2972767"/>
+          </a:xfrm>
+          <a:prstGeom prst="rect">
+            <a:avLst/>
+          </a:prstGeom>
+          <a:noFill/>
+          <a:ln>
+            <a:noFill/>
+          </a:ln>
+        </p:spPr>
+      </p:pic>
+      <p:pic>
+        <p:nvPicPr>
+          <p:cNvPr id="121" name="Google Shape;121;p20" title="Points scored"/>
+          <p:cNvPicPr preferRelativeResize="0"/>
+          <p:nvPr/>
+        </p:nvPicPr>
+        <p:blipFill>
+          <a:blip r:embed="rId4">
+            <a:alphaModFix/>
+          </a:blip>
+          <a:stretch>
+            <a:fillRect/>
+          </a:stretch>
+        </p:blipFill>
+        <p:spPr>
+          <a:xfrm>
+            <a:off x="1006034" y="2671667"/>
+            <a:ext cx="4807732" cy="2972767"/>
+          </a:xfrm>
+          <a:prstGeom prst="rect">
+            <a:avLst/>
+          </a:prstGeom>
+          <a:noFill/>
+          <a:ln>
+            <a:noFill/>
+          </a:ln>
+        </p:spPr>
+      </p:pic>
+    </p:spTree>
+    <p:extLst>
+      <p:ext uri="{BB962C8B-B14F-4D97-AF65-F5344CB8AC3E}">
+        <p14:creationId xmlns:p14="http://schemas.microsoft.com/office/powerpoint/2010/main" val="970733297"/>
+      </p:ext>
+    </p:extLst>
+  </p:cSld>
+  <p:clrMapOvr>
+    <a:masterClrMapping/>
+  </p:clrMapOvr>
+</p:sld>
+</file>
+
+<file path=ppt/slides/slide15.xml><?xml version="1.0" encoding="utf-8"?>
+<p:sld xmlns:a="http://schemas.openxmlformats.org/drawingml/2006/main" xmlns:r="http://schemas.openxmlformats.org/officeDocument/2006/relationships" xmlns:p="http://schemas.openxmlformats.org/presentationml/2006/main">
+  <p:cSld>
+    <p:spTree>
+      <p:nvGrpSpPr>
+        <p:cNvPr id="1" name="Shape 125"/>
+        <p:cNvGrpSpPr/>
+        <p:nvPr/>
+      </p:nvGrpSpPr>
+      <p:grpSpPr>
+        <a:xfrm>
+          <a:off x="0" y="0"/>
+          <a:ext cx="0" cy="0"/>
+          <a:chOff x="0" y="0"/>
+          <a:chExt cx="0" cy="0"/>
+        </a:xfrm>
+      </p:grpSpPr>
+      <p:sp>
+        <p:nvSpPr>
+          <p:cNvPr id="126" name="Google Shape;126;p21"/>
+          <p:cNvSpPr txBox="1">
+            <a:spLocks noGrp="1"/>
+          </p:cNvSpPr>
+          <p:nvPr>
+            <p:ph type="title"/>
+          </p:nvPr>
+        </p:nvSpPr>
+        <p:spPr>
+          <a:xfrm>
+            <a:off x="415600" y="521800"/>
+            <a:ext cx="11360800" cy="834800"/>
+          </a:xfrm>
+          <a:prstGeom prst="rect">
+            <a:avLst/>
+          </a:prstGeom>
+        </p:spPr>
+        <p:txBody>
+          <a:bodyPr spcFirstLastPara="1" wrap="square" lIns="121900" tIns="121900" rIns="121900" bIns="121900" anchor="t" anchorCtr="0">
+            <a:noAutofit/>
+          </a:bodyPr>
+          <a:lstStyle/>
+          <a:p>
+            <a:r>
+              <a:rPr lang="en"/>
+              <a:t>Takeaway</a:t>
+            </a:r>
+            <a:endParaRPr/>
+          </a:p>
+        </p:txBody>
+      </p:sp>
+      <p:sp>
+        <p:nvSpPr>
+          <p:cNvPr id="127" name="Google Shape;127;p21"/>
+          <p:cNvSpPr txBox="1">
+            <a:spLocks noGrp="1"/>
+          </p:cNvSpPr>
+          <p:nvPr>
+            <p:ph type="body" idx="1"/>
+          </p:nvPr>
+        </p:nvSpPr>
+        <p:spPr>
+          <a:xfrm>
+            <a:off x="415600" y="1536633"/>
+            <a:ext cx="11360800" cy="4555200"/>
+          </a:xfrm>
+          <a:prstGeom prst="rect">
+            <a:avLst/>
+          </a:prstGeom>
+        </p:spPr>
+        <p:txBody>
+          <a:bodyPr spcFirstLastPara="1" wrap="square" lIns="121900" tIns="121900" rIns="121900" bIns="121900" anchor="t" anchorCtr="0">
+            <a:noAutofit/>
+          </a:bodyPr>
+          <a:lstStyle/>
+          <a:p>
+            <a:pPr>
+              <a:buChar char="-"/>
+            </a:pPr>
+            <a:r>
+              <a:rPr lang="en" sz="2800" dirty="0"/>
+              <a:t>A hybrid recommendation system using text and graph embeddings</a:t>
+            </a:r>
+            <a:endParaRPr sz="2800" dirty="0"/>
+          </a:p>
+          <a:p>
+            <a:pPr>
+              <a:buChar char="-"/>
+            </a:pPr>
+            <a:r>
+              <a:rPr lang="en" sz="2800" dirty="0"/>
+              <a:t>Rating-aware sampling technique</a:t>
+            </a:r>
+            <a:endParaRPr sz="2800" dirty="0"/>
+          </a:p>
+          <a:p>
+            <a:pPr>
+              <a:buChar char="-"/>
+            </a:pPr>
+            <a:r>
+              <a:rPr lang="en" sz="2800" dirty="0"/>
+              <a:t>Evaluation of proposed framework on the dataset</a:t>
+            </a:r>
+            <a:endParaRPr sz="2800" dirty="0"/>
+          </a:p>
+        </p:txBody>
+      </p:sp>
+    </p:spTree>
+    <p:extLst>
+      <p:ext uri="{BB962C8B-B14F-4D97-AF65-F5344CB8AC3E}">
+        <p14:creationId xmlns:p14="http://schemas.microsoft.com/office/powerpoint/2010/main" val="1590128351"/>
+      </p:ext>
+    </p:extLst>
+  </p:cSld>
+  <p:clrMapOvr>
+    <a:masterClrMapping/>
+  </p:clrMapOvr>
+</p:sld>
+</file>
+
+<file path=ppt/slides/slide16.xml><?xml version="1.0" encoding="utf-8"?>
 <p:sld xmlns:a="http://schemas.openxmlformats.org/drawingml/2006/main" xmlns:r="http://schemas.openxmlformats.org/officeDocument/2006/relationships" xmlns:p="http://schemas.openxmlformats.org/presentationml/2006/main">
   <p:cSld>
     <p:spTree>
@@ -13118,6 +15151,98 @@
           <p:cNvPr id="2" name="Title 1">
             <a:extLst>
               <a:ext uri="{FF2B5EF4-FFF2-40B4-BE49-F238E27FC236}">
+                <a16:creationId xmlns:a16="http://schemas.microsoft.com/office/drawing/2014/main" id="{9DFD115C-21F9-4ACD-A5C8-67319E822CC8}"/>
+              </a:ext>
+            </a:extLst>
+          </p:cNvPr>
+          <p:cNvSpPr>
+            <a:spLocks noGrp="1"/>
+          </p:cNvSpPr>
+          <p:nvPr>
+            <p:ph type="title"/>
+          </p:nvPr>
+        </p:nvSpPr>
+        <p:spPr/>
+        <p:txBody>
+          <a:bodyPr/>
+          <a:lstStyle/>
+          <a:p>
+            <a:endParaRPr lang="en-US"/>
+          </a:p>
+        </p:txBody>
+      </p:sp>
+      <p:sp>
+        <p:nvSpPr>
+          <p:cNvPr id="3" name="Text Placeholder 2">
+            <a:extLst>
+              <a:ext uri="{FF2B5EF4-FFF2-40B4-BE49-F238E27FC236}">
+                <a16:creationId xmlns:a16="http://schemas.microsoft.com/office/drawing/2014/main" id="{6DCF31AC-1DD2-4CA0-BBEF-74166A47D531}"/>
+              </a:ext>
+            </a:extLst>
+          </p:cNvPr>
+          <p:cNvSpPr>
+            <a:spLocks noGrp="1"/>
+          </p:cNvSpPr>
+          <p:nvPr>
+            <p:ph type="body" idx="1"/>
+          </p:nvPr>
+        </p:nvSpPr>
+        <p:spPr/>
+        <p:txBody>
+          <a:bodyPr/>
+          <a:lstStyle/>
+          <a:p>
+            <a:pPr marL="152396" indent="0" algn="ctr">
+              <a:buNone/>
+            </a:pPr>
+            <a:endParaRPr lang="en-US" sz="7200" dirty="0"/>
+          </a:p>
+          <a:p>
+            <a:pPr marL="152396" indent="0" algn="ctr">
+              <a:buNone/>
+            </a:pPr>
+            <a:r>
+              <a:rPr lang="en-US" sz="7200" dirty="0"/>
+              <a:t>Thanks! Any Question?</a:t>
+            </a:r>
+          </a:p>
+        </p:txBody>
+      </p:sp>
+    </p:spTree>
+    <p:extLst>
+      <p:ext uri="{BB962C8B-B14F-4D97-AF65-F5344CB8AC3E}">
+        <p14:creationId xmlns:p14="http://schemas.microsoft.com/office/powerpoint/2010/main" val="99063599"/>
+      </p:ext>
+    </p:extLst>
+  </p:cSld>
+  <p:clrMapOvr>
+    <a:masterClrMapping/>
+  </p:clrMapOvr>
+</p:sld>
+</file>
+
+<file path=ppt/slides/slide17.xml><?xml version="1.0" encoding="utf-8"?>
+<p:sld xmlns:a="http://schemas.openxmlformats.org/drawingml/2006/main" xmlns:r="http://schemas.openxmlformats.org/officeDocument/2006/relationships" xmlns:p="http://schemas.openxmlformats.org/presentationml/2006/main">
+  <p:cSld>
+    <p:spTree>
+      <p:nvGrpSpPr>
+        <p:cNvPr id="1" name=""/>
+        <p:cNvGrpSpPr/>
+        <p:nvPr/>
+      </p:nvGrpSpPr>
+      <p:grpSpPr>
+        <a:xfrm>
+          <a:off x="0" y="0"/>
+          <a:ext cx="0" cy="0"/>
+          <a:chOff x="0" y="0"/>
+          <a:chExt cx="0" cy="0"/>
+        </a:xfrm>
+      </p:grpSpPr>
+      <p:sp>
+        <p:nvSpPr>
+          <p:cNvPr id="2" name="Title 1">
+            <a:extLst>
+              <a:ext uri="{FF2B5EF4-FFF2-40B4-BE49-F238E27FC236}">
                 <a16:creationId xmlns:a16="http://schemas.microsoft.com/office/drawing/2014/main" id="{C2E96471-E041-4F09-BAAD-98FEC06A9D3E}"/>
               </a:ext>
             </a:extLst>
@@ -13159,10 +15284,256 @@
         </p:nvSpPr>
         <p:spPr/>
         <p:txBody>
-          <a:bodyPr/>
+          <a:bodyPr>
+            <a:normAutofit fontScale="85000" lnSpcReduction="20000"/>
+          </a:bodyPr>
           <a:lstStyle/>
           <a:p>
-            <a:endParaRPr lang="en-US"/>
+            <a:pPr marL="0" indent="0">
+              <a:buNone/>
+            </a:pPr>
+            <a:r>
+              <a:rPr lang="en-US" dirty="0"/>
+              <a:t>[1]Jacob Devlin, Ming-Wei Chang, Kenton Lee, and Kristina Toutanova. Bert: Pre-training of </a:t>
+            </a:r>
+            <a:r>
+              <a:rPr lang="en-US" dirty="0" err="1"/>
+              <a:t>deepbidirectional</a:t>
+            </a:r>
+            <a:r>
+              <a:rPr lang="en-US" dirty="0"/>
+              <a:t> transformers for language </a:t>
+            </a:r>
+            <a:r>
+              <a:rPr lang="en-US" dirty="0" err="1"/>
+              <a:t>understanding.arXiv</a:t>
+            </a:r>
+            <a:r>
+              <a:rPr lang="en-US" dirty="0"/>
+              <a:t> preprint arXiv:1810.04805, 2018.</a:t>
+            </a:r>
+          </a:p>
+          <a:p>
+            <a:pPr marL="0" indent="0">
+              <a:buNone/>
+            </a:pPr>
+            <a:r>
+              <a:rPr lang="en-US" dirty="0"/>
+              <a:t>[2]Yuxiao Dong, Nitesh V Chawla, and </a:t>
+            </a:r>
+            <a:r>
+              <a:rPr lang="en-US" dirty="0" err="1"/>
+              <a:t>Ananthram</a:t>
+            </a:r>
+            <a:r>
+              <a:rPr lang="en-US" dirty="0"/>
+              <a:t> Swami. metapath2vec: Scalable </a:t>
+            </a:r>
+            <a:r>
+              <a:rPr lang="en-US" dirty="0" err="1"/>
+              <a:t>representationlearning</a:t>
+            </a:r>
+            <a:r>
+              <a:rPr lang="en-US" dirty="0"/>
+              <a:t> for heterogeneous networks. </a:t>
+            </a:r>
+            <a:r>
+              <a:rPr lang="en-US" dirty="0" err="1"/>
+              <a:t>InProceedings</a:t>
+            </a:r>
+            <a:r>
+              <a:rPr lang="en-US" dirty="0"/>
+              <a:t> of the 23rd ACM SIGKDD </a:t>
+            </a:r>
+            <a:r>
+              <a:rPr lang="en-US" dirty="0" err="1"/>
+              <a:t>internationalconference</a:t>
+            </a:r>
+            <a:r>
+              <a:rPr lang="en-US" dirty="0"/>
+              <a:t> on knowledge discovery and data mining, pages 135–144, 2017.</a:t>
+            </a:r>
+          </a:p>
+          <a:p>
+            <a:pPr marL="0" indent="0">
+              <a:buNone/>
+            </a:pPr>
+            <a:r>
+              <a:rPr lang="en-US" dirty="0"/>
+              <a:t>[3]Yoon  </a:t>
+            </a:r>
+            <a:r>
+              <a:rPr lang="en-US" dirty="0" err="1"/>
+              <a:t>Kim.Convolutional</a:t>
+            </a:r>
+            <a:r>
+              <a:rPr lang="en-US" dirty="0"/>
+              <a:t>  neural  networks  for  sentence  </a:t>
+            </a:r>
+            <a:r>
+              <a:rPr lang="en-US" dirty="0" err="1"/>
+              <a:t>classification.arXiv</a:t>
+            </a:r>
+            <a:r>
+              <a:rPr lang="en-US" dirty="0"/>
+              <a:t>  preprintarXiv:1408.5882, 2014.</a:t>
+            </a:r>
+          </a:p>
+          <a:p>
+            <a:pPr marL="0" indent="0">
+              <a:buNone/>
+            </a:pPr>
+            <a:r>
+              <a:rPr lang="en-US" dirty="0"/>
+              <a:t>[4]Quoc Le and Tomas </a:t>
+            </a:r>
+            <a:r>
+              <a:rPr lang="en-US" dirty="0" err="1"/>
+              <a:t>Mikolov</a:t>
+            </a:r>
+            <a:r>
+              <a:rPr lang="en-US" dirty="0"/>
+              <a:t>.   Distributed representations of sentences and documents.   </a:t>
+            </a:r>
+            <a:r>
+              <a:rPr lang="en-US" dirty="0" err="1"/>
+              <a:t>InInternational</a:t>
+            </a:r>
+            <a:r>
+              <a:rPr lang="en-US" dirty="0"/>
+              <a:t> conference on machine learning, pages 1188–1196, 2014.</a:t>
+            </a:r>
+          </a:p>
+          <a:p>
+            <a:pPr marL="0" indent="0">
+              <a:buNone/>
+            </a:pPr>
+            <a:r>
+              <a:rPr lang="en-US" altLang="zh-CN" dirty="0"/>
+              <a:t>[5]Francesco Ricci,  </a:t>
+            </a:r>
+            <a:r>
+              <a:rPr lang="en-US" altLang="zh-CN" dirty="0" err="1"/>
+              <a:t>Lior</a:t>
+            </a:r>
+            <a:r>
+              <a:rPr lang="en-US" altLang="zh-CN" dirty="0"/>
+              <a:t> </a:t>
+            </a:r>
+            <a:r>
+              <a:rPr lang="en-US" altLang="zh-CN" dirty="0" err="1"/>
+              <a:t>Rokach</a:t>
+            </a:r>
+            <a:r>
+              <a:rPr lang="en-US" altLang="zh-CN" dirty="0"/>
+              <a:t>,  and </a:t>
+            </a:r>
+            <a:r>
+              <a:rPr lang="en-US" altLang="zh-CN" dirty="0" err="1"/>
+              <a:t>Bracha</a:t>
+            </a:r>
+            <a:r>
+              <a:rPr lang="en-US" altLang="zh-CN" dirty="0"/>
+              <a:t> Shapira.   Introduction to recommender </a:t>
+            </a:r>
+            <a:r>
+              <a:rPr lang="en-US" altLang="zh-CN" dirty="0" err="1"/>
+              <a:t>systemshandbook</a:t>
+            </a:r>
+            <a:r>
+              <a:rPr lang="en-US" altLang="zh-CN" dirty="0"/>
+              <a:t>. </a:t>
+            </a:r>
+            <a:r>
+              <a:rPr lang="en-US" altLang="zh-CN" dirty="0" err="1"/>
+              <a:t>InRecommender</a:t>
+            </a:r>
+            <a:r>
+              <a:rPr lang="en-US" altLang="zh-CN" dirty="0"/>
+              <a:t> systems handbook, pages 1–35. Springer, 2011.</a:t>
+            </a:r>
+          </a:p>
+          <a:p>
+            <a:pPr marL="0" indent="0">
+              <a:buNone/>
+            </a:pPr>
+            <a:r>
+              <a:rPr lang="en-US" altLang="zh-CN" dirty="0"/>
+              <a:t>[6]</a:t>
+            </a:r>
+            <a:r>
+              <a:rPr lang="en-US" altLang="zh-CN" dirty="0" err="1"/>
+              <a:t>Xiaoyuan</a:t>
+            </a:r>
+            <a:r>
+              <a:rPr lang="en-US" altLang="zh-CN" dirty="0"/>
+              <a:t> </a:t>
+            </a:r>
+            <a:r>
+              <a:rPr lang="en-US" altLang="zh-CN" dirty="0" err="1"/>
+              <a:t>Su</a:t>
+            </a:r>
+            <a:r>
+              <a:rPr lang="en-US" altLang="zh-CN" dirty="0"/>
+              <a:t> and </a:t>
+            </a:r>
+            <a:r>
+              <a:rPr lang="en-US" altLang="zh-CN" dirty="0" err="1"/>
+              <a:t>Taghi</a:t>
+            </a:r>
+            <a:r>
+              <a:rPr lang="en-US" altLang="zh-CN" dirty="0"/>
+              <a:t> M </a:t>
+            </a:r>
+            <a:r>
+              <a:rPr lang="en-US" altLang="zh-CN" dirty="0" err="1"/>
+              <a:t>Khoshgoftaar</a:t>
+            </a:r>
+            <a:r>
+              <a:rPr lang="en-US" altLang="zh-CN" dirty="0"/>
+              <a:t>. A survey of collaborative filtering </a:t>
+            </a:r>
+            <a:r>
+              <a:rPr lang="en-US" altLang="zh-CN" dirty="0" err="1"/>
+              <a:t>techniques.Advancesin</a:t>
+            </a:r>
+            <a:r>
+              <a:rPr lang="en-US" altLang="zh-CN" dirty="0"/>
+              <a:t> artificial intelligence, 2009, 2009.</a:t>
+            </a:r>
+          </a:p>
+          <a:p>
+            <a:pPr marL="0" indent="0">
+              <a:buNone/>
+            </a:pPr>
+            <a:r>
+              <a:rPr lang="en-US" altLang="zh-CN" dirty="0"/>
+              <a:t>[7]Shuai Zhang, Lina Yao, </a:t>
+            </a:r>
+            <a:r>
+              <a:rPr lang="en-US" altLang="zh-CN" dirty="0" err="1"/>
+              <a:t>Aixin</a:t>
+            </a:r>
+            <a:r>
+              <a:rPr lang="en-US" altLang="zh-CN" dirty="0"/>
+              <a:t> Sun, and Yi Tay. Deep learning based recommender system: </a:t>
+            </a:r>
+            <a:r>
+              <a:rPr lang="en-US" altLang="zh-CN" dirty="0" err="1"/>
+              <a:t>Asurvey</a:t>
+            </a:r>
+            <a:r>
+              <a:rPr lang="en-US" altLang="zh-CN" dirty="0"/>
+              <a:t> and new </a:t>
+            </a:r>
+            <a:r>
+              <a:rPr lang="en-US" altLang="zh-CN" dirty="0" err="1"/>
+              <a:t>perspectives.ACM</a:t>
+            </a:r>
+            <a:r>
+              <a:rPr lang="en-US" altLang="zh-CN" dirty="0"/>
+              <a:t> Computing Surveys (CSUR), 52(1):1–38, 2019.</a:t>
+            </a:r>
           </a:p>
         </p:txBody>
       </p:sp>
@@ -13179,8 +15550,8 @@
 </p:sld>
 </file>
 
-<file path=ppt/slides/slide13.xml><?xml version="1.0" encoding="utf-8"?>
-<p:sld xmlns:a="http://schemas.openxmlformats.org/drawingml/2006/main" xmlns:r="http://schemas.openxmlformats.org/officeDocument/2006/relationships" xmlns:p="http://schemas.openxmlformats.org/presentationml/2006/main">
+<file path=ppt/slides/slide18.xml><?xml version="1.0" encoding="utf-8"?>
+<p:sld xmlns:a="http://schemas.openxmlformats.org/drawingml/2006/main" xmlns:r="http://schemas.openxmlformats.org/officeDocument/2006/relationships" xmlns:p="http://schemas.openxmlformats.org/presentationml/2006/main" show="0">
   <p:cSld>
     <p:spTree>
       <p:nvGrpSpPr>
@@ -13277,8 +15648,8 @@
 </p:sld>
 </file>
 
-<file path=ppt/slides/slide14.xml><?xml version="1.0" encoding="utf-8"?>
-<p:sld xmlns:a="http://schemas.openxmlformats.org/drawingml/2006/main" xmlns:r="http://schemas.openxmlformats.org/officeDocument/2006/relationships" xmlns:p="http://schemas.openxmlformats.org/presentationml/2006/main">
+<file path=ppt/slides/slide19.xml><?xml version="1.0" encoding="utf-8"?>
+<p:sld xmlns:a="http://schemas.openxmlformats.org/drawingml/2006/main" xmlns:r="http://schemas.openxmlformats.org/officeDocument/2006/relationships" xmlns:p="http://schemas.openxmlformats.org/presentationml/2006/main" show="0">
   <p:cSld>
     <p:spTree>
       <p:nvGrpSpPr>
@@ -13481,7 +15852,7 @@
 </p:sld>
 </file>
 
-<file path=ppt/slides/slide15.xml><?xml version="1.0" encoding="utf-8"?>
+<file path=ppt/slides/slide2.xml><?xml version="1.0" encoding="utf-8"?>
 <p:sld xmlns:a="http://schemas.openxmlformats.org/drawingml/2006/main" xmlns:r="http://schemas.openxmlformats.org/officeDocument/2006/relationships" xmlns:p="http://schemas.openxmlformats.org/presentationml/2006/main">
   <p:cSld>
     <p:spTree>
@@ -13503,6 +15874,65 @@
           <p:cNvPr id="2" name="Title 1">
             <a:extLst>
               <a:ext uri="{FF2B5EF4-FFF2-40B4-BE49-F238E27FC236}">
+                <a16:creationId xmlns:a16="http://schemas.microsoft.com/office/drawing/2014/main" id="{B36F1793-D25D-48FD-AED6-B11E919218B1}"/>
+              </a:ext>
+            </a:extLst>
+          </p:cNvPr>
+          <p:cNvSpPr>
+            <a:spLocks noGrp="1"/>
+          </p:cNvSpPr>
+          <p:nvPr>
+            <p:ph type="title"/>
+          </p:nvPr>
+        </p:nvSpPr>
+        <p:spPr/>
+        <p:txBody>
+          <a:bodyPr/>
+          <a:lstStyle/>
+          <a:p>
+            <a:r>
+              <a:rPr lang="en-US" altLang="zh-CN" dirty="0"/>
+              <a:t>Literature Review</a:t>
+            </a:r>
+            <a:endParaRPr lang="en-US" dirty="0"/>
+          </a:p>
+        </p:txBody>
+      </p:sp>
+    </p:spTree>
+    <p:extLst>
+      <p:ext uri="{BB962C8B-B14F-4D97-AF65-F5344CB8AC3E}">
+        <p14:creationId xmlns:p14="http://schemas.microsoft.com/office/powerpoint/2010/main" val="2090198145"/>
+      </p:ext>
+    </p:extLst>
+  </p:cSld>
+  <p:clrMapOvr>
+    <a:masterClrMapping/>
+  </p:clrMapOvr>
+</p:sld>
+</file>
+
+<file path=ppt/slides/slide20.xml><?xml version="1.0" encoding="utf-8"?>
+<p:sld xmlns:a="http://schemas.openxmlformats.org/drawingml/2006/main" xmlns:r="http://schemas.openxmlformats.org/officeDocument/2006/relationships" xmlns:p="http://schemas.openxmlformats.org/presentationml/2006/main" show="0">
+  <p:cSld>
+    <p:spTree>
+      <p:nvGrpSpPr>
+        <p:cNvPr id="1" name=""/>
+        <p:cNvGrpSpPr/>
+        <p:nvPr/>
+      </p:nvGrpSpPr>
+      <p:grpSpPr>
+        <a:xfrm>
+          <a:off x="0" y="0"/>
+          <a:ext cx="0" cy="0"/>
+          <a:chOff x="0" y="0"/>
+          <a:chExt cx="0" cy="0"/>
+        </a:xfrm>
+      </p:grpSpPr>
+      <p:sp>
+        <p:nvSpPr>
+          <p:cNvPr id="2" name="Title 1">
+            <a:extLst>
+              <a:ext uri="{FF2B5EF4-FFF2-40B4-BE49-F238E27FC236}">
                 <a16:creationId xmlns:a16="http://schemas.microsoft.com/office/drawing/2014/main" id="{7ED3B7F4-6ED5-4B7C-8054-E072C778314F}"/>
               </a:ext>
             </a:extLst>
@@ -13577,8 +16007,8 @@
 </p:sld>
 </file>
 
-<file path=ppt/slides/slide16.xml><?xml version="1.0" encoding="utf-8"?>
-<p:sld xmlns:a="http://schemas.openxmlformats.org/drawingml/2006/main" xmlns:r="http://schemas.openxmlformats.org/officeDocument/2006/relationships" xmlns:p="http://schemas.openxmlformats.org/presentationml/2006/main">
+<file path=ppt/slides/slide21.xml><?xml version="1.0" encoding="utf-8"?>
+<p:sld xmlns:a="http://schemas.openxmlformats.org/drawingml/2006/main" xmlns:r="http://schemas.openxmlformats.org/officeDocument/2006/relationships" xmlns:p="http://schemas.openxmlformats.org/presentationml/2006/main" show="0">
   <p:cSld>
     <p:spTree>
       <p:nvGrpSpPr>
@@ -13801,7 +16231,7 @@
 </p:sld>
 </file>
 
-<file path=ppt/slides/slide2.xml><?xml version="1.0" encoding="utf-8"?>
+<file path=ppt/slides/slide3.xml><?xml version="1.0" encoding="utf-8"?>
 <p:sld xmlns:a="http://schemas.openxmlformats.org/drawingml/2006/main" xmlns:r="http://schemas.openxmlformats.org/officeDocument/2006/relationships" xmlns:p="http://schemas.openxmlformats.org/presentationml/2006/main">
   <p:cSld>
     <p:spTree>
@@ -13823,6 +16253,352 @@
           <p:cNvPr id="2" name="Title 1">
             <a:extLst>
               <a:ext uri="{FF2B5EF4-FFF2-40B4-BE49-F238E27FC236}">
+                <a16:creationId xmlns:a16="http://schemas.microsoft.com/office/drawing/2014/main" id="{290618E0-F521-480D-8D09-0A90C6092CE9}"/>
+              </a:ext>
+            </a:extLst>
+          </p:cNvPr>
+          <p:cNvSpPr>
+            <a:spLocks noGrp="1"/>
+          </p:cNvSpPr>
+          <p:nvPr>
+            <p:ph type="title"/>
+          </p:nvPr>
+        </p:nvSpPr>
+        <p:spPr/>
+        <p:txBody>
+          <a:bodyPr/>
+          <a:lstStyle/>
+          <a:p>
+            <a:r>
+              <a:rPr lang="en-US" dirty="0" err="1"/>
+              <a:t>DeepWalk</a:t>
+            </a:r>
+            <a:r>
+              <a:rPr lang="en-US" dirty="0"/>
+              <a:t>: Online Learning of Social Representation</a:t>
+            </a:r>
+          </a:p>
+        </p:txBody>
+      </p:sp>
+      <p:sp>
+        <p:nvSpPr>
+          <p:cNvPr id="3" name="Text Placeholder 2">
+            <a:extLst>
+              <a:ext uri="{FF2B5EF4-FFF2-40B4-BE49-F238E27FC236}">
+                <a16:creationId xmlns:a16="http://schemas.microsoft.com/office/drawing/2014/main" id="{770D0C7F-6255-4E50-8C1E-3ED15ED62E84}"/>
+              </a:ext>
+            </a:extLst>
+          </p:cNvPr>
+          <p:cNvSpPr>
+            <a:spLocks noGrp="1"/>
+          </p:cNvSpPr>
+          <p:nvPr>
+            <p:ph type="body" idx="1"/>
+          </p:nvPr>
+        </p:nvSpPr>
+        <p:spPr/>
+        <p:txBody>
+          <a:bodyPr/>
+          <a:lstStyle/>
+          <a:p>
+            <a:pPr>
+              <a:lnSpc>
+                <a:spcPct val="100000"/>
+              </a:lnSpc>
+            </a:pPr>
+            <a:r>
+              <a:rPr lang="en-US" dirty="0"/>
+              <a:t>What it did:</a:t>
+            </a:r>
+          </a:p>
+          <a:p>
+            <a:pPr lvl="1">
+              <a:lnSpc>
+                <a:spcPct val="100000"/>
+              </a:lnSpc>
+              <a:spcBef>
+                <a:spcPts val="0"/>
+              </a:spcBef>
+            </a:pPr>
+            <a:r>
+              <a:rPr lang="en-US" dirty="0"/>
+              <a:t>Encoding social relations into a network based graphical representation that can be easily exploited by statistical models. </a:t>
+            </a:r>
+            <a:r>
+              <a:rPr lang="en-US" dirty="0">
+                <a:sym typeface="Wingdings" panose="05000000000000000000" pitchFamily="2" charset="2"/>
+              </a:rPr>
+              <a:t> so can capture the semantic and syntactic structure of human language, and even logical analogies.</a:t>
+            </a:r>
+            <a:endParaRPr lang="en-US" dirty="0"/>
+          </a:p>
+          <a:p>
+            <a:pPr>
+              <a:lnSpc>
+                <a:spcPct val="100000"/>
+              </a:lnSpc>
+            </a:pPr>
+            <a:r>
+              <a:rPr lang="en-US" dirty="0"/>
+              <a:t>Terminology</a:t>
+            </a:r>
+          </a:p>
+          <a:p>
+            <a:pPr lvl="1">
+              <a:lnSpc>
+                <a:spcPct val="100000"/>
+              </a:lnSpc>
+              <a:spcBef>
+                <a:spcPts val="0"/>
+              </a:spcBef>
+            </a:pPr>
+            <a:r>
+              <a:rPr lang="en-US" dirty="0"/>
+              <a:t>Walks: walking through a sequence of sentences</a:t>
+            </a:r>
+          </a:p>
+          <a:p>
+            <a:pPr>
+              <a:lnSpc>
+                <a:spcPct val="100000"/>
+              </a:lnSpc>
+            </a:pPr>
+            <a:r>
+              <a:rPr lang="en-US" dirty="0"/>
+              <a:t>Achievement/Significance:</a:t>
+            </a:r>
+          </a:p>
+          <a:p>
+            <a:pPr lvl="1">
+              <a:lnSpc>
+                <a:spcPct val="100000"/>
+              </a:lnSpc>
+              <a:spcBef>
+                <a:spcPts val="0"/>
+              </a:spcBef>
+            </a:pPr>
+            <a:r>
+              <a:rPr lang="en-US" sz="1800" dirty="0"/>
+              <a:t>Tested on social network, such as Blog-Catalog, Flickr, and </a:t>
+            </a:r>
+            <a:r>
+              <a:rPr lang="en-US" altLang="zh-CN" sz="1800" dirty="0"/>
+              <a:t>YouTube.</a:t>
+            </a:r>
+          </a:p>
+          <a:p>
+            <a:pPr lvl="1">
+              <a:lnSpc>
+                <a:spcPct val="100000"/>
+              </a:lnSpc>
+              <a:spcBef>
+                <a:spcPts val="0"/>
+              </a:spcBef>
+            </a:pPr>
+            <a:r>
+              <a:rPr lang="en-US" sz="1800" dirty="0"/>
+              <a:t>Showed 10% higher F1 score than competing methods on sparse dataset</a:t>
+            </a:r>
+          </a:p>
+          <a:p>
+            <a:pPr lvl="1">
+              <a:lnSpc>
+                <a:spcPct val="100000"/>
+              </a:lnSpc>
+              <a:spcBef>
+                <a:spcPts val="0"/>
+              </a:spcBef>
+            </a:pPr>
+            <a:r>
+              <a:rPr lang="en-US" sz="1800" dirty="0"/>
+              <a:t>Sometime, can outperform </a:t>
+            </a:r>
+          </a:p>
+          <a:p>
+            <a:pPr>
+              <a:lnSpc>
+                <a:spcPct val="100000"/>
+              </a:lnSpc>
+            </a:pPr>
+            <a:r>
+              <a:rPr lang="en-US" dirty="0"/>
+              <a:t>Random </a:t>
+            </a:r>
+            <a:r>
+              <a:rPr lang="en-US" sz="1867" dirty="0"/>
+              <a:t>Walk</a:t>
+            </a:r>
+          </a:p>
+          <a:p>
+            <a:pPr lvl="1">
+              <a:lnSpc>
+                <a:spcPct val="100000"/>
+              </a:lnSpc>
+              <a:spcBef>
+                <a:spcPts val="0"/>
+              </a:spcBef>
+            </a:pPr>
+            <a:r>
+              <a:rPr lang="en-US" dirty="0"/>
+              <a:t>Use to measure the similarity amount contents</a:t>
+            </a:r>
+          </a:p>
+          <a:p>
+            <a:pPr lvl="1">
+              <a:lnSpc>
+                <a:spcPct val="100000"/>
+              </a:lnSpc>
+              <a:spcBef>
+                <a:spcPts val="0"/>
+              </a:spcBef>
+            </a:pPr>
+            <a:r>
+              <a:rPr lang="en-US" dirty="0"/>
+              <a:t>A stream of short random walks can extract information from networks</a:t>
+            </a:r>
+          </a:p>
+          <a:p>
+            <a:pPr lvl="1">
+              <a:lnSpc>
+                <a:spcPct val="100000"/>
+              </a:lnSpc>
+              <a:spcBef>
+                <a:spcPts val="0"/>
+              </a:spcBef>
+            </a:pPr>
+            <a:r>
+              <a:rPr lang="en-US" dirty="0"/>
+              <a:t>Learning model can be updated iteratively </a:t>
+            </a:r>
+          </a:p>
+          <a:p>
+            <a:pPr>
+              <a:lnSpc>
+                <a:spcPct val="100000"/>
+              </a:lnSpc>
+            </a:pPr>
+            <a:endParaRPr lang="en-US" sz="1733" dirty="0"/>
+          </a:p>
+        </p:txBody>
+      </p:sp>
+    </p:spTree>
+    <p:extLst>
+      <p:ext uri="{BB962C8B-B14F-4D97-AF65-F5344CB8AC3E}">
+        <p14:creationId xmlns:p14="http://schemas.microsoft.com/office/powerpoint/2010/main" val="3956865901"/>
+      </p:ext>
+    </p:extLst>
+  </p:cSld>
+  <p:clrMapOvr>
+    <a:masterClrMapping/>
+  </p:clrMapOvr>
+</p:sld>
+</file>
+
+<file path=ppt/slides/slide4.xml><?xml version="1.0" encoding="utf-8"?>
+<p:sld xmlns:a="http://schemas.openxmlformats.org/drawingml/2006/main" xmlns:r="http://schemas.openxmlformats.org/officeDocument/2006/relationships" xmlns:p="http://schemas.openxmlformats.org/presentationml/2006/main">
+  <p:cSld>
+    <p:spTree>
+      <p:nvGrpSpPr>
+        <p:cNvPr id="1" name=""/>
+        <p:cNvGrpSpPr/>
+        <p:nvPr/>
+      </p:nvGrpSpPr>
+      <p:grpSpPr>
+        <a:xfrm>
+          <a:off x="0" y="0"/>
+          <a:ext cx="0" cy="0"/>
+          <a:chOff x="0" y="0"/>
+          <a:chExt cx="0" cy="0"/>
+        </a:xfrm>
+      </p:grpSpPr>
+      <p:sp>
+        <p:nvSpPr>
+          <p:cNvPr id="2" name="Title 1">
+            <a:extLst>
+              <a:ext uri="{FF2B5EF4-FFF2-40B4-BE49-F238E27FC236}">
+                <a16:creationId xmlns:a16="http://schemas.microsoft.com/office/drawing/2014/main" id="{C1E1AC58-6277-483C-9BF0-7BC6690F1B6D}"/>
+              </a:ext>
+            </a:extLst>
+          </p:cNvPr>
+          <p:cNvSpPr>
+            <a:spLocks noGrp="1"/>
+          </p:cNvSpPr>
+          <p:nvPr>
+            <p:ph type="title"/>
+          </p:nvPr>
+        </p:nvSpPr>
+        <p:spPr/>
+        <p:txBody>
+          <a:bodyPr/>
+          <a:lstStyle/>
+          <a:p>
+            <a:r>
+              <a:rPr lang="en-US" dirty="0"/>
+              <a:t>Doc2vec</a:t>
+            </a:r>
+          </a:p>
+        </p:txBody>
+      </p:sp>
+      <p:sp>
+        <p:nvSpPr>
+          <p:cNvPr id="3" name="Text Placeholder 2">
+            <a:extLst>
+              <a:ext uri="{FF2B5EF4-FFF2-40B4-BE49-F238E27FC236}">
+                <a16:creationId xmlns:a16="http://schemas.microsoft.com/office/drawing/2014/main" id="{B8CFA800-101E-4170-9E7A-FCBFEF28ED78}"/>
+              </a:ext>
+            </a:extLst>
+          </p:cNvPr>
+          <p:cNvSpPr>
+            <a:spLocks noGrp="1"/>
+          </p:cNvSpPr>
+          <p:nvPr>
+            <p:ph type="body" idx="1"/>
+          </p:nvPr>
+        </p:nvSpPr>
+        <p:spPr/>
+        <p:txBody>
+          <a:bodyPr/>
+          <a:lstStyle/>
+          <a:p>
+            <a:endParaRPr lang="en-US"/>
+          </a:p>
+        </p:txBody>
+      </p:sp>
+    </p:spTree>
+    <p:extLst>
+      <p:ext uri="{BB962C8B-B14F-4D97-AF65-F5344CB8AC3E}">
+        <p14:creationId xmlns:p14="http://schemas.microsoft.com/office/powerpoint/2010/main" val="1033183637"/>
+      </p:ext>
+    </p:extLst>
+  </p:cSld>
+  <p:clrMapOvr>
+    <a:masterClrMapping/>
+  </p:clrMapOvr>
+</p:sld>
+</file>
+
+<file path=ppt/slides/slide5.xml><?xml version="1.0" encoding="utf-8"?>
+<p:sld xmlns:a="http://schemas.openxmlformats.org/drawingml/2006/main" xmlns:r="http://schemas.openxmlformats.org/officeDocument/2006/relationships" xmlns:p="http://schemas.openxmlformats.org/presentationml/2006/main">
+  <p:cSld>
+    <p:spTree>
+      <p:nvGrpSpPr>
+        <p:cNvPr id="1" name=""/>
+        <p:cNvGrpSpPr/>
+        <p:nvPr/>
+      </p:nvGrpSpPr>
+      <p:grpSpPr>
+        <a:xfrm>
+          <a:off x="0" y="0"/>
+          <a:ext cx="0" cy="0"/>
+          <a:chOff x="0" y="0"/>
+          <a:chExt cx="0" cy="0"/>
+        </a:xfrm>
+      </p:grpSpPr>
+      <p:sp>
+        <p:nvSpPr>
+          <p:cNvPr id="2" name="Title 1">
+            <a:extLst>
+              <a:ext uri="{FF2B5EF4-FFF2-40B4-BE49-F238E27FC236}">
                 <a16:creationId xmlns:a16="http://schemas.microsoft.com/office/drawing/2014/main" id="{4AEA13C4-ACD3-467B-87D0-FCA2A06AF2AC}"/>
               </a:ext>
             </a:extLst>
@@ -13863,7 +16639,7 @@
 </p:sld>
 </file>
 
-<file path=ppt/slides/slide3.xml><?xml version="1.0" encoding="utf-8"?>
+<file path=ppt/slides/slide6.xml><?xml version="1.0" encoding="utf-8"?>
 <p:sld xmlns:a="http://schemas.openxmlformats.org/drawingml/2006/main" xmlns:r="http://schemas.openxmlformats.org/officeDocument/2006/relationships" xmlns:p="http://schemas.openxmlformats.org/presentationml/2006/main">
   <p:cSld>
     <p:spTree>
@@ -14249,7 +17025,7 @@
 </p:sld>
 </file>
 
-<file path=ppt/slides/slide4.xml><?xml version="1.0" encoding="utf-8"?>
+<file path=ppt/slides/slide7.xml><?xml version="1.0" encoding="utf-8"?>
 <p:sld xmlns:a="http://schemas.openxmlformats.org/drawingml/2006/main" xmlns:r="http://schemas.openxmlformats.org/officeDocument/2006/relationships" xmlns:p="http://schemas.openxmlformats.org/presentationml/2006/main">
   <p:cSld>
     <p:spTree>
@@ -14609,7 +17385,7 @@
 </p:sld>
 </file>
 
-<file path=ppt/slides/slide5.xml><?xml version="1.0" encoding="utf-8"?>
+<file path=ppt/slides/slide8.xml><?xml version="1.0" encoding="utf-8"?>
 <p:sld xmlns:a="http://schemas.openxmlformats.org/drawingml/2006/main" xmlns:r="http://schemas.openxmlformats.org/officeDocument/2006/relationships" xmlns:p="http://schemas.openxmlformats.org/presentationml/2006/main">
   <p:cSld>
     <p:spTree>
@@ -15024,7 +17800,7 @@
 </p:sld>
 </file>
 
-<file path=ppt/slides/slide6.xml><?xml version="1.0" encoding="utf-8"?>
+<file path=ppt/slides/slide9.xml><?xml version="1.0" encoding="utf-8"?>
 <p:sld xmlns:a="http://schemas.openxmlformats.org/drawingml/2006/main" xmlns:r="http://schemas.openxmlformats.org/officeDocument/2006/relationships" xmlns:p="http://schemas.openxmlformats.org/presentationml/2006/main">
   <p:cSld>
     <p:spTree>
@@ -15221,1885 +17997,6 @@
     <p:extLst>
       <p:ext uri="{BB962C8B-B14F-4D97-AF65-F5344CB8AC3E}">
         <p14:creationId xmlns:p14="http://schemas.microsoft.com/office/powerpoint/2010/main" val="3845301847"/>
-      </p:ext>
-    </p:extLst>
-  </p:cSld>
-  <p:clrMapOvr>
-    <a:masterClrMapping/>
-  </p:clrMapOvr>
-</p:sld>
-</file>
-
-<file path=ppt/slides/slide7.xml><?xml version="1.0" encoding="utf-8"?>
-<p:sld xmlns:a="http://schemas.openxmlformats.org/drawingml/2006/main" xmlns:r="http://schemas.openxmlformats.org/officeDocument/2006/relationships" xmlns:p="http://schemas.openxmlformats.org/presentationml/2006/main">
-  <p:cSld>
-    <p:spTree>
-      <p:nvGrpSpPr>
-        <p:cNvPr id="1" name="Shape 95"/>
-        <p:cNvGrpSpPr/>
-        <p:nvPr/>
-      </p:nvGrpSpPr>
-      <p:grpSpPr>
-        <a:xfrm>
-          <a:off x="0" y="0"/>
-          <a:ext cx="0" cy="0"/>
-          <a:chOff x="0" y="0"/>
-          <a:chExt cx="0" cy="0"/>
-        </a:xfrm>
-      </p:grpSpPr>
-      <p:sp>
-        <p:nvSpPr>
-          <p:cNvPr id="96" name="Google Shape;96;p18"/>
-          <p:cNvSpPr txBox="1">
-            <a:spLocks noGrp="1"/>
-          </p:cNvSpPr>
-          <p:nvPr>
-            <p:ph type="title"/>
-          </p:nvPr>
-        </p:nvSpPr>
-        <p:spPr>
-          <a:xfrm>
-            <a:off x="415600" y="521800"/>
-            <a:ext cx="11360800" cy="834800"/>
-          </a:xfrm>
-          <a:prstGeom prst="rect">
-            <a:avLst/>
-          </a:prstGeom>
-        </p:spPr>
-        <p:txBody>
-          <a:bodyPr spcFirstLastPara="1" wrap="square" lIns="121900" tIns="121900" rIns="121900" bIns="121900" anchor="t" anchorCtr="0">
-            <a:noAutofit/>
-          </a:bodyPr>
-          <a:lstStyle/>
-          <a:p>
-            <a:r>
-              <a:rPr lang="en" dirty="0"/>
-              <a:t>Graph embedding: Metapath2vec</a:t>
-            </a:r>
-            <a:endParaRPr dirty="0"/>
-          </a:p>
-        </p:txBody>
-      </p:sp>
-      <p:sp>
-        <p:nvSpPr>
-          <p:cNvPr id="97" name="Google Shape;97;p18"/>
-          <p:cNvSpPr txBox="1">
-            <a:spLocks noGrp="1"/>
-          </p:cNvSpPr>
-          <p:nvPr>
-            <p:ph type="body" idx="1"/>
-          </p:nvPr>
-        </p:nvSpPr>
-        <p:spPr>
-          <a:xfrm>
-            <a:off x="415600" y="1536633"/>
-            <a:ext cx="11360800" cy="4555200"/>
-          </a:xfrm>
-          <a:prstGeom prst="rect">
-            <a:avLst/>
-          </a:prstGeom>
-        </p:spPr>
-        <p:txBody>
-          <a:bodyPr spcFirstLastPara="1" wrap="square" lIns="121900" tIns="121900" rIns="121900" bIns="121900" anchor="t" anchorCtr="0">
-            <a:noAutofit/>
-          </a:bodyPr>
-          <a:lstStyle/>
-          <a:p>
-            <a:pPr>
-              <a:buChar char="-"/>
-            </a:pPr>
-            <a:r>
-              <a:rPr lang="en" sz="2400" dirty="0"/>
-              <a:t>Heterogeneous information network</a:t>
-            </a:r>
-            <a:endParaRPr sz="2400" dirty="0"/>
-          </a:p>
-          <a:p>
-            <a:pPr lvl="1">
-              <a:spcBef>
-                <a:spcPts val="0"/>
-              </a:spcBef>
-              <a:buChar char="-"/>
-            </a:pPr>
-            <a:r>
-              <a:rPr lang="en" sz="2400" dirty="0"/>
-              <a:t>User (</a:t>
-            </a:r>
-            <a:r>
-              <a:rPr lang="en" sz="2400" b="1" dirty="0">
-                <a:solidFill>
-                  <a:srgbClr val="6AA84F"/>
-                </a:solidFill>
-              </a:rPr>
-              <a:t>U</a:t>
-            </a:r>
-            <a:r>
-              <a:rPr lang="en" sz="2400" dirty="0"/>
-              <a:t>), Movie (</a:t>
-            </a:r>
-            <a:r>
-              <a:rPr lang="en" sz="2400" b="1" dirty="0">
-                <a:solidFill>
-                  <a:srgbClr val="6AA84F"/>
-                </a:solidFill>
-              </a:rPr>
-              <a:t>M</a:t>
-            </a:r>
-            <a:r>
-              <a:rPr lang="en" sz="2400" dirty="0"/>
-              <a:t>), Genre (</a:t>
-            </a:r>
-            <a:r>
-              <a:rPr lang="en" sz="2400" b="1" dirty="0">
-                <a:solidFill>
-                  <a:srgbClr val="6AA84F"/>
-                </a:solidFill>
-              </a:rPr>
-              <a:t>G</a:t>
-            </a:r>
-            <a:r>
-              <a:rPr lang="en" sz="2400" dirty="0"/>
-              <a:t>), Cast/crew (</a:t>
-            </a:r>
-            <a:r>
-              <a:rPr lang="en" sz="2400" b="1" dirty="0">
-                <a:solidFill>
-                  <a:srgbClr val="6AA84F"/>
-                </a:solidFill>
-              </a:rPr>
-              <a:t>C</a:t>
-            </a:r>
-            <a:r>
-              <a:rPr lang="en" sz="2400" dirty="0"/>
-              <a:t>) </a:t>
-            </a:r>
-            <a:endParaRPr sz="2400" dirty="0"/>
-          </a:p>
-          <a:p>
-            <a:pPr>
-              <a:buChar char="-"/>
-            </a:pPr>
-            <a:r>
-              <a:rPr lang="en" sz="2400" dirty="0" err="1"/>
-              <a:t>Metapath</a:t>
-            </a:r>
-            <a:r>
-              <a:rPr lang="en" sz="2400" dirty="0"/>
-              <a:t>-based sampling</a:t>
-            </a:r>
-            <a:endParaRPr sz="2400" dirty="0"/>
-          </a:p>
-          <a:p>
-            <a:pPr lvl="1">
-              <a:spcBef>
-                <a:spcPts val="0"/>
-              </a:spcBef>
-              <a:buChar char="-"/>
-            </a:pPr>
-            <a:r>
-              <a:rPr lang="en" sz="2400" dirty="0"/>
-              <a:t>Preserve semantic relationships between nodes</a:t>
-            </a:r>
-            <a:endParaRPr sz="2400" dirty="0"/>
-          </a:p>
-          <a:p>
-            <a:pPr lvl="1">
-              <a:spcBef>
-                <a:spcPts val="0"/>
-              </a:spcBef>
-              <a:buChar char="-"/>
-            </a:pPr>
-            <a:r>
-              <a:rPr lang="en" sz="2400" b="1" dirty="0">
-                <a:solidFill>
-                  <a:srgbClr val="6AA84F"/>
-                </a:solidFill>
-              </a:rPr>
-              <a:t>U-M-U</a:t>
-            </a:r>
-            <a:r>
-              <a:rPr lang="en" sz="2400" dirty="0"/>
-              <a:t>,	</a:t>
-            </a:r>
-            <a:r>
-              <a:rPr lang="en" sz="2400" b="1" dirty="0">
-                <a:solidFill>
-                  <a:srgbClr val="6AA84F"/>
-                </a:solidFill>
-              </a:rPr>
-              <a:t>U-M-G-M-U</a:t>
-            </a:r>
-            <a:r>
-              <a:rPr lang="en" sz="2400" dirty="0"/>
-              <a:t>,	</a:t>
-            </a:r>
-            <a:r>
-              <a:rPr lang="en" sz="2400" b="1" dirty="0">
-                <a:solidFill>
-                  <a:srgbClr val="6AA84F"/>
-                </a:solidFill>
-              </a:rPr>
-              <a:t>U-M-C-M-U</a:t>
-            </a:r>
-            <a:endParaRPr sz="2400" dirty="0"/>
-          </a:p>
-          <a:p>
-            <a:pPr>
-              <a:buChar char="-"/>
-            </a:pPr>
-            <a:endParaRPr lang="en" sz="2400" b="1" dirty="0">
-              <a:solidFill>
-                <a:schemeClr val="dk1"/>
-              </a:solidFill>
-            </a:endParaRPr>
-          </a:p>
-          <a:p>
-            <a:pPr>
-              <a:buChar char="-"/>
-            </a:pPr>
-            <a:r>
-              <a:rPr lang="en" sz="2400" b="1" dirty="0">
-                <a:solidFill>
-                  <a:schemeClr val="dk1"/>
-                </a:solidFill>
-              </a:rPr>
-              <a:t>Rating-aware</a:t>
-            </a:r>
-            <a:r>
-              <a:rPr lang="en" sz="2400" dirty="0"/>
-              <a:t> sampling policy</a:t>
-            </a:r>
-          </a:p>
-          <a:p>
-            <a:pPr marL="152396" indent="0" algn="ctr">
-              <a:buNone/>
-            </a:pPr>
-            <a:endParaRPr lang="en" sz="2400" dirty="0"/>
-          </a:p>
-          <a:p>
-            <a:pPr marL="152396" indent="0" algn="ctr">
-              <a:buNone/>
-            </a:pPr>
-            <a:endParaRPr lang="en" sz="2400" dirty="0"/>
-          </a:p>
-          <a:p>
-            <a:pPr marL="152396" indent="0" algn="ctr">
-              <a:buNone/>
-            </a:pPr>
-            <a:endParaRPr lang="en" sz="2400" dirty="0"/>
-          </a:p>
-          <a:p>
-            <a:pPr marL="152396" indent="0" algn="ctr">
-              <a:buNone/>
-            </a:pPr>
-            <a:r>
-              <a:rPr lang="en" sz="2400" dirty="0"/>
-              <a:t>Similarly sample for P(m-&gt;u).</a:t>
-            </a:r>
-            <a:endParaRPr sz="2400" dirty="0"/>
-          </a:p>
-        </p:txBody>
-      </p:sp>
-      <p:pic>
-        <p:nvPicPr>
-          <p:cNvPr id="98" name="Google Shape;98;p18" descr="P(s_{t+1}=m|s_t=u) = \left\{\begin{matrix}&#10;1/|N_{M}(u)| &amp;,  &amp; t=0 \\ &#10;\textrm{softmax}(-|R(u, m) - R(u', m')|) &amp;,  &amp; \textrm{else}&#10;\end{matrix}\right." title="MathEquation,#000000"/>
-          <p:cNvPicPr preferRelativeResize="0"/>
-          <p:nvPr/>
-        </p:nvPicPr>
-        <p:blipFill>
-          <a:blip r:embed="rId3">
-            <a:alphaModFix/>
-          </a:blip>
-          <a:stretch>
-            <a:fillRect/>
-          </a:stretch>
-        </p:blipFill>
-        <p:spPr>
-          <a:xfrm>
-            <a:off x="3143841" y="4853736"/>
-            <a:ext cx="6540432" cy="621367"/>
-          </a:xfrm>
-          <a:prstGeom prst="rect">
-            <a:avLst/>
-          </a:prstGeom>
-          <a:noFill/>
-          <a:ln>
-            <a:noFill/>
-          </a:ln>
-        </p:spPr>
-      </p:pic>
-      <p:sp>
-        <p:nvSpPr>
-          <p:cNvPr id="99" name="Google Shape;99;p18"/>
-          <p:cNvSpPr txBox="1"/>
-          <p:nvPr/>
-        </p:nvSpPr>
-        <p:spPr>
-          <a:xfrm>
-            <a:off x="319867" y="6271867"/>
-            <a:ext cx="6540400" cy="452000"/>
-          </a:xfrm>
-          <a:prstGeom prst="rect">
-            <a:avLst/>
-          </a:prstGeom>
-          <a:noFill/>
-          <a:ln>
-            <a:noFill/>
-          </a:ln>
-        </p:spPr>
-        <p:txBody>
-          <a:bodyPr spcFirstLastPara="1" wrap="square" lIns="121900" tIns="121900" rIns="121900" bIns="121900" anchor="t" anchorCtr="0">
-            <a:noAutofit/>
-          </a:bodyPr>
-          <a:lstStyle/>
-          <a:p>
-            <a:pPr defTabSz="1219170">
-              <a:buClr>
-                <a:srgbClr val="000000"/>
-              </a:buClr>
-            </a:pPr>
-            <a:r>
-              <a:rPr lang="en" sz="933" kern="0">
-                <a:solidFill>
-                  <a:srgbClr val="000000"/>
-                </a:solidFill>
-                <a:latin typeface="Lato"/>
-                <a:ea typeface="Lato"/>
-                <a:cs typeface="Lato"/>
-                <a:sym typeface="Lato"/>
-              </a:rPr>
-              <a:t>* "metapath2vec: Scalable representation learning for heterogeneous networks." Proceedings of the 23rd ACM SIGKDD international conference on knowledge discovery and data mining. 2017.</a:t>
-            </a:r>
-            <a:endParaRPr sz="933" kern="0">
-              <a:solidFill>
-                <a:srgbClr val="000000"/>
-              </a:solidFill>
-              <a:latin typeface="Lato"/>
-              <a:ea typeface="Lato"/>
-              <a:cs typeface="Lato"/>
-              <a:sym typeface="Lato"/>
-            </a:endParaRPr>
-          </a:p>
-        </p:txBody>
-      </p:sp>
-      <p:sp>
-        <p:nvSpPr>
-          <p:cNvPr id="100" name="Google Shape;100;p18"/>
-          <p:cNvSpPr/>
-          <p:nvPr/>
-        </p:nvSpPr>
-        <p:spPr>
-          <a:xfrm>
-            <a:off x="8242768" y="3293540"/>
-            <a:ext cx="366800" cy="366800"/>
-          </a:xfrm>
-          <a:prstGeom prst="ellipse">
-            <a:avLst/>
-          </a:prstGeom>
-          <a:solidFill>
-            <a:srgbClr val="FFD966"/>
-          </a:solidFill>
-          <a:ln w="9525" cap="flat" cmpd="sng">
-            <a:solidFill>
-              <a:schemeClr val="dk2"/>
-            </a:solidFill>
-            <a:prstDash val="solid"/>
-            <a:round/>
-            <a:headEnd type="none" w="sm" len="sm"/>
-            <a:tailEnd type="none" w="sm" len="sm"/>
-          </a:ln>
-        </p:spPr>
-        <p:txBody>
-          <a:bodyPr spcFirstLastPara="1" wrap="square" lIns="121900" tIns="121900" rIns="121900" bIns="121900" anchor="ctr" anchorCtr="0">
-            <a:noAutofit/>
-          </a:bodyPr>
-          <a:lstStyle/>
-          <a:p>
-            <a:pPr defTabSz="1219170">
-              <a:buClr>
-                <a:srgbClr val="000000"/>
-              </a:buClr>
-            </a:pPr>
-            <a:endParaRPr sz="800" kern="0">
-              <a:solidFill>
-                <a:srgbClr val="000000"/>
-              </a:solidFill>
-              <a:latin typeface="Arial"/>
-              <a:cs typeface="Arial"/>
-              <a:sym typeface="Arial"/>
-            </a:endParaRPr>
-          </a:p>
-        </p:txBody>
-      </p:sp>
-      <p:sp>
-        <p:nvSpPr>
-          <p:cNvPr id="101" name="Google Shape;101;p18"/>
-          <p:cNvSpPr/>
-          <p:nvPr/>
-        </p:nvSpPr>
-        <p:spPr>
-          <a:xfrm>
-            <a:off x="8242768" y="2578540"/>
-            <a:ext cx="366800" cy="366800"/>
-          </a:xfrm>
-          <a:prstGeom prst="roundRect">
-            <a:avLst>
-              <a:gd name="adj" fmla="val 16667"/>
-            </a:avLst>
-          </a:prstGeom>
-          <a:solidFill>
-            <a:srgbClr val="93C47D"/>
-          </a:solidFill>
-          <a:ln w="9525" cap="flat" cmpd="sng">
-            <a:solidFill>
-              <a:schemeClr val="dk2"/>
-            </a:solidFill>
-            <a:prstDash val="solid"/>
-            <a:round/>
-            <a:headEnd type="none" w="sm" len="sm"/>
-            <a:tailEnd type="none" w="sm" len="sm"/>
-          </a:ln>
-        </p:spPr>
-        <p:txBody>
-          <a:bodyPr spcFirstLastPara="1" wrap="square" lIns="121900" tIns="121900" rIns="121900" bIns="121900" anchor="ctr" anchorCtr="0">
-            <a:noAutofit/>
-          </a:bodyPr>
-          <a:lstStyle/>
-          <a:p>
-            <a:pPr defTabSz="1219170">
-              <a:buClr>
-                <a:srgbClr val="000000"/>
-              </a:buClr>
-            </a:pPr>
-            <a:endParaRPr sz="1867" kern="0">
-              <a:solidFill>
-                <a:srgbClr val="000000"/>
-              </a:solidFill>
-              <a:latin typeface="Arial"/>
-              <a:cs typeface="Arial"/>
-              <a:sym typeface="Arial"/>
-            </a:endParaRPr>
-          </a:p>
-        </p:txBody>
-      </p:sp>
-      <p:sp>
-        <p:nvSpPr>
-          <p:cNvPr id="102" name="Google Shape;102;p18"/>
-          <p:cNvSpPr/>
-          <p:nvPr/>
-        </p:nvSpPr>
-        <p:spPr>
-          <a:xfrm>
-            <a:off x="9740368" y="2578540"/>
-            <a:ext cx="366800" cy="366800"/>
-          </a:xfrm>
-          <a:prstGeom prst="roundRect">
-            <a:avLst>
-              <a:gd name="adj" fmla="val 16667"/>
-            </a:avLst>
-          </a:prstGeom>
-          <a:solidFill>
-            <a:srgbClr val="93C47D"/>
-          </a:solidFill>
-          <a:ln w="9525" cap="flat" cmpd="sng">
-            <a:solidFill>
-              <a:schemeClr val="dk2"/>
-            </a:solidFill>
-            <a:prstDash val="solid"/>
-            <a:round/>
-            <a:headEnd type="none" w="sm" len="sm"/>
-            <a:tailEnd type="none" w="sm" len="sm"/>
-          </a:ln>
-        </p:spPr>
-        <p:txBody>
-          <a:bodyPr spcFirstLastPara="1" wrap="square" lIns="121900" tIns="121900" rIns="121900" bIns="121900" anchor="ctr" anchorCtr="0">
-            <a:noAutofit/>
-          </a:bodyPr>
-          <a:lstStyle/>
-          <a:p>
-            <a:pPr defTabSz="1219170">
-              <a:buClr>
-                <a:srgbClr val="000000"/>
-              </a:buClr>
-            </a:pPr>
-            <a:endParaRPr sz="1867" kern="0">
-              <a:solidFill>
-                <a:srgbClr val="000000"/>
-              </a:solidFill>
-              <a:latin typeface="Arial"/>
-              <a:cs typeface="Arial"/>
-              <a:sym typeface="Arial"/>
-            </a:endParaRPr>
-          </a:p>
-        </p:txBody>
-      </p:sp>
-      <p:sp>
-        <p:nvSpPr>
-          <p:cNvPr id="103" name="Google Shape;103;p18"/>
-          <p:cNvSpPr/>
-          <p:nvPr/>
-        </p:nvSpPr>
-        <p:spPr>
-          <a:xfrm>
-            <a:off x="8991568" y="2578540"/>
-            <a:ext cx="366800" cy="366800"/>
-          </a:xfrm>
-          <a:prstGeom prst="roundRect">
-            <a:avLst>
-              <a:gd name="adj" fmla="val 16667"/>
-            </a:avLst>
-          </a:prstGeom>
-          <a:solidFill>
-            <a:srgbClr val="93C47D"/>
-          </a:solidFill>
-          <a:ln w="9525" cap="flat" cmpd="sng">
-            <a:solidFill>
-              <a:schemeClr val="dk2"/>
-            </a:solidFill>
-            <a:prstDash val="solid"/>
-            <a:round/>
-            <a:headEnd type="none" w="sm" len="sm"/>
-            <a:tailEnd type="none" w="sm" len="sm"/>
-          </a:ln>
-        </p:spPr>
-        <p:txBody>
-          <a:bodyPr spcFirstLastPara="1" wrap="square" lIns="121900" tIns="121900" rIns="121900" bIns="121900" anchor="ctr" anchorCtr="0">
-            <a:noAutofit/>
-          </a:bodyPr>
-          <a:lstStyle/>
-          <a:p>
-            <a:pPr defTabSz="1219170">
-              <a:buClr>
-                <a:srgbClr val="000000"/>
-              </a:buClr>
-            </a:pPr>
-            <a:endParaRPr sz="1867" kern="0">
-              <a:solidFill>
-                <a:srgbClr val="000000"/>
-              </a:solidFill>
-              <a:latin typeface="Arial"/>
-              <a:cs typeface="Arial"/>
-              <a:sym typeface="Arial"/>
-            </a:endParaRPr>
-          </a:p>
-        </p:txBody>
-      </p:sp>
-      <p:sp>
-        <p:nvSpPr>
-          <p:cNvPr id="104" name="Google Shape;104;p18"/>
-          <p:cNvSpPr/>
-          <p:nvPr/>
-        </p:nvSpPr>
-        <p:spPr>
-          <a:xfrm>
-            <a:off x="8991568" y="3293540"/>
-            <a:ext cx="366800" cy="366800"/>
-          </a:xfrm>
-          <a:prstGeom prst="ellipse">
-            <a:avLst/>
-          </a:prstGeom>
-          <a:solidFill>
-            <a:srgbClr val="FFD966"/>
-          </a:solidFill>
-          <a:ln w="9525" cap="flat" cmpd="sng">
-            <a:solidFill>
-              <a:schemeClr val="dk2"/>
-            </a:solidFill>
-            <a:prstDash val="solid"/>
-            <a:round/>
-            <a:headEnd type="none" w="sm" len="sm"/>
-            <a:tailEnd type="none" w="sm" len="sm"/>
-          </a:ln>
-        </p:spPr>
-        <p:txBody>
-          <a:bodyPr spcFirstLastPara="1" wrap="square" lIns="121900" tIns="121900" rIns="121900" bIns="121900" anchor="ctr" anchorCtr="0">
-            <a:noAutofit/>
-          </a:bodyPr>
-          <a:lstStyle/>
-          <a:p>
-            <a:pPr defTabSz="1219170">
-              <a:buClr>
-                <a:srgbClr val="000000"/>
-              </a:buClr>
-            </a:pPr>
-            <a:endParaRPr sz="800" kern="0">
-              <a:solidFill>
-                <a:srgbClr val="000000"/>
-              </a:solidFill>
-              <a:latin typeface="Arial"/>
-              <a:cs typeface="Arial"/>
-              <a:sym typeface="Arial"/>
-            </a:endParaRPr>
-          </a:p>
-        </p:txBody>
-      </p:sp>
-      <p:sp>
-        <p:nvSpPr>
-          <p:cNvPr id="105" name="Google Shape;105;p18"/>
-          <p:cNvSpPr/>
-          <p:nvPr/>
-        </p:nvSpPr>
-        <p:spPr>
-          <a:xfrm>
-            <a:off x="9740368" y="3293540"/>
-            <a:ext cx="366800" cy="366800"/>
-          </a:xfrm>
-          <a:prstGeom prst="ellipse">
-            <a:avLst/>
-          </a:prstGeom>
-          <a:solidFill>
-            <a:srgbClr val="FFD966"/>
-          </a:solidFill>
-          <a:ln w="9525" cap="flat" cmpd="sng">
-            <a:solidFill>
-              <a:schemeClr val="dk2"/>
-            </a:solidFill>
-            <a:prstDash val="solid"/>
-            <a:round/>
-            <a:headEnd type="none" w="sm" len="sm"/>
-            <a:tailEnd type="none" w="sm" len="sm"/>
-          </a:ln>
-        </p:spPr>
-        <p:txBody>
-          <a:bodyPr spcFirstLastPara="1" wrap="square" lIns="121900" tIns="121900" rIns="121900" bIns="121900" anchor="ctr" anchorCtr="0">
-            <a:noAutofit/>
-          </a:bodyPr>
-          <a:lstStyle/>
-          <a:p>
-            <a:pPr defTabSz="1219170">
-              <a:buClr>
-                <a:srgbClr val="000000"/>
-              </a:buClr>
-            </a:pPr>
-            <a:endParaRPr sz="800" kern="0">
-              <a:solidFill>
-                <a:srgbClr val="000000"/>
-              </a:solidFill>
-              <a:latin typeface="Arial"/>
-              <a:cs typeface="Arial"/>
-              <a:sym typeface="Arial"/>
-            </a:endParaRPr>
-          </a:p>
-        </p:txBody>
-      </p:sp>
-      <p:sp>
-        <p:nvSpPr>
-          <p:cNvPr id="106" name="Google Shape;106;p18"/>
-          <p:cNvSpPr/>
-          <p:nvPr/>
-        </p:nvSpPr>
-        <p:spPr>
-          <a:xfrm>
-            <a:off x="8609568" y="1863540"/>
-            <a:ext cx="366800" cy="366800"/>
-          </a:xfrm>
-          <a:prstGeom prst="snip1Rect">
-            <a:avLst>
-              <a:gd name="adj" fmla="val 16667"/>
-            </a:avLst>
-          </a:prstGeom>
-          <a:solidFill>
-            <a:srgbClr val="B4A7D6"/>
-          </a:solidFill>
-          <a:ln w="9525" cap="flat" cmpd="sng">
-            <a:solidFill>
-              <a:schemeClr val="dk2"/>
-            </a:solidFill>
-            <a:prstDash val="solid"/>
-            <a:round/>
-            <a:headEnd type="none" w="sm" len="sm"/>
-            <a:tailEnd type="none" w="sm" len="sm"/>
-          </a:ln>
-        </p:spPr>
-        <p:txBody>
-          <a:bodyPr spcFirstLastPara="1" wrap="square" lIns="121900" tIns="121900" rIns="121900" bIns="121900" anchor="ctr" anchorCtr="0">
-            <a:noAutofit/>
-          </a:bodyPr>
-          <a:lstStyle/>
-          <a:p>
-            <a:pPr defTabSz="1219170">
-              <a:buClr>
-                <a:srgbClr val="000000"/>
-              </a:buClr>
-            </a:pPr>
-            <a:endParaRPr sz="1867" kern="0">
-              <a:solidFill>
-                <a:srgbClr val="000000"/>
-              </a:solidFill>
-              <a:latin typeface="Arial"/>
-              <a:cs typeface="Arial"/>
-              <a:sym typeface="Arial"/>
-            </a:endParaRPr>
-          </a:p>
-        </p:txBody>
-      </p:sp>
-      <p:sp>
-        <p:nvSpPr>
-          <p:cNvPr id="107" name="Google Shape;107;p18"/>
-          <p:cNvSpPr/>
-          <p:nvPr/>
-        </p:nvSpPr>
-        <p:spPr>
-          <a:xfrm>
-            <a:off x="9373568" y="1863540"/>
-            <a:ext cx="366800" cy="366800"/>
-          </a:xfrm>
-          <a:prstGeom prst="snip1Rect">
-            <a:avLst>
-              <a:gd name="adj" fmla="val 16667"/>
-            </a:avLst>
-          </a:prstGeom>
-          <a:solidFill>
-            <a:srgbClr val="B4A7D6"/>
-          </a:solidFill>
-          <a:ln w="9525" cap="flat" cmpd="sng">
-            <a:solidFill>
-              <a:schemeClr val="dk2"/>
-            </a:solidFill>
-            <a:prstDash val="solid"/>
-            <a:round/>
-            <a:headEnd type="none" w="sm" len="sm"/>
-            <a:tailEnd type="none" w="sm" len="sm"/>
-          </a:ln>
-        </p:spPr>
-        <p:txBody>
-          <a:bodyPr spcFirstLastPara="1" wrap="square" lIns="121900" tIns="121900" rIns="121900" bIns="121900" anchor="ctr" anchorCtr="0">
-            <a:noAutofit/>
-          </a:bodyPr>
-          <a:lstStyle/>
-          <a:p>
-            <a:pPr defTabSz="1219170">
-              <a:buClr>
-                <a:srgbClr val="000000"/>
-              </a:buClr>
-            </a:pPr>
-            <a:endParaRPr sz="1867" kern="0">
-              <a:solidFill>
-                <a:srgbClr val="000000"/>
-              </a:solidFill>
-              <a:latin typeface="Arial"/>
-              <a:cs typeface="Arial"/>
-              <a:sym typeface="Arial"/>
-            </a:endParaRPr>
-          </a:p>
-        </p:txBody>
-      </p:sp>
-      <p:sp>
-        <p:nvSpPr>
-          <p:cNvPr id="14" name="Google Shape;76;p15">
-            <a:extLst>
-              <a:ext uri="{FF2B5EF4-FFF2-40B4-BE49-F238E27FC236}">
-                <a16:creationId xmlns:a16="http://schemas.microsoft.com/office/drawing/2014/main" id="{29C1A63E-803C-8D43-9F7E-286E4A054516}"/>
-              </a:ext>
-            </a:extLst>
-          </p:cNvPr>
-          <p:cNvSpPr txBox="1"/>
-          <p:nvPr/>
-        </p:nvSpPr>
-        <p:spPr>
-          <a:xfrm>
-            <a:off x="10643032" y="3253567"/>
-            <a:ext cx="934902" cy="446745"/>
-          </a:xfrm>
-          <a:prstGeom prst="rect">
-            <a:avLst/>
-          </a:prstGeom>
-          <a:noFill/>
-          <a:ln>
-            <a:noFill/>
-          </a:ln>
-        </p:spPr>
-        <p:txBody>
-          <a:bodyPr spcFirstLastPara="1" wrap="square" lIns="121900" tIns="121900" rIns="121900" bIns="121900" anchor="t" anchorCtr="0">
-            <a:noAutofit/>
-          </a:bodyPr>
-          <a:lstStyle/>
-          <a:p>
-            <a:pPr defTabSz="1219170">
-              <a:buClr>
-                <a:srgbClr val="000000"/>
-              </a:buClr>
-            </a:pPr>
-            <a:r>
-              <a:rPr lang="en" sz="1333" b="1" i="1" kern="0" dirty="0">
-                <a:solidFill>
-                  <a:srgbClr val="6AA84F"/>
-                </a:solidFill>
-                <a:latin typeface="Lato"/>
-                <a:ea typeface="Lato"/>
-                <a:cs typeface="Lato"/>
-                <a:sym typeface="Lato"/>
-              </a:rPr>
-              <a:t>User</a:t>
-            </a:r>
-            <a:endParaRPr sz="1333" b="1" i="1" kern="0" dirty="0">
-              <a:solidFill>
-                <a:srgbClr val="6AA84F"/>
-              </a:solidFill>
-              <a:latin typeface="Lato"/>
-              <a:ea typeface="Lato"/>
-              <a:cs typeface="Lato"/>
-              <a:sym typeface="Lato"/>
-            </a:endParaRPr>
-          </a:p>
-        </p:txBody>
-      </p:sp>
-      <p:sp>
-        <p:nvSpPr>
-          <p:cNvPr id="15" name="Google Shape;76;p15">
-            <a:extLst>
-              <a:ext uri="{FF2B5EF4-FFF2-40B4-BE49-F238E27FC236}">
-                <a16:creationId xmlns:a16="http://schemas.microsoft.com/office/drawing/2014/main" id="{2A0456FE-0F6D-B94F-9E3D-8B6A086AB03F}"/>
-              </a:ext>
-            </a:extLst>
-          </p:cNvPr>
-          <p:cNvSpPr txBox="1"/>
-          <p:nvPr/>
-        </p:nvSpPr>
-        <p:spPr>
-          <a:xfrm>
-            <a:off x="10643032" y="2538567"/>
-            <a:ext cx="934902" cy="446745"/>
-          </a:xfrm>
-          <a:prstGeom prst="rect">
-            <a:avLst/>
-          </a:prstGeom>
-          <a:noFill/>
-          <a:ln>
-            <a:noFill/>
-          </a:ln>
-        </p:spPr>
-        <p:txBody>
-          <a:bodyPr spcFirstLastPara="1" wrap="square" lIns="121900" tIns="121900" rIns="121900" bIns="121900" anchor="t" anchorCtr="0">
-            <a:noAutofit/>
-          </a:bodyPr>
-          <a:lstStyle/>
-          <a:p>
-            <a:pPr defTabSz="1219170">
-              <a:buClr>
-                <a:srgbClr val="000000"/>
-              </a:buClr>
-            </a:pPr>
-            <a:r>
-              <a:rPr lang="en" sz="1333" b="1" i="1" kern="0" dirty="0">
-                <a:solidFill>
-                  <a:srgbClr val="6AA84F"/>
-                </a:solidFill>
-                <a:latin typeface="Lato"/>
-                <a:ea typeface="Lato"/>
-                <a:cs typeface="Lato"/>
-                <a:sym typeface="Lato"/>
-              </a:rPr>
-              <a:t>Movie</a:t>
-            </a:r>
-            <a:endParaRPr sz="1333" b="1" i="1" kern="0" dirty="0">
-              <a:solidFill>
-                <a:srgbClr val="6AA84F"/>
-              </a:solidFill>
-              <a:latin typeface="Lato"/>
-              <a:ea typeface="Lato"/>
-              <a:cs typeface="Lato"/>
-              <a:sym typeface="Lato"/>
-            </a:endParaRPr>
-          </a:p>
-        </p:txBody>
-      </p:sp>
-      <p:sp>
-        <p:nvSpPr>
-          <p:cNvPr id="16" name="Google Shape;76;p15">
-            <a:extLst>
-              <a:ext uri="{FF2B5EF4-FFF2-40B4-BE49-F238E27FC236}">
-                <a16:creationId xmlns:a16="http://schemas.microsoft.com/office/drawing/2014/main" id="{38EE39EE-D6F4-7F4F-823D-3A12C75BE0DE}"/>
-              </a:ext>
-            </a:extLst>
-          </p:cNvPr>
-          <p:cNvSpPr txBox="1"/>
-          <p:nvPr/>
-        </p:nvSpPr>
-        <p:spPr>
-          <a:xfrm>
-            <a:off x="10643032" y="1746498"/>
-            <a:ext cx="934902" cy="446745"/>
-          </a:xfrm>
-          <a:prstGeom prst="rect">
-            <a:avLst/>
-          </a:prstGeom>
-          <a:noFill/>
-          <a:ln>
-            <a:noFill/>
-          </a:ln>
-        </p:spPr>
-        <p:txBody>
-          <a:bodyPr spcFirstLastPara="1" wrap="square" lIns="121900" tIns="121900" rIns="121900" bIns="121900" anchor="t" anchorCtr="0">
-            <a:noAutofit/>
-          </a:bodyPr>
-          <a:lstStyle/>
-          <a:p>
-            <a:pPr defTabSz="1219170">
-              <a:buClr>
-                <a:srgbClr val="000000"/>
-              </a:buClr>
-            </a:pPr>
-            <a:r>
-              <a:rPr lang="en" sz="1333" b="1" i="1" kern="0" dirty="0">
-                <a:solidFill>
-                  <a:srgbClr val="6AA84F"/>
-                </a:solidFill>
-                <a:latin typeface="Lato"/>
-                <a:ea typeface="Lato"/>
-                <a:cs typeface="Lato"/>
-                <a:sym typeface="Lato"/>
-              </a:rPr>
-              <a:t>Genre </a:t>
-            </a:r>
-            <a:endParaRPr sz="1333" b="1" i="1" kern="0" dirty="0">
-              <a:solidFill>
-                <a:srgbClr val="6AA84F"/>
-              </a:solidFill>
-              <a:latin typeface="Lato"/>
-              <a:ea typeface="Lato"/>
-              <a:cs typeface="Lato"/>
-              <a:sym typeface="Lato"/>
-            </a:endParaRPr>
-          </a:p>
-        </p:txBody>
-      </p:sp>
-      <p:cxnSp>
-        <p:nvCxnSpPr>
-          <p:cNvPr id="19" name="Straight Connector 18">
-            <a:extLst>
-              <a:ext uri="{FF2B5EF4-FFF2-40B4-BE49-F238E27FC236}">
-                <a16:creationId xmlns:a16="http://schemas.microsoft.com/office/drawing/2014/main" id="{5C7F411C-F710-3046-9693-E0625C0C9F09}"/>
-              </a:ext>
-            </a:extLst>
-          </p:cNvPr>
-          <p:cNvCxnSpPr>
-            <a:cxnSpLocks/>
-            <a:stCxn id="104" idx="1"/>
-            <a:endCxn id="101" idx="2"/>
-          </p:cNvCxnSpPr>
-          <p:nvPr/>
-        </p:nvCxnSpPr>
-        <p:spPr>
-          <a:xfrm flipH="1" flipV="1">
-            <a:off x="8426168" y="2945340"/>
-            <a:ext cx="619117" cy="401917"/>
-          </a:xfrm>
-          <a:prstGeom prst="line">
-            <a:avLst/>
-          </a:prstGeom>
-          <a:ln w="28575">
-            <a:solidFill>
-              <a:schemeClr val="bg1">
-                <a:lumMod val="85000"/>
-              </a:schemeClr>
-            </a:solidFill>
-          </a:ln>
-        </p:spPr>
-        <p:style>
-          <a:lnRef idx="1">
-            <a:schemeClr val="accent1"/>
-          </a:lnRef>
-          <a:fillRef idx="0">
-            <a:schemeClr val="accent1"/>
-          </a:fillRef>
-          <a:effectRef idx="0">
-            <a:schemeClr val="accent1"/>
-          </a:effectRef>
-          <a:fontRef idx="minor">
-            <a:schemeClr val="tx1"/>
-          </a:fontRef>
-        </p:style>
-      </p:cxnSp>
-      <p:cxnSp>
-        <p:nvCxnSpPr>
-          <p:cNvPr id="3" name="Straight Connector 2">
-            <a:extLst>
-              <a:ext uri="{FF2B5EF4-FFF2-40B4-BE49-F238E27FC236}">
-                <a16:creationId xmlns:a16="http://schemas.microsoft.com/office/drawing/2014/main" id="{E10EFC03-6B8F-1C4A-AE74-96656D491B5E}"/>
-              </a:ext>
-            </a:extLst>
-          </p:cNvPr>
-          <p:cNvCxnSpPr>
-            <a:cxnSpLocks/>
-            <a:stCxn id="100" idx="7"/>
-            <a:endCxn id="103" idx="2"/>
-          </p:cNvCxnSpPr>
-          <p:nvPr/>
-        </p:nvCxnSpPr>
-        <p:spPr>
-          <a:xfrm flipV="1">
-            <a:off x="8555851" y="2945340"/>
-            <a:ext cx="619117" cy="401917"/>
-          </a:xfrm>
-          <a:prstGeom prst="line">
-            <a:avLst/>
-          </a:prstGeom>
-          <a:ln w="28575"/>
-        </p:spPr>
-        <p:style>
-          <a:lnRef idx="1">
-            <a:schemeClr val="accent1"/>
-          </a:lnRef>
-          <a:fillRef idx="0">
-            <a:schemeClr val="accent1"/>
-          </a:fillRef>
-          <a:effectRef idx="0">
-            <a:schemeClr val="accent1"/>
-          </a:effectRef>
-          <a:fontRef idx="minor">
-            <a:schemeClr val="tx1"/>
-          </a:fontRef>
-        </p:style>
-      </p:cxnSp>
-      <p:cxnSp>
-        <p:nvCxnSpPr>
-          <p:cNvPr id="27" name="Straight Connector 26">
-            <a:extLst>
-              <a:ext uri="{FF2B5EF4-FFF2-40B4-BE49-F238E27FC236}">
-                <a16:creationId xmlns:a16="http://schemas.microsoft.com/office/drawing/2014/main" id="{7704B864-D518-0945-88F1-2586F0D4616A}"/>
-              </a:ext>
-            </a:extLst>
-          </p:cNvPr>
-          <p:cNvCxnSpPr>
-            <a:cxnSpLocks/>
-            <a:stCxn id="101" idx="0"/>
-            <a:endCxn id="106" idx="1"/>
-          </p:cNvCxnSpPr>
-          <p:nvPr/>
-        </p:nvCxnSpPr>
-        <p:spPr>
-          <a:xfrm flipV="1">
-            <a:off x="8426168" y="2230340"/>
-            <a:ext cx="366800" cy="348200"/>
-          </a:xfrm>
-          <a:prstGeom prst="line">
-            <a:avLst/>
-          </a:prstGeom>
-          <a:ln w="28575">
-            <a:solidFill>
-              <a:schemeClr val="bg1">
-                <a:lumMod val="85000"/>
-              </a:schemeClr>
-            </a:solidFill>
-          </a:ln>
-        </p:spPr>
-        <p:style>
-          <a:lnRef idx="1">
-            <a:schemeClr val="accent1"/>
-          </a:lnRef>
-          <a:fillRef idx="0">
-            <a:schemeClr val="accent1"/>
-          </a:fillRef>
-          <a:effectRef idx="0">
-            <a:schemeClr val="accent1"/>
-          </a:effectRef>
-          <a:fontRef idx="minor">
-            <a:schemeClr val="tx1"/>
-          </a:fontRef>
-        </p:style>
-      </p:cxnSp>
-      <p:cxnSp>
-        <p:nvCxnSpPr>
-          <p:cNvPr id="30" name="Straight Connector 29">
-            <a:extLst>
-              <a:ext uri="{FF2B5EF4-FFF2-40B4-BE49-F238E27FC236}">
-                <a16:creationId xmlns:a16="http://schemas.microsoft.com/office/drawing/2014/main" id="{01C4A352-25AB-0F4A-8F56-64C5F1E02AEB}"/>
-              </a:ext>
-            </a:extLst>
-          </p:cNvPr>
-          <p:cNvCxnSpPr>
-            <a:cxnSpLocks/>
-            <a:stCxn id="103" idx="0"/>
-            <a:endCxn id="107" idx="1"/>
-          </p:cNvCxnSpPr>
-          <p:nvPr/>
-        </p:nvCxnSpPr>
-        <p:spPr>
-          <a:xfrm flipV="1">
-            <a:off x="9174968" y="2230340"/>
-            <a:ext cx="382000" cy="348200"/>
-          </a:xfrm>
-          <a:prstGeom prst="line">
-            <a:avLst/>
-          </a:prstGeom>
-          <a:ln w="28575">
-            <a:solidFill>
-              <a:schemeClr val="bg1">
-                <a:lumMod val="85000"/>
-              </a:schemeClr>
-            </a:solidFill>
-          </a:ln>
-        </p:spPr>
-        <p:style>
-          <a:lnRef idx="1">
-            <a:schemeClr val="accent1"/>
-          </a:lnRef>
-          <a:fillRef idx="0">
-            <a:schemeClr val="accent1"/>
-          </a:fillRef>
-          <a:effectRef idx="0">
-            <a:schemeClr val="accent1"/>
-          </a:effectRef>
-          <a:fontRef idx="minor">
-            <a:schemeClr val="tx1"/>
-          </a:fontRef>
-        </p:style>
-      </p:cxnSp>
-      <p:cxnSp>
-        <p:nvCxnSpPr>
-          <p:cNvPr id="33" name="Straight Connector 32">
-            <a:extLst>
-              <a:ext uri="{FF2B5EF4-FFF2-40B4-BE49-F238E27FC236}">
-                <a16:creationId xmlns:a16="http://schemas.microsoft.com/office/drawing/2014/main" id="{7A4B57A2-241B-2B43-8548-96FCF529E375}"/>
-              </a:ext>
-            </a:extLst>
-          </p:cNvPr>
-          <p:cNvCxnSpPr>
-            <a:cxnSpLocks/>
-            <a:stCxn id="104" idx="7"/>
-            <a:endCxn id="102" idx="2"/>
-          </p:cNvCxnSpPr>
-          <p:nvPr/>
-        </p:nvCxnSpPr>
-        <p:spPr>
-          <a:xfrm flipV="1">
-            <a:off x="9304651" y="2945340"/>
-            <a:ext cx="619117" cy="401917"/>
-          </a:xfrm>
-          <a:prstGeom prst="line">
-            <a:avLst/>
-          </a:prstGeom>
-          <a:ln w="28575">
-            <a:solidFill>
-              <a:schemeClr val="bg1">
-                <a:lumMod val="85000"/>
-              </a:schemeClr>
-            </a:solidFill>
-          </a:ln>
-        </p:spPr>
-        <p:style>
-          <a:lnRef idx="1">
-            <a:schemeClr val="accent1"/>
-          </a:lnRef>
-          <a:fillRef idx="0">
-            <a:schemeClr val="accent1"/>
-          </a:fillRef>
-          <a:effectRef idx="0">
-            <a:schemeClr val="accent1"/>
-          </a:effectRef>
-          <a:fontRef idx="minor">
-            <a:schemeClr val="tx1"/>
-          </a:fontRef>
-        </p:style>
-      </p:cxnSp>
-      <p:cxnSp>
-        <p:nvCxnSpPr>
-          <p:cNvPr id="24" name="Straight Connector 23">
-            <a:extLst>
-              <a:ext uri="{FF2B5EF4-FFF2-40B4-BE49-F238E27FC236}">
-                <a16:creationId xmlns:a16="http://schemas.microsoft.com/office/drawing/2014/main" id="{DC211C8C-D0A5-BC4E-BC77-AE7FC9FA5AF5}"/>
-              </a:ext>
-            </a:extLst>
-          </p:cNvPr>
-          <p:cNvCxnSpPr>
-            <a:cxnSpLocks/>
-            <a:stCxn id="105" idx="1"/>
-            <a:endCxn id="103" idx="2"/>
-          </p:cNvCxnSpPr>
-          <p:nvPr/>
-        </p:nvCxnSpPr>
-        <p:spPr>
-          <a:xfrm flipH="1" flipV="1">
-            <a:off x="9174968" y="2945340"/>
-            <a:ext cx="619117" cy="401917"/>
-          </a:xfrm>
-          <a:prstGeom prst="line">
-            <a:avLst/>
-          </a:prstGeom>
-          <a:ln w="28575"/>
-        </p:spPr>
-        <p:style>
-          <a:lnRef idx="1">
-            <a:schemeClr val="accent1"/>
-          </a:lnRef>
-          <a:fillRef idx="0">
-            <a:schemeClr val="accent1"/>
-          </a:fillRef>
-          <a:effectRef idx="0">
-            <a:schemeClr val="accent1"/>
-          </a:effectRef>
-          <a:fontRef idx="minor">
-            <a:schemeClr val="tx1"/>
-          </a:fontRef>
-        </p:style>
-      </p:cxnSp>
-      <p:cxnSp>
-        <p:nvCxnSpPr>
-          <p:cNvPr id="36" name="Straight Connector 35">
-            <a:extLst>
-              <a:ext uri="{FF2B5EF4-FFF2-40B4-BE49-F238E27FC236}">
-                <a16:creationId xmlns:a16="http://schemas.microsoft.com/office/drawing/2014/main" id="{2CAC1E46-6A3B-9348-9E24-B3DD340DACB3}"/>
-              </a:ext>
-            </a:extLst>
-          </p:cNvPr>
-          <p:cNvCxnSpPr>
-            <a:cxnSpLocks/>
-            <a:stCxn id="104" idx="0"/>
-            <a:endCxn id="103" idx="2"/>
-          </p:cNvCxnSpPr>
-          <p:nvPr/>
-        </p:nvCxnSpPr>
-        <p:spPr>
-          <a:xfrm flipV="1">
-            <a:off x="9174968" y="2945340"/>
-            <a:ext cx="0" cy="348200"/>
-          </a:xfrm>
-          <a:prstGeom prst="line">
-            <a:avLst/>
-          </a:prstGeom>
-          <a:ln w="28575">
-            <a:solidFill>
-              <a:schemeClr val="accent1"/>
-            </a:solidFill>
-          </a:ln>
-        </p:spPr>
-        <p:style>
-          <a:lnRef idx="1">
-            <a:schemeClr val="accent1"/>
-          </a:lnRef>
-          <a:fillRef idx="0">
-            <a:schemeClr val="accent1"/>
-          </a:fillRef>
-          <a:effectRef idx="0">
-            <a:schemeClr val="accent1"/>
-          </a:effectRef>
-          <a:fontRef idx="minor">
-            <a:schemeClr val="tx1"/>
-          </a:fontRef>
-        </p:style>
-      </p:cxnSp>
-      <p:sp>
-        <p:nvSpPr>
-          <p:cNvPr id="39" name="Google Shape;76;p15">
-            <a:extLst>
-              <a:ext uri="{FF2B5EF4-FFF2-40B4-BE49-F238E27FC236}">
-                <a16:creationId xmlns:a16="http://schemas.microsoft.com/office/drawing/2014/main" id="{A93B8165-A9C4-CB47-8294-3941F90C3A50}"/>
-              </a:ext>
-            </a:extLst>
-          </p:cNvPr>
-          <p:cNvSpPr txBox="1"/>
-          <p:nvPr/>
-        </p:nvSpPr>
-        <p:spPr>
-          <a:xfrm>
-            <a:off x="8342915" y="2981025"/>
-            <a:ext cx="332501" cy="446745"/>
-          </a:xfrm>
-          <a:prstGeom prst="rect">
-            <a:avLst/>
-          </a:prstGeom>
-          <a:noFill/>
-          <a:ln>
-            <a:noFill/>
-          </a:ln>
-        </p:spPr>
-        <p:txBody>
-          <a:bodyPr spcFirstLastPara="1" wrap="square" lIns="121900" tIns="121900" rIns="121900" bIns="121900" anchor="t" anchorCtr="0">
-            <a:noAutofit/>
-          </a:bodyPr>
-          <a:lstStyle/>
-          <a:p>
-            <a:pPr defTabSz="1219170">
-              <a:buClr>
-                <a:srgbClr val="000000"/>
-              </a:buClr>
-            </a:pPr>
-            <a:r>
-              <a:rPr lang="en" sz="1333" b="1" i="1" kern="0" dirty="0">
-                <a:latin typeface="Lato"/>
-                <a:ea typeface="Lato"/>
-                <a:cs typeface="Lato"/>
-                <a:sym typeface="Lato"/>
-              </a:rPr>
-              <a:t>5</a:t>
-            </a:r>
-            <a:endParaRPr sz="1333" b="1" i="1" kern="0" dirty="0">
-              <a:latin typeface="Lato"/>
-              <a:ea typeface="Lato"/>
-              <a:cs typeface="Lato"/>
-              <a:sym typeface="Lato"/>
-            </a:endParaRPr>
-          </a:p>
-        </p:txBody>
-      </p:sp>
-      <p:sp>
-        <p:nvSpPr>
-          <p:cNvPr id="41" name="Google Shape;76;p15">
-            <a:extLst>
-              <a:ext uri="{FF2B5EF4-FFF2-40B4-BE49-F238E27FC236}">
-                <a16:creationId xmlns:a16="http://schemas.microsoft.com/office/drawing/2014/main" id="{AFB939FE-196F-D94C-BFEA-E81BFCDA116C}"/>
-              </a:ext>
-            </a:extLst>
-          </p:cNvPr>
-          <p:cNvSpPr txBox="1"/>
-          <p:nvPr/>
-        </p:nvSpPr>
-        <p:spPr>
-          <a:xfrm>
-            <a:off x="9138399" y="3001172"/>
-            <a:ext cx="332501" cy="446745"/>
-          </a:xfrm>
-          <a:prstGeom prst="rect">
-            <a:avLst/>
-          </a:prstGeom>
-          <a:noFill/>
-          <a:ln>
-            <a:noFill/>
-          </a:ln>
-        </p:spPr>
-        <p:txBody>
-          <a:bodyPr spcFirstLastPara="1" wrap="square" lIns="121900" tIns="121900" rIns="121900" bIns="121900" anchor="t" anchorCtr="0">
-            <a:noAutofit/>
-          </a:bodyPr>
-          <a:lstStyle/>
-          <a:p>
-            <a:pPr defTabSz="1219170">
-              <a:buClr>
-                <a:srgbClr val="000000"/>
-              </a:buClr>
-            </a:pPr>
-            <a:r>
-              <a:rPr lang="en" sz="1333" b="1" i="1" kern="0" dirty="0">
-                <a:latin typeface="Lato"/>
-                <a:ea typeface="Lato"/>
-                <a:cs typeface="Lato"/>
-                <a:sym typeface="Lato"/>
-              </a:rPr>
-              <a:t>2</a:t>
-            </a:r>
-            <a:endParaRPr sz="1333" b="1" i="1" kern="0" dirty="0">
-              <a:latin typeface="Lato"/>
-              <a:ea typeface="Lato"/>
-              <a:cs typeface="Lato"/>
-              <a:sym typeface="Lato"/>
-            </a:endParaRPr>
-          </a:p>
-        </p:txBody>
-      </p:sp>
-      <p:sp>
-        <p:nvSpPr>
-          <p:cNvPr id="42" name="Google Shape;76;p15">
-            <a:extLst>
-              <a:ext uri="{FF2B5EF4-FFF2-40B4-BE49-F238E27FC236}">
-                <a16:creationId xmlns:a16="http://schemas.microsoft.com/office/drawing/2014/main" id="{C65D3CE5-B01A-F847-A8AD-12A08FF0CF12}"/>
-              </a:ext>
-            </a:extLst>
-          </p:cNvPr>
-          <p:cNvSpPr txBox="1"/>
-          <p:nvPr/>
-        </p:nvSpPr>
-        <p:spPr>
-          <a:xfrm>
-            <a:off x="9715873" y="2981024"/>
-            <a:ext cx="332501" cy="446745"/>
-          </a:xfrm>
-          <a:prstGeom prst="rect">
-            <a:avLst/>
-          </a:prstGeom>
-          <a:noFill/>
-          <a:ln>
-            <a:noFill/>
-          </a:ln>
-        </p:spPr>
-        <p:txBody>
-          <a:bodyPr spcFirstLastPara="1" wrap="square" lIns="121900" tIns="121900" rIns="121900" bIns="121900" anchor="t" anchorCtr="0">
-            <a:noAutofit/>
-          </a:bodyPr>
-          <a:lstStyle/>
-          <a:p>
-            <a:pPr defTabSz="1219170">
-              <a:buClr>
-                <a:srgbClr val="000000"/>
-              </a:buClr>
-            </a:pPr>
-            <a:r>
-              <a:rPr lang="en" sz="1333" b="1" i="1" kern="0" dirty="0">
-                <a:latin typeface="Lato"/>
-                <a:ea typeface="Lato"/>
-                <a:cs typeface="Lato"/>
-                <a:sym typeface="Lato"/>
-              </a:rPr>
-              <a:t>5</a:t>
-            </a:r>
-            <a:endParaRPr sz="1333" b="1" i="1" kern="0" dirty="0">
-              <a:latin typeface="Lato"/>
-              <a:ea typeface="Lato"/>
-              <a:cs typeface="Lato"/>
-              <a:sym typeface="Lato"/>
-            </a:endParaRPr>
-          </a:p>
-        </p:txBody>
-      </p:sp>
-    </p:spTree>
-    <p:extLst>
-      <p:ext uri="{BB962C8B-B14F-4D97-AF65-F5344CB8AC3E}">
-        <p14:creationId xmlns:p14="http://schemas.microsoft.com/office/powerpoint/2010/main" val="489676590"/>
-      </p:ext>
-    </p:extLst>
-  </p:cSld>
-  <p:clrMapOvr>
-    <a:masterClrMapping/>
-  </p:clrMapOvr>
-</p:sld>
-</file>
-
-<file path=ppt/slides/slide8.xml><?xml version="1.0" encoding="utf-8"?>
-<p:sld xmlns:a="http://schemas.openxmlformats.org/drawingml/2006/main" xmlns:r="http://schemas.openxmlformats.org/officeDocument/2006/relationships" xmlns:p="http://schemas.openxmlformats.org/presentationml/2006/main">
-  <p:cSld>
-    <p:spTree>
-      <p:nvGrpSpPr>
-        <p:cNvPr id="1" name="Shape 111"/>
-        <p:cNvGrpSpPr/>
-        <p:nvPr/>
-      </p:nvGrpSpPr>
-      <p:grpSpPr>
-        <a:xfrm>
-          <a:off x="0" y="0"/>
-          <a:ext cx="0" cy="0"/>
-          <a:chOff x="0" y="0"/>
-          <a:chExt cx="0" cy="0"/>
-        </a:xfrm>
-      </p:grpSpPr>
-      <p:sp>
-        <p:nvSpPr>
-          <p:cNvPr id="112" name="Google Shape;112;p19"/>
-          <p:cNvSpPr txBox="1">
-            <a:spLocks noGrp="1"/>
-          </p:cNvSpPr>
-          <p:nvPr>
-            <p:ph type="title"/>
-          </p:nvPr>
-        </p:nvSpPr>
-        <p:spPr>
-          <a:xfrm>
-            <a:off x="415600" y="521800"/>
-            <a:ext cx="11360800" cy="834800"/>
-          </a:xfrm>
-          <a:prstGeom prst="rect">
-            <a:avLst/>
-          </a:prstGeom>
-        </p:spPr>
-        <p:txBody>
-          <a:bodyPr spcFirstLastPara="1" wrap="square" lIns="121900" tIns="121900" rIns="121900" bIns="121900" anchor="t" anchorCtr="0">
-            <a:noAutofit/>
-          </a:bodyPr>
-          <a:lstStyle/>
-          <a:p>
-            <a:r>
-              <a:rPr lang="en"/>
-              <a:t>Experiment setup</a:t>
-            </a:r>
-            <a:endParaRPr/>
-          </a:p>
-        </p:txBody>
-      </p:sp>
-      <p:sp>
-        <p:nvSpPr>
-          <p:cNvPr id="113" name="Google Shape;113;p19"/>
-          <p:cNvSpPr txBox="1">
-            <a:spLocks noGrp="1"/>
-          </p:cNvSpPr>
-          <p:nvPr>
-            <p:ph type="body" idx="1"/>
-          </p:nvPr>
-        </p:nvSpPr>
-        <p:spPr>
-          <a:xfrm>
-            <a:off x="415600" y="1536633"/>
-            <a:ext cx="11360800" cy="4555200"/>
-          </a:xfrm>
-          <a:prstGeom prst="rect">
-            <a:avLst/>
-          </a:prstGeom>
-        </p:spPr>
-        <p:txBody>
-          <a:bodyPr spcFirstLastPara="1" wrap="square" lIns="121900" tIns="121900" rIns="121900" bIns="121900" anchor="t" anchorCtr="0">
-            <a:noAutofit/>
-          </a:bodyPr>
-          <a:lstStyle/>
-          <a:p>
-            <a:pPr>
-              <a:buChar char="-"/>
-            </a:pPr>
-            <a:r>
-              <a:rPr lang="en" sz="2400" dirty="0"/>
-              <a:t>Methods</a:t>
-            </a:r>
-            <a:endParaRPr sz="2400" dirty="0"/>
-          </a:p>
-          <a:p>
-            <a:pPr lvl="1">
-              <a:spcBef>
-                <a:spcPts val="0"/>
-              </a:spcBef>
-              <a:buChar char="-"/>
-            </a:pPr>
-            <a:r>
-              <a:rPr lang="en" sz="2400" b="1" dirty="0">
-                <a:solidFill>
-                  <a:srgbClr val="6AA84F"/>
-                </a:solidFill>
-              </a:rPr>
-              <a:t>Our work</a:t>
-            </a:r>
-            <a:r>
-              <a:rPr lang="en" sz="2400" dirty="0"/>
-              <a:t>:</a:t>
-            </a:r>
-            <a:endParaRPr sz="2400" dirty="0"/>
-          </a:p>
-          <a:p>
-            <a:pPr lvl="2">
-              <a:spcBef>
-                <a:spcPts val="0"/>
-              </a:spcBef>
-              <a:buChar char="-"/>
-            </a:pPr>
-            <a:r>
-              <a:rPr lang="en" sz="2400" dirty="0"/>
-              <a:t>For </a:t>
-            </a:r>
-            <a:r>
-              <a:rPr lang="en" sz="2400" b="1" dirty="0">
-                <a:solidFill>
-                  <a:schemeClr val="dk1"/>
-                </a:solidFill>
-              </a:rPr>
-              <a:t>movie representations</a:t>
-            </a:r>
-            <a:r>
-              <a:rPr lang="en" sz="2400" dirty="0"/>
-              <a:t>: Text only, Graph only, Both text and graph</a:t>
-            </a:r>
-            <a:endParaRPr sz="2400" dirty="0"/>
-          </a:p>
-          <a:p>
-            <a:pPr lvl="2">
-              <a:spcBef>
-                <a:spcPts val="0"/>
-              </a:spcBef>
-              <a:buChar char="-"/>
-            </a:pPr>
-            <a:r>
-              <a:rPr lang="en" sz="2400" dirty="0"/>
-              <a:t>Can change </a:t>
-            </a:r>
-            <a:r>
-              <a:rPr lang="en" sz="2400" b="1" dirty="0">
-                <a:solidFill>
-                  <a:schemeClr val="dk1"/>
-                </a:solidFill>
-              </a:rPr>
-              <a:t>text embedding</a:t>
-            </a:r>
-            <a:r>
-              <a:rPr lang="en" sz="2400" dirty="0"/>
-              <a:t> method / </a:t>
-            </a:r>
-            <a:r>
-              <a:rPr lang="en" sz="2400" b="1" dirty="0">
-                <a:solidFill>
-                  <a:schemeClr val="dk1"/>
-                </a:solidFill>
-              </a:rPr>
-              <a:t>classifier</a:t>
-            </a:r>
-            <a:r>
-              <a:rPr lang="en" sz="2400" dirty="0"/>
-              <a:t> model… </a:t>
-            </a:r>
-            <a:endParaRPr sz="2400" dirty="0"/>
-          </a:p>
-          <a:p>
-            <a:pPr lvl="1">
-              <a:spcBef>
-                <a:spcPts val="0"/>
-              </a:spcBef>
-              <a:buChar char="-"/>
-            </a:pPr>
-            <a:r>
-              <a:rPr lang="en" sz="2400" b="1" dirty="0">
-                <a:solidFill>
-                  <a:srgbClr val="6AA84F"/>
-                </a:solidFill>
-              </a:rPr>
-              <a:t>Other baselines</a:t>
-            </a:r>
-            <a:r>
-              <a:rPr lang="en" sz="2400" dirty="0"/>
-              <a:t>: SVD, movie2vec</a:t>
-            </a:r>
-            <a:endParaRPr sz="2400" dirty="0"/>
-          </a:p>
-          <a:p>
-            <a:pPr>
-              <a:buChar char="-"/>
-            </a:pPr>
-            <a:r>
-              <a:rPr lang="en" sz="2400" dirty="0"/>
-              <a:t>Metric</a:t>
-            </a:r>
-            <a:endParaRPr sz="2400" dirty="0"/>
-          </a:p>
-          <a:p>
-            <a:pPr lvl="1">
-              <a:spcBef>
-                <a:spcPts val="0"/>
-              </a:spcBef>
-              <a:buChar char="-"/>
-            </a:pPr>
-            <a:r>
-              <a:rPr lang="en" sz="2400" dirty="0"/>
-              <a:t>Mean Absolute Error (</a:t>
-            </a:r>
-            <a:r>
-              <a:rPr lang="en" sz="2400" b="1" dirty="0">
-                <a:solidFill>
-                  <a:srgbClr val="6AA84F"/>
-                </a:solidFill>
-              </a:rPr>
-              <a:t>MAE</a:t>
-            </a:r>
-            <a:r>
-              <a:rPr lang="en" sz="2400" dirty="0"/>
-              <a:t>)</a:t>
-            </a:r>
-            <a:endParaRPr sz="2400" dirty="0"/>
-          </a:p>
-          <a:p>
-            <a:pPr lvl="1">
-              <a:spcBef>
-                <a:spcPts val="0"/>
-              </a:spcBef>
-              <a:buChar char="-"/>
-            </a:pPr>
-            <a:r>
-              <a:rPr lang="en" sz="2400" dirty="0"/>
-              <a:t>Mean Squared Error (</a:t>
-            </a:r>
-            <a:r>
-              <a:rPr lang="en" sz="2400" b="1" dirty="0">
-                <a:solidFill>
-                  <a:srgbClr val="6AA84F"/>
-                </a:solidFill>
-              </a:rPr>
-              <a:t>MSE</a:t>
-            </a:r>
-            <a:r>
-              <a:rPr lang="en" sz="2400" dirty="0"/>
-              <a:t>)</a:t>
-            </a:r>
-            <a:endParaRPr sz="2400" dirty="0"/>
-          </a:p>
-          <a:p>
-            <a:pPr lvl="1">
-              <a:spcBef>
-                <a:spcPts val="0"/>
-              </a:spcBef>
-              <a:buChar char="-"/>
-            </a:pPr>
-            <a:r>
-              <a:rPr lang="en" sz="2400" b="1" dirty="0">
-                <a:solidFill>
-                  <a:srgbClr val="6AA84F"/>
-                </a:solidFill>
-              </a:rPr>
-              <a:t>Accuracy</a:t>
-            </a:r>
-            <a:endParaRPr sz="2400" dirty="0"/>
-          </a:p>
-          <a:p>
-            <a:pPr lvl="1">
-              <a:spcBef>
-                <a:spcPts val="0"/>
-              </a:spcBef>
-              <a:buChar char="-"/>
-            </a:pPr>
-            <a:r>
-              <a:rPr lang="en" sz="2400" b="1" dirty="0">
-                <a:solidFill>
-                  <a:srgbClr val="6AA84F"/>
-                </a:solidFill>
-              </a:rPr>
-              <a:t>F1-Score</a:t>
-            </a:r>
-            <a:endParaRPr sz="2400" dirty="0"/>
-          </a:p>
-        </p:txBody>
-      </p:sp>
-    </p:spTree>
-    <p:extLst>
-      <p:ext uri="{BB962C8B-B14F-4D97-AF65-F5344CB8AC3E}">
-        <p14:creationId xmlns:p14="http://schemas.microsoft.com/office/powerpoint/2010/main" val="3734850207"/>
-      </p:ext>
-    </p:extLst>
-  </p:cSld>
-  <p:clrMapOvr>
-    <a:masterClrMapping/>
-  </p:clrMapOvr>
-</p:sld>
-</file>
-
-<file path=ppt/slides/slide9.xml><?xml version="1.0" encoding="utf-8"?>
-<p:sld xmlns:a="http://schemas.openxmlformats.org/drawingml/2006/main" xmlns:r="http://schemas.openxmlformats.org/officeDocument/2006/relationships" xmlns:p="http://schemas.openxmlformats.org/presentationml/2006/main">
-  <p:cSld>
-    <p:spTree>
-      <p:nvGrpSpPr>
-        <p:cNvPr id="1" name="Shape 117"/>
-        <p:cNvGrpSpPr/>
-        <p:nvPr/>
-      </p:nvGrpSpPr>
-      <p:grpSpPr>
-        <a:xfrm>
-          <a:off x="0" y="0"/>
-          <a:ext cx="0" cy="0"/>
-          <a:chOff x="0" y="0"/>
-          <a:chExt cx="0" cy="0"/>
-        </a:xfrm>
-      </p:grpSpPr>
-      <p:sp>
-        <p:nvSpPr>
-          <p:cNvPr id="118" name="Google Shape;118;p20"/>
-          <p:cNvSpPr txBox="1">
-            <a:spLocks noGrp="1"/>
-          </p:cNvSpPr>
-          <p:nvPr>
-            <p:ph type="title"/>
-          </p:nvPr>
-        </p:nvSpPr>
-        <p:spPr>
-          <a:xfrm>
-            <a:off x="415600" y="521800"/>
-            <a:ext cx="11360800" cy="834800"/>
-          </a:xfrm>
-          <a:prstGeom prst="rect">
-            <a:avLst/>
-          </a:prstGeom>
-        </p:spPr>
-        <p:txBody>
-          <a:bodyPr spcFirstLastPara="1" wrap="square" lIns="121900" tIns="121900" rIns="121900" bIns="121900" anchor="t" anchorCtr="0">
-            <a:noAutofit/>
-          </a:bodyPr>
-          <a:lstStyle/>
-          <a:p>
-            <a:r>
-              <a:rPr lang="en"/>
-              <a:t>Preliminary results</a:t>
-            </a:r>
-            <a:endParaRPr/>
-          </a:p>
-        </p:txBody>
-      </p:sp>
-      <p:sp>
-        <p:nvSpPr>
-          <p:cNvPr id="119" name="Google Shape;119;p20"/>
-          <p:cNvSpPr txBox="1">
-            <a:spLocks noGrp="1"/>
-          </p:cNvSpPr>
-          <p:nvPr>
-            <p:ph type="body" idx="1"/>
-          </p:nvPr>
-        </p:nvSpPr>
-        <p:spPr>
-          <a:xfrm>
-            <a:off x="415600" y="1536633"/>
-            <a:ext cx="11360800" cy="4555200"/>
-          </a:xfrm>
-          <a:prstGeom prst="rect">
-            <a:avLst/>
-          </a:prstGeom>
-        </p:spPr>
-        <p:txBody>
-          <a:bodyPr spcFirstLastPara="1" wrap="square" lIns="121900" tIns="121900" rIns="121900" bIns="121900" anchor="t" anchorCtr="0">
-            <a:noAutofit/>
-          </a:bodyPr>
-          <a:lstStyle/>
-          <a:p>
-            <a:pPr marL="0" indent="0">
-              <a:spcAft>
-                <a:spcPts val="2133"/>
-              </a:spcAft>
-              <a:buNone/>
-            </a:pPr>
-            <a:r>
-              <a:rPr lang="en" sz="1600" dirty="0"/>
-              <a:t>Method: Graph embedding (movies) + MLP (classifier)</a:t>
-            </a:r>
-            <a:endParaRPr sz="1600" dirty="0"/>
-          </a:p>
-        </p:txBody>
-      </p:sp>
-      <p:pic>
-        <p:nvPicPr>
-          <p:cNvPr id="120" name="Google Shape;120;p20" title="Points scored"/>
-          <p:cNvPicPr preferRelativeResize="0"/>
-          <p:nvPr/>
-        </p:nvPicPr>
-        <p:blipFill>
-          <a:blip r:embed="rId3">
-            <a:alphaModFix/>
-          </a:blip>
-          <a:stretch>
-            <a:fillRect/>
-          </a:stretch>
-        </p:blipFill>
-        <p:spPr>
-          <a:xfrm>
-            <a:off x="6390934" y="2671667"/>
-            <a:ext cx="4807732" cy="2972767"/>
-          </a:xfrm>
-          <a:prstGeom prst="rect">
-            <a:avLst/>
-          </a:prstGeom>
-          <a:noFill/>
-          <a:ln>
-            <a:noFill/>
-          </a:ln>
-        </p:spPr>
-      </p:pic>
-      <p:pic>
-        <p:nvPicPr>
-          <p:cNvPr id="121" name="Google Shape;121;p20" title="Points scored"/>
-          <p:cNvPicPr preferRelativeResize="0"/>
-          <p:nvPr/>
-        </p:nvPicPr>
-        <p:blipFill>
-          <a:blip r:embed="rId4">
-            <a:alphaModFix/>
-          </a:blip>
-          <a:stretch>
-            <a:fillRect/>
-          </a:stretch>
-        </p:blipFill>
-        <p:spPr>
-          <a:xfrm>
-            <a:off x="1006034" y="2671667"/>
-            <a:ext cx="4807732" cy="2972767"/>
-          </a:xfrm>
-          <a:prstGeom prst="rect">
-            <a:avLst/>
-          </a:prstGeom>
-          <a:noFill/>
-          <a:ln>
-            <a:noFill/>
-          </a:ln>
-        </p:spPr>
-      </p:pic>
-    </p:spTree>
-    <p:extLst>
-      <p:ext uri="{BB962C8B-B14F-4D97-AF65-F5344CB8AC3E}">
-        <p14:creationId xmlns:p14="http://schemas.microsoft.com/office/powerpoint/2010/main" val="970733297"/>
       </p:ext>
     </p:extLst>
   </p:cSld>
